--- a/(slide) House_Price.pptx
+++ b/(slide) House_Price.pptx
@@ -5,36 +5,44 @@
     <p:sldMasterId id="2147483656" r:id="rId1"/>
   </p:sldMasterIdLst>
   <p:notesMasterIdLst>
-    <p:notesMasterId r:id="rId13"/>
+    <p:notesMasterId r:id="rId16"/>
   </p:notesMasterIdLst>
   <p:sldIdLst>
     <p:sldId id="257" r:id="rId2"/>
     <p:sldId id="260" r:id="rId3"/>
     <p:sldId id="261" r:id="rId4"/>
     <p:sldId id="258" r:id="rId5"/>
-    <p:sldId id="263" r:id="rId6"/>
-    <p:sldId id="264" r:id="rId7"/>
-    <p:sldId id="265" r:id="rId8"/>
-    <p:sldId id="266" r:id="rId9"/>
-    <p:sldId id="267" r:id="rId10"/>
-    <p:sldId id="268" r:id="rId11"/>
-    <p:sldId id="269" r:id="rId12"/>
+    <p:sldId id="270" r:id="rId6"/>
+    <p:sldId id="271" r:id="rId7"/>
+    <p:sldId id="272" r:id="rId8"/>
+    <p:sldId id="263" r:id="rId9"/>
+    <p:sldId id="264" r:id="rId10"/>
+    <p:sldId id="265" r:id="rId11"/>
+    <p:sldId id="266" r:id="rId12"/>
+    <p:sldId id="267" r:id="rId13"/>
+    <p:sldId id="268" r:id="rId14"/>
+    <p:sldId id="269" r:id="rId15"/>
   </p:sldIdLst>
   <p:sldSz cx="12192000" cy="6858000"/>
   <p:notesSz cx="6858000" cy="9144000"/>
   <p:embeddedFontLst>
     <p:embeddedFont>
+      <p:font typeface="나눔스퀘어 ExtraBold" panose="020B0600000101010101" pitchFamily="50" charset="-127"/>
+      <p:bold r:id="rId17"/>
+    </p:embeddedFont>
+    <p:embeddedFont>
       <p:font typeface="맑은 고딕" panose="020B0503020000020004" pitchFamily="50" charset="-127"/>
-      <p:regular r:id="rId14"/>
-      <p:bold r:id="rId15"/>
+      <p:regular r:id="rId18"/>
+      <p:bold r:id="rId19"/>
     </p:embeddedFont>
     <p:embeddedFont>
       <p:font typeface="나눔스퀘어 Bold" panose="020B0600000101010101" pitchFamily="50" charset="-127"/>
-      <p:bold r:id="rId16"/>
+      <p:bold r:id="rId20"/>
     </p:embeddedFont>
     <p:embeddedFont>
-      <p:font typeface="나눔스퀘어 ExtraBold" panose="020B0600000101010101" pitchFamily="50" charset="-127"/>
-      <p:bold r:id="rId17"/>
+      <p:font typeface="나눔바른고딕" panose="020B0603020101020101" pitchFamily="50" charset="-127"/>
+      <p:regular r:id="rId21"/>
+      <p:bold r:id="rId22"/>
     </p:embeddedFont>
   </p:embeddedFontLst>
   <p:defaultTextStyle>
@@ -133,6 +141,32 @@
     </a:lvl9pPr>
   </p:defaultTextStyle>
   <p:extLst>
+    <p:ext uri="{521415D9-36F7-43E2-AB2F-B90AF26B5E84}">
+      <p14:sectionLst xmlns:p14="http://schemas.microsoft.com/office/powerpoint/2010/main">
+        <p14:section name="기본 구역" id="{3D2C3E0F-9838-4F22-AF5E-7927965321E5}">
+          <p14:sldIdLst>
+            <p14:sldId id="257"/>
+            <p14:sldId id="260"/>
+            <p14:sldId id="261"/>
+            <p14:sldId id="258"/>
+            <p14:sldId id="270"/>
+            <p14:sldId id="271"/>
+            <p14:sldId id="272"/>
+            <p14:sldId id="263"/>
+          </p14:sldIdLst>
+        </p14:section>
+        <p14:section name="제목 없는 구역" id="{4474BC26-E792-49B3-806A-EE4CEC515345}">
+          <p14:sldIdLst>
+            <p14:sldId id="264"/>
+            <p14:sldId id="265"/>
+            <p14:sldId id="266"/>
+            <p14:sldId id="267"/>
+            <p14:sldId id="268"/>
+            <p14:sldId id="269"/>
+          </p14:sldIdLst>
+        </p14:section>
+      </p14:sectionLst>
+    </p:ext>
     <p:ext uri="{EFAFB233-063F-42B5-8137-9DF3F51BA10A}">
       <p15:sldGuideLst xmlns:p15="http://schemas.microsoft.com/office/powerpoint/2012/main"/>
     </p:ext>
@@ -222,7 +256,7 @@
           <a:p>
             <a:fld id="{17FB36FB-C10C-479A-9DFD-15DEB134881C}" type="datetimeFigureOut">
               <a:rPr lang="ko-KR" altLang="en-US" smtClean="0"/>
-              <a:t>2020-08-31</a:t>
+              <a:t>2020-09-25</a:t>
             </a:fld>
             <a:endParaRPr lang="ko-KR" altLang="en-US"/>
           </a:p>
@@ -992,8 +1026,8 @@
         </p:nvSpPr>
         <p:spPr>
           <a:xfrm>
-            <a:off x="4629098" y="2447473"/>
-            <a:ext cx="2933815" cy="1200329"/>
+            <a:off x="3558295" y="2447473"/>
+            <a:ext cx="5075428" cy="1200329"/>
           </a:xfrm>
           <a:prstGeom prst="rect">
             <a:avLst/>
@@ -1015,7 +1049,7 @@
                 <a:latin typeface="나눔스퀘어 ExtraBold" panose="020B0600000101010101" pitchFamily="50" charset="-127"/>
                 <a:ea typeface="나눔스퀘어 ExtraBold" panose="020B0600000101010101" pitchFamily="50" charset="-127"/>
               </a:rPr>
-              <a:t>Titanic</a:t>
+              <a:t>House Price</a:t>
             </a:r>
             <a:endParaRPr lang="ko-KR" altLang="en-US" sz="7200" spc="-300" dirty="0">
               <a:solidFill>
@@ -1137,14 +1171,360 @@
       </p:grpSpPr>
       <p:sp>
         <p:nvSpPr>
-          <p:cNvPr id="11" name="TextBox 10"/>
+          <p:cNvPr id="2" name="TextBox 1"/>
           <p:cNvSpPr txBox="1"/>
           <p:nvPr/>
         </p:nvSpPr>
         <p:spPr>
           <a:xfrm>
-            <a:off x="2693979" y="2091297"/>
-            <a:ext cx="946221" cy="584775"/>
+            <a:off x="4000500" y="2472873"/>
+            <a:ext cx="797013" cy="769441"/>
+          </a:xfrm>
+          <a:prstGeom prst="rect">
+            <a:avLst/>
+          </a:prstGeom>
+          <a:noFill/>
+        </p:spPr>
+        <p:txBody>
+          <a:bodyPr wrap="none" rtlCol="0">
+            <a:spAutoFit/>
+          </a:bodyPr>
+          <a:lstStyle/>
+          <a:p>
+            <a:r>
+              <a:rPr lang="en-US" altLang="ko-KR" sz="4400" spc="-300" dirty="0" smtClean="0">
+                <a:solidFill>
+                  <a:srgbClr val="00002F"/>
+                </a:solidFill>
+                <a:latin typeface="나눔스퀘어 Bold" panose="020B0600000101010101" pitchFamily="50" charset="-127"/>
+                <a:ea typeface="나눔스퀘어 Bold" panose="020B0600000101010101" pitchFamily="50" charset="-127"/>
+              </a:rPr>
+              <a:t>03</a:t>
+            </a:r>
+            <a:endParaRPr lang="ko-KR" altLang="en-US" sz="4400" spc="-300" dirty="0">
+              <a:solidFill>
+                <a:srgbClr val="00002F"/>
+              </a:solidFill>
+              <a:latin typeface="나눔스퀘어 Bold" panose="020B0600000101010101" pitchFamily="50" charset="-127"/>
+              <a:ea typeface="나눔스퀘어 Bold" panose="020B0600000101010101" pitchFamily="50" charset="-127"/>
+            </a:endParaRPr>
+          </a:p>
+        </p:txBody>
+      </p:sp>
+      <p:sp>
+        <p:nvSpPr>
+          <p:cNvPr id="3" name="직사각형 2"/>
+          <p:cNvSpPr/>
+          <p:nvPr/>
+        </p:nvSpPr>
+        <p:spPr>
+          <a:xfrm>
+            <a:off x="4000499" y="3169741"/>
+            <a:ext cx="4200071" cy="473345"/>
+          </a:xfrm>
+          <a:prstGeom prst="rect">
+            <a:avLst/>
+          </a:prstGeom>
+          <a:solidFill>
+            <a:srgbClr val="8DBABD"/>
+          </a:solidFill>
+          <a:ln>
+            <a:solidFill>
+              <a:srgbClr val="8DBABD"/>
+            </a:solidFill>
+          </a:ln>
+        </p:spPr>
+        <p:style>
+          <a:lnRef idx="2">
+            <a:schemeClr val="accent1">
+              <a:shade val="50000"/>
+            </a:schemeClr>
+          </a:lnRef>
+          <a:fillRef idx="1">
+            <a:schemeClr val="accent1"/>
+          </a:fillRef>
+          <a:effectRef idx="0">
+            <a:schemeClr val="accent1"/>
+          </a:effectRef>
+          <a:fontRef idx="minor">
+            <a:schemeClr val="lt1"/>
+          </a:fontRef>
+        </p:style>
+        <p:txBody>
+          <a:bodyPr rtlCol="0" anchor="ctr"/>
+          <a:lstStyle/>
+          <a:p>
+            <a:pPr algn="ctr"/>
+            <a:r>
+              <a:rPr lang="en-US" altLang="ko-KR" dirty="0" smtClean="0">
+                <a:latin typeface="나눔스퀘어 Bold" panose="020B0600000101010101" pitchFamily="50" charset="-127"/>
+                <a:ea typeface="나눔스퀘어 Bold" panose="020B0600000101010101" pitchFamily="50" charset="-127"/>
+              </a:rPr>
+              <a:t>Method</a:t>
+            </a:r>
+            <a:endParaRPr lang="ko-KR" altLang="en-US" dirty="0">
+              <a:latin typeface="나눔스퀘어 Bold" panose="020B0600000101010101" pitchFamily="50" charset="-127"/>
+              <a:ea typeface="나눔스퀘어 Bold" panose="020B0600000101010101" pitchFamily="50" charset="-127"/>
+            </a:endParaRPr>
+          </a:p>
+        </p:txBody>
+      </p:sp>
+    </p:spTree>
+    <p:extLst>
+      <p:ext uri="{BB962C8B-B14F-4D97-AF65-F5344CB8AC3E}">
+        <p14:creationId xmlns:p14="http://schemas.microsoft.com/office/powerpoint/2010/main" val="244040977"/>
+      </p:ext>
+    </p:extLst>
+  </p:cSld>
+  <p:clrMapOvr>
+    <a:masterClrMapping/>
+  </p:clrMapOvr>
+  <p:timing>
+    <p:tnLst>
+      <p:par>
+        <p:cTn id="1" dur="indefinite" restart="never" nodeType="tmRoot"/>
+      </p:par>
+    </p:tnLst>
+  </p:timing>
+</p:sld>
+</file>
+
+<file path=ppt/slides/slide11.xml><?xml version="1.0" encoding="utf-8"?>
+<p:sld xmlns:a="http://schemas.openxmlformats.org/drawingml/2006/main" xmlns:r="http://schemas.openxmlformats.org/officeDocument/2006/relationships" xmlns:p="http://schemas.openxmlformats.org/presentationml/2006/main">
+  <p:cSld>
+    <p:spTree>
+      <p:nvGrpSpPr>
+        <p:cNvPr id="1" name=""/>
+        <p:cNvGrpSpPr/>
+        <p:nvPr/>
+      </p:nvGrpSpPr>
+      <p:grpSpPr>
+        <a:xfrm>
+          <a:off x="0" y="0"/>
+          <a:ext cx="0" cy="0"/>
+          <a:chOff x="0" y="0"/>
+          <a:chExt cx="0" cy="0"/>
+        </a:xfrm>
+      </p:grpSpPr>
+      <p:cxnSp>
+        <p:nvCxnSpPr>
+          <p:cNvPr id="14" name="직선 연결선 13"/>
+          <p:cNvCxnSpPr/>
+          <p:nvPr/>
+        </p:nvCxnSpPr>
+        <p:spPr>
+          <a:xfrm>
+            <a:off x="10430892" y="144941"/>
+            <a:ext cx="360000" cy="0"/>
+          </a:xfrm>
+          <a:prstGeom prst="line">
+            <a:avLst/>
+          </a:prstGeom>
+          <a:ln w="44450" cap="rnd">
+            <a:solidFill>
+              <a:srgbClr val="D0CECE"/>
+            </a:solidFill>
+          </a:ln>
+          <a:effectLst>
+            <a:outerShdw blurRad="50800" dist="38100" dir="5400000" algn="t" rotWithShape="0">
+              <a:prstClr val="black">
+                <a:alpha val="40000"/>
+              </a:prstClr>
+            </a:outerShdw>
+          </a:effectLst>
+        </p:spPr>
+        <p:style>
+          <a:lnRef idx="1">
+            <a:schemeClr val="accent1"/>
+          </a:lnRef>
+          <a:fillRef idx="0">
+            <a:schemeClr val="accent1"/>
+          </a:fillRef>
+          <a:effectRef idx="0">
+            <a:schemeClr val="accent1"/>
+          </a:effectRef>
+          <a:fontRef idx="minor">
+            <a:schemeClr val="tx1"/>
+          </a:fontRef>
+        </p:style>
+      </p:cxnSp>
+      <p:cxnSp>
+        <p:nvCxnSpPr>
+          <p:cNvPr id="15" name="직선 연결선 14"/>
+          <p:cNvCxnSpPr/>
+          <p:nvPr/>
+        </p:nvCxnSpPr>
+        <p:spPr>
+          <a:xfrm>
+            <a:off x="10858459" y="144941"/>
+            <a:ext cx="360000" cy="0"/>
+          </a:xfrm>
+          <a:prstGeom prst="line">
+            <a:avLst/>
+          </a:prstGeom>
+          <a:ln w="44450" cap="rnd">
+            <a:solidFill>
+              <a:schemeClr val="bg2">
+                <a:lumMod val="90000"/>
+              </a:schemeClr>
+            </a:solidFill>
+          </a:ln>
+          <a:effectLst>
+            <a:outerShdw blurRad="50800" dist="38100" dir="5400000" algn="t" rotWithShape="0">
+              <a:prstClr val="black">
+                <a:alpha val="40000"/>
+              </a:prstClr>
+            </a:outerShdw>
+          </a:effectLst>
+        </p:spPr>
+        <p:style>
+          <a:lnRef idx="1">
+            <a:schemeClr val="accent1"/>
+          </a:lnRef>
+          <a:fillRef idx="0">
+            <a:schemeClr val="accent1"/>
+          </a:fillRef>
+          <a:effectRef idx="0">
+            <a:schemeClr val="accent1"/>
+          </a:effectRef>
+          <a:fontRef idx="minor">
+            <a:schemeClr val="tx1"/>
+          </a:fontRef>
+        </p:style>
+      </p:cxnSp>
+      <p:cxnSp>
+        <p:nvCxnSpPr>
+          <p:cNvPr id="16" name="직선 연결선 15"/>
+          <p:cNvCxnSpPr/>
+          <p:nvPr/>
+        </p:nvCxnSpPr>
+        <p:spPr>
+          <a:xfrm>
+            <a:off x="11286026" y="144941"/>
+            <a:ext cx="360000" cy="0"/>
+          </a:xfrm>
+          <a:prstGeom prst="line">
+            <a:avLst/>
+          </a:prstGeom>
+          <a:ln w="44450" cap="rnd">
+            <a:solidFill>
+              <a:srgbClr val="8DBABD"/>
+            </a:solidFill>
+          </a:ln>
+          <a:effectLst>
+            <a:outerShdw blurRad="50800" dist="38100" dir="5400000" algn="t" rotWithShape="0">
+              <a:prstClr val="black">
+                <a:alpha val="40000"/>
+              </a:prstClr>
+            </a:outerShdw>
+          </a:effectLst>
+        </p:spPr>
+        <p:style>
+          <a:lnRef idx="1">
+            <a:schemeClr val="accent1"/>
+          </a:lnRef>
+          <a:fillRef idx="0">
+            <a:schemeClr val="accent1"/>
+          </a:fillRef>
+          <a:effectRef idx="0">
+            <a:schemeClr val="accent1"/>
+          </a:effectRef>
+          <a:fontRef idx="minor">
+            <a:schemeClr val="tx1"/>
+          </a:fontRef>
+        </p:style>
+      </p:cxnSp>
+      <p:cxnSp>
+        <p:nvCxnSpPr>
+          <p:cNvPr id="17" name="직선 연결선 16"/>
+          <p:cNvCxnSpPr/>
+          <p:nvPr/>
+        </p:nvCxnSpPr>
+        <p:spPr>
+          <a:xfrm>
+            <a:off x="11713592" y="144941"/>
+            <a:ext cx="360000" cy="0"/>
+          </a:xfrm>
+          <a:prstGeom prst="line">
+            <a:avLst/>
+          </a:prstGeom>
+          <a:ln w="44450" cap="rnd">
+            <a:solidFill>
+              <a:schemeClr val="bg2">
+                <a:lumMod val="90000"/>
+              </a:schemeClr>
+            </a:solidFill>
+          </a:ln>
+          <a:effectLst>
+            <a:outerShdw blurRad="50800" dist="38100" dir="5400000" algn="t" rotWithShape="0">
+              <a:prstClr val="black">
+                <a:alpha val="40000"/>
+              </a:prstClr>
+            </a:outerShdw>
+          </a:effectLst>
+        </p:spPr>
+        <p:style>
+          <a:lnRef idx="1">
+            <a:schemeClr val="accent1"/>
+          </a:lnRef>
+          <a:fillRef idx="0">
+            <a:schemeClr val="accent1"/>
+          </a:fillRef>
+          <a:effectRef idx="0">
+            <a:schemeClr val="accent1"/>
+          </a:effectRef>
+          <a:fontRef idx="minor">
+            <a:schemeClr val="tx1"/>
+          </a:fontRef>
+        </p:style>
+      </p:cxnSp>
+      <p:cxnSp>
+        <p:nvCxnSpPr>
+          <p:cNvPr id="18" name="직선 연결선 17"/>
+          <p:cNvCxnSpPr/>
+          <p:nvPr/>
+        </p:nvCxnSpPr>
+        <p:spPr>
+          <a:xfrm>
+            <a:off x="1026522" y="989148"/>
+            <a:ext cx="2160000" cy="0"/>
+          </a:xfrm>
+          <a:prstGeom prst="line">
+            <a:avLst/>
+          </a:prstGeom>
+          <a:ln>
+            <a:solidFill>
+              <a:schemeClr val="bg1">
+                <a:lumMod val="50000"/>
+              </a:schemeClr>
+            </a:solidFill>
+          </a:ln>
+        </p:spPr>
+        <p:style>
+          <a:lnRef idx="1">
+            <a:schemeClr val="accent1"/>
+          </a:lnRef>
+          <a:fillRef idx="0">
+            <a:schemeClr val="accent1"/>
+          </a:fillRef>
+          <a:effectRef idx="0">
+            <a:schemeClr val="accent1"/>
+          </a:effectRef>
+          <a:fontRef idx="minor">
+            <a:schemeClr val="tx1"/>
+          </a:fontRef>
+        </p:style>
+      </p:cxnSp>
+      <p:sp>
+        <p:nvSpPr>
+          <p:cNvPr id="19" name="TextBox 18"/>
+          <p:cNvSpPr txBox="1"/>
+          <p:nvPr/>
+        </p:nvSpPr>
+        <p:spPr>
+          <a:xfrm>
+            <a:off x="1311057" y="437393"/>
+            <a:ext cx="1593706" cy="584775"/>
           </a:xfrm>
           <a:prstGeom prst="rect">
             <a:avLst/>
@@ -1161,16 +1541,16 @@
             <a:r>
               <a:rPr lang="en-US" altLang="ko-KR" sz="3200" spc="-150" dirty="0" smtClean="0">
                 <a:solidFill>
-                  <a:srgbClr val="8DBABD"/>
+                  <a:srgbClr val="00002F"/>
                 </a:solidFill>
                 <a:latin typeface="나눔스퀘어 ExtraBold" panose="020B0600000101010101" pitchFamily="50" charset="-127"/>
                 <a:ea typeface="나눔스퀘어 ExtraBold" panose="020B0600000101010101" pitchFamily="50" charset="-127"/>
               </a:rPr>
-              <a:t>Text</a:t>
+              <a:t>Method</a:t>
             </a:r>
             <a:endParaRPr lang="ko-KR" altLang="en-US" sz="3200" spc="-150" dirty="0">
               <a:solidFill>
-                <a:srgbClr val="8DBABD"/>
+                <a:srgbClr val="00002F"/>
               </a:solidFill>
               <a:latin typeface="나눔스퀘어 ExtraBold" panose="020B0600000101010101" pitchFamily="50" charset="-127"/>
               <a:ea typeface="나눔스퀘어 ExtraBold" panose="020B0600000101010101" pitchFamily="50" charset="-127"/>
@@ -1178,6 +1558,1207 @@
           </a:p>
         </p:txBody>
       </p:sp>
+      <p:sp>
+        <p:nvSpPr>
+          <p:cNvPr id="20" name="TextBox 19"/>
+          <p:cNvSpPr txBox="1"/>
+          <p:nvPr/>
+        </p:nvSpPr>
+        <p:spPr>
+          <a:xfrm>
+            <a:off x="455532" y="498947"/>
+            <a:ext cx="614271" cy="461665"/>
+          </a:xfrm>
+          <a:prstGeom prst="rect">
+            <a:avLst/>
+          </a:prstGeom>
+          <a:noFill/>
+        </p:spPr>
+        <p:txBody>
+          <a:bodyPr wrap="none" rtlCol="0">
+            <a:spAutoFit/>
+          </a:bodyPr>
+          <a:lstStyle/>
+          <a:p>
+            <a:pPr algn="ctr"/>
+            <a:r>
+              <a:rPr lang="en-US" altLang="ko-KR" sz="2400" spc="-150" dirty="0" smtClean="0">
+                <a:solidFill>
+                  <a:srgbClr val="00002F"/>
+                </a:solidFill>
+                <a:latin typeface="나눔스퀘어 ExtraBold" panose="020B0600000101010101" pitchFamily="50" charset="-127"/>
+                <a:ea typeface="나눔스퀘어 ExtraBold" panose="020B0600000101010101" pitchFamily="50" charset="-127"/>
+              </a:rPr>
+              <a:t>03.</a:t>
+            </a:r>
+            <a:endParaRPr lang="ko-KR" altLang="en-US" sz="2400" spc="-150" dirty="0">
+              <a:solidFill>
+                <a:srgbClr val="00002F"/>
+              </a:solidFill>
+              <a:latin typeface="나눔스퀘어 ExtraBold" panose="020B0600000101010101" pitchFamily="50" charset="-127"/>
+              <a:ea typeface="나눔스퀘어 ExtraBold" panose="020B0600000101010101" pitchFamily="50" charset="-127"/>
+            </a:endParaRPr>
+          </a:p>
+        </p:txBody>
+      </p:sp>
+      <p:graphicFrame>
+        <p:nvGraphicFramePr>
+          <p:cNvPr id="12" name="표 11"/>
+          <p:cNvGraphicFramePr>
+            <a:graphicFrameLocks noGrp="1"/>
+          </p:cNvGraphicFramePr>
+          <p:nvPr>
+            <p:extLst>
+              <p:ext uri="{D42A27DB-BD31-4B8C-83A1-F6EECF244321}">
+                <p14:modId xmlns:p14="http://schemas.microsoft.com/office/powerpoint/2010/main" val="4050045209"/>
+              </p:ext>
+            </p:extLst>
+          </p:nvPr>
+        </p:nvGraphicFramePr>
+        <p:xfrm>
+          <a:off x="1799109" y="1870839"/>
+          <a:ext cx="8991783" cy="3954925"/>
+        </p:xfrm>
+        <a:graphic>
+          <a:graphicData uri="http://schemas.openxmlformats.org/drawingml/2006/table">
+            <a:tbl>
+              <a:tblPr firstRow="1" bandRow="1">
+                <a:tableStyleId>{5940675A-B579-460E-94D1-54222C63F5DA}</a:tableStyleId>
+              </a:tblPr>
+              <a:tblGrid>
+                <a:gridCol w="1264549">
+                  <a:extLst>
+                    <a:ext uri="{9D8B030D-6E8A-4147-A177-3AD203B41FA5}">
+                      <a16:colId xmlns:a16="http://schemas.microsoft.com/office/drawing/2014/main" val="1115628337"/>
+                    </a:ext>
+                  </a:extLst>
+                </a:gridCol>
+                <a:gridCol w="2381648">
+                  <a:extLst>
+                    <a:ext uri="{9D8B030D-6E8A-4147-A177-3AD203B41FA5}">
+                      <a16:colId xmlns:a16="http://schemas.microsoft.com/office/drawing/2014/main" val="2771194316"/>
+                    </a:ext>
+                  </a:extLst>
+                </a:gridCol>
+                <a:gridCol w="2672793">
+                  <a:extLst>
+                    <a:ext uri="{9D8B030D-6E8A-4147-A177-3AD203B41FA5}">
+                      <a16:colId xmlns:a16="http://schemas.microsoft.com/office/drawing/2014/main" val="1172528582"/>
+                    </a:ext>
+                  </a:extLst>
+                </a:gridCol>
+                <a:gridCol w="2672793">
+                  <a:extLst>
+                    <a:ext uri="{9D8B030D-6E8A-4147-A177-3AD203B41FA5}">
+                      <a16:colId xmlns:a16="http://schemas.microsoft.com/office/drawing/2014/main" val="4291894015"/>
+                    </a:ext>
+                  </a:extLst>
+                </a:gridCol>
+              </a:tblGrid>
+              <a:tr h="650157">
+                <a:tc>
+                  <a:txBody>
+                    <a:bodyPr/>
+                    <a:lstStyle/>
+                    <a:p>
+                      <a:pPr algn="ctr" latinLnBrk="1"/>
+                      <a:endParaRPr lang="ko-KR" altLang="en-US" sz="1800" b="1" kern="1200" spc="-150" dirty="0">
+                        <a:solidFill>
+                          <a:schemeClr val="bg1"/>
+                        </a:solidFill>
+                        <a:latin typeface="나눔바른고딕" panose="020B0603020101020101" pitchFamily="50" charset="-127"/>
+                        <a:ea typeface="나눔바른고딕" panose="020B0603020101020101" pitchFamily="50" charset="-127"/>
+                        <a:cs typeface="+mn-cs"/>
+                      </a:endParaRPr>
+                    </a:p>
+                  </a:txBody>
+                  <a:tcPr anchor="ctr">
+                    <a:solidFill>
+                      <a:srgbClr val="8DBABD"/>
+                    </a:solidFill>
+                  </a:tcPr>
+                </a:tc>
+                <a:tc>
+                  <a:txBody>
+                    <a:bodyPr/>
+                    <a:lstStyle/>
+                    <a:p>
+                      <a:pPr algn="ctr" latinLnBrk="1"/>
+                      <a:r>
+                        <a:rPr lang="en-US" altLang="ko-KR" b="1" dirty="0" smtClean="0">
+                          <a:solidFill>
+                            <a:schemeClr val="bg1"/>
+                          </a:solidFill>
+                          <a:latin typeface="나눔바른고딕" panose="020B0603020101020101" pitchFamily="50" charset="-127"/>
+                          <a:ea typeface="나눔바른고딕" panose="020B0603020101020101" pitchFamily="50" charset="-127"/>
+                        </a:rPr>
+                        <a:t>R package</a:t>
+                      </a:r>
+                      <a:endParaRPr lang="ko-KR" altLang="en-US" b="1" dirty="0">
+                        <a:solidFill>
+                          <a:schemeClr val="bg1"/>
+                        </a:solidFill>
+                        <a:latin typeface="나눔바른고딕" panose="020B0603020101020101" pitchFamily="50" charset="-127"/>
+                        <a:ea typeface="나눔바른고딕" panose="020B0603020101020101" pitchFamily="50" charset="-127"/>
+                      </a:endParaRPr>
+                    </a:p>
+                  </a:txBody>
+                  <a:tcPr anchor="ctr">
+                    <a:solidFill>
+                      <a:srgbClr val="8DBABD"/>
+                    </a:solidFill>
+                  </a:tcPr>
+                </a:tc>
+                <a:tc>
+                  <a:txBody>
+                    <a:bodyPr/>
+                    <a:lstStyle/>
+                    <a:p>
+                      <a:pPr algn="ctr" latinLnBrk="1"/>
+                      <a:r>
+                        <a:rPr lang="en-US" altLang="ko-KR" b="1" dirty="0" smtClean="0">
+                          <a:solidFill>
+                            <a:schemeClr val="bg1"/>
+                          </a:solidFill>
+                          <a:latin typeface="나눔바른고딕" panose="020B0603020101020101" pitchFamily="50" charset="-127"/>
+                          <a:ea typeface="나눔바른고딕" panose="020B0603020101020101" pitchFamily="50" charset="-127"/>
+                        </a:rPr>
+                        <a:t>Tuning parameter</a:t>
+                      </a:r>
+                    </a:p>
+                    <a:p>
+                      <a:pPr algn="ctr" latinLnBrk="1"/>
+                      <a:r>
+                        <a:rPr lang="en-US" altLang="ko-KR" b="1" dirty="0" smtClean="0">
+                          <a:solidFill>
+                            <a:schemeClr val="bg1"/>
+                          </a:solidFill>
+                          <a:latin typeface="나눔바른고딕" panose="020B0603020101020101" pitchFamily="50" charset="-127"/>
+                          <a:ea typeface="나눔바른고딕" panose="020B0603020101020101" pitchFamily="50" charset="-127"/>
+                        </a:rPr>
+                        <a:t>Argument</a:t>
+                      </a:r>
+                      <a:endParaRPr lang="ko-KR" altLang="en-US" b="1" dirty="0">
+                        <a:solidFill>
+                          <a:schemeClr val="bg1"/>
+                        </a:solidFill>
+                        <a:latin typeface="나눔바른고딕" panose="020B0603020101020101" pitchFamily="50" charset="-127"/>
+                        <a:ea typeface="나눔바른고딕" panose="020B0603020101020101" pitchFamily="50" charset="-127"/>
+                      </a:endParaRPr>
+                    </a:p>
+                  </a:txBody>
+                  <a:tcPr anchor="ctr">
+                    <a:solidFill>
+                      <a:srgbClr val="8DBABD"/>
+                    </a:solidFill>
+                  </a:tcPr>
+                </a:tc>
+                <a:tc>
+                  <a:txBody>
+                    <a:bodyPr/>
+                    <a:lstStyle/>
+                    <a:p>
+                      <a:pPr algn="ctr" latinLnBrk="1"/>
+                      <a:r>
+                        <a:rPr lang="en-US" altLang="ko-KR" b="1" dirty="0" smtClean="0">
+                          <a:solidFill>
+                            <a:schemeClr val="bg1"/>
+                          </a:solidFill>
+                          <a:latin typeface="나눔바른고딕" panose="020B0603020101020101" pitchFamily="50" charset="-127"/>
+                          <a:ea typeface="나눔바른고딕" panose="020B0603020101020101" pitchFamily="50" charset="-127"/>
+                        </a:rPr>
+                        <a:t>Cross-Validation</a:t>
+                      </a:r>
+                      <a:endParaRPr lang="ko-KR" altLang="en-US" b="1" dirty="0">
+                        <a:solidFill>
+                          <a:schemeClr val="bg1"/>
+                        </a:solidFill>
+                        <a:latin typeface="나눔바른고딕" panose="020B0603020101020101" pitchFamily="50" charset="-127"/>
+                        <a:ea typeface="나눔바른고딕" panose="020B0603020101020101" pitchFamily="50" charset="-127"/>
+                      </a:endParaRPr>
+                    </a:p>
+                  </a:txBody>
+                  <a:tcPr anchor="ctr">
+                    <a:solidFill>
+                      <a:srgbClr val="8DBABD"/>
+                    </a:solidFill>
+                  </a:tcPr>
+                </a:tc>
+                <a:extLst>
+                  <a:ext uri="{0D108BD9-81ED-4DB2-BD59-A6C34878D82A}">
+                    <a16:rowId xmlns:a16="http://schemas.microsoft.com/office/drawing/2014/main" val="1366288876"/>
+                  </a:ext>
+                </a:extLst>
+              </a:tr>
+              <a:tr h="413096">
+                <a:tc>
+                  <a:txBody>
+                    <a:bodyPr/>
+                    <a:lstStyle/>
+                    <a:p>
+                      <a:pPr algn="ctr" latinLnBrk="1"/>
+                      <a:r>
+                        <a:rPr lang="en-US" altLang="ko-KR" sz="1800" b="1" kern="1200" spc="-150" dirty="0" smtClean="0">
+                          <a:solidFill>
+                            <a:schemeClr val="bg1"/>
+                          </a:solidFill>
+                          <a:latin typeface="나눔바른고딕" panose="020B0603020101020101" pitchFamily="50" charset="-127"/>
+                          <a:ea typeface="나눔바른고딕" panose="020B0603020101020101" pitchFamily="50" charset="-127"/>
+                          <a:cs typeface="+mn-cs"/>
+                        </a:rPr>
+                        <a:t>Lm</a:t>
+                      </a:r>
+                      <a:endParaRPr lang="ko-KR" altLang="en-US" sz="1800" b="1" kern="1200" spc="-150" dirty="0">
+                        <a:solidFill>
+                          <a:schemeClr val="bg1"/>
+                        </a:solidFill>
+                        <a:latin typeface="나눔바른고딕" panose="020B0603020101020101" pitchFamily="50" charset="-127"/>
+                        <a:ea typeface="나눔바른고딕" panose="020B0603020101020101" pitchFamily="50" charset="-127"/>
+                        <a:cs typeface="+mn-cs"/>
+                      </a:endParaRPr>
+                    </a:p>
+                  </a:txBody>
+                  <a:tcPr anchor="ctr">
+                    <a:solidFill>
+                      <a:srgbClr val="8DBABD"/>
+                    </a:solidFill>
+                  </a:tcPr>
+                </a:tc>
+                <a:tc>
+                  <a:txBody>
+                    <a:bodyPr/>
+                    <a:lstStyle/>
+                    <a:p>
+                      <a:pPr algn="ctr" latinLnBrk="1"/>
+                      <a:r>
+                        <a:rPr lang="en-US" altLang="ko-KR" dirty="0" smtClean="0">
+                          <a:latin typeface="나눔바른고딕" panose="020B0603020101020101" pitchFamily="50" charset="-127"/>
+                          <a:ea typeface="나눔바른고딕" panose="020B0603020101020101" pitchFamily="50" charset="-127"/>
+                        </a:rPr>
+                        <a:t>built</a:t>
+                      </a:r>
+                      <a:r>
+                        <a:rPr lang="en-US" altLang="ko-KR" baseline="0" dirty="0" smtClean="0">
+                          <a:latin typeface="나눔바른고딕" panose="020B0603020101020101" pitchFamily="50" charset="-127"/>
+                          <a:ea typeface="나눔바른고딕" panose="020B0603020101020101" pitchFamily="50" charset="-127"/>
+                        </a:rPr>
+                        <a:t>-in function</a:t>
+                      </a:r>
+                      <a:endParaRPr lang="ko-KR" altLang="en-US" dirty="0">
+                        <a:latin typeface="나눔바른고딕" panose="020B0603020101020101" pitchFamily="50" charset="-127"/>
+                        <a:ea typeface="나눔바른고딕" panose="020B0603020101020101" pitchFamily="50" charset="-127"/>
+                      </a:endParaRPr>
+                    </a:p>
+                  </a:txBody>
+                  <a:tcPr anchor="ctr"/>
+                </a:tc>
+                <a:tc>
+                  <a:txBody>
+                    <a:bodyPr/>
+                    <a:lstStyle/>
+                    <a:p>
+                      <a:pPr algn="ctr" latinLnBrk="1"/>
+                      <a:r>
+                        <a:rPr lang="en-US" altLang="ko-KR" dirty="0" smtClean="0">
+                          <a:latin typeface="나눔바른고딕" panose="020B0603020101020101" pitchFamily="50" charset="-127"/>
+                          <a:ea typeface="나눔바른고딕" panose="020B0603020101020101" pitchFamily="50" charset="-127"/>
+                        </a:rPr>
+                        <a:t>-</a:t>
+                      </a:r>
+                      <a:endParaRPr lang="ko-KR" altLang="en-US" dirty="0">
+                        <a:latin typeface="나눔바른고딕" panose="020B0603020101020101" pitchFamily="50" charset="-127"/>
+                        <a:ea typeface="나눔바른고딕" panose="020B0603020101020101" pitchFamily="50" charset="-127"/>
+                      </a:endParaRPr>
+                    </a:p>
+                  </a:txBody>
+                  <a:tcPr anchor="ctr"/>
+                </a:tc>
+                <a:tc rowSpan="8">
+                  <a:txBody>
+                    <a:bodyPr/>
+                    <a:lstStyle/>
+                    <a:p>
+                      <a:pPr algn="ctr" latinLnBrk="1"/>
+                      <a:r>
+                        <a:rPr lang="en-US" altLang="ko-KR" dirty="0" smtClean="0">
+                          <a:latin typeface="나눔바른고딕" panose="020B0603020101020101" pitchFamily="50" charset="-127"/>
+                          <a:ea typeface="나눔바른고딕" panose="020B0603020101020101" pitchFamily="50" charset="-127"/>
+                        </a:rPr>
+                        <a:t>5 </a:t>
+                      </a:r>
+                      <a:r>
+                        <a:rPr lang="en-US" altLang="ko-KR" dirty="0" smtClean="0">
+                          <a:latin typeface="나눔바른고딕" panose="020B0603020101020101" pitchFamily="50" charset="-127"/>
+                          <a:ea typeface="나눔바른고딕" panose="020B0603020101020101" pitchFamily="50" charset="-127"/>
+                        </a:rPr>
+                        <a:t>fold</a:t>
+                      </a:r>
+                      <a:endParaRPr lang="ko-KR" altLang="en-US" dirty="0">
+                        <a:latin typeface="나눔바른고딕" panose="020B0603020101020101" pitchFamily="50" charset="-127"/>
+                        <a:ea typeface="나눔바른고딕" panose="020B0603020101020101" pitchFamily="50" charset="-127"/>
+                      </a:endParaRPr>
+                    </a:p>
+                  </a:txBody>
+                  <a:tcPr anchor="ctr"/>
+                </a:tc>
+                <a:extLst>
+                  <a:ext uri="{0D108BD9-81ED-4DB2-BD59-A6C34878D82A}">
+                    <a16:rowId xmlns:a16="http://schemas.microsoft.com/office/drawing/2014/main" val="3059771673"/>
+                  </a:ext>
+                </a:extLst>
+              </a:tr>
+              <a:tr h="413096">
+                <a:tc>
+                  <a:txBody>
+                    <a:bodyPr/>
+                    <a:lstStyle/>
+                    <a:p>
+                      <a:pPr algn="ctr" latinLnBrk="1"/>
+                      <a:r>
+                        <a:rPr lang="en-US" altLang="ko-KR" sz="1800" b="1" kern="1200" spc="-150" dirty="0" smtClean="0">
+                          <a:solidFill>
+                            <a:schemeClr val="bg1"/>
+                          </a:solidFill>
+                          <a:latin typeface="나눔바른고딕" panose="020B0603020101020101" pitchFamily="50" charset="-127"/>
+                          <a:ea typeface="나눔바른고딕" panose="020B0603020101020101" pitchFamily="50" charset="-127"/>
+                          <a:cs typeface="+mn-cs"/>
+                        </a:rPr>
+                        <a:t>LASSO</a:t>
+                      </a:r>
+                      <a:endParaRPr lang="ko-KR" altLang="en-US" sz="1800" b="1" kern="1200" spc="-150" dirty="0">
+                        <a:solidFill>
+                          <a:schemeClr val="bg1"/>
+                        </a:solidFill>
+                        <a:latin typeface="나눔바른고딕" panose="020B0603020101020101" pitchFamily="50" charset="-127"/>
+                        <a:ea typeface="나눔바른고딕" panose="020B0603020101020101" pitchFamily="50" charset="-127"/>
+                        <a:cs typeface="+mn-cs"/>
+                      </a:endParaRPr>
+                    </a:p>
+                  </a:txBody>
+                  <a:tcPr anchor="ctr">
+                    <a:solidFill>
+                      <a:srgbClr val="8DBABD"/>
+                    </a:solidFill>
+                  </a:tcPr>
+                </a:tc>
+                <a:tc>
+                  <a:txBody>
+                    <a:bodyPr/>
+                    <a:lstStyle/>
+                    <a:p>
+                      <a:pPr algn="ctr" latinLnBrk="1"/>
+                      <a:r>
+                        <a:rPr lang="en-US" altLang="ko-KR" dirty="0" err="1" smtClean="0">
+                          <a:latin typeface="나눔바른고딕" panose="020B0603020101020101" pitchFamily="50" charset="-127"/>
+                          <a:ea typeface="나눔바른고딕" panose="020B0603020101020101" pitchFamily="50" charset="-127"/>
+                        </a:rPr>
+                        <a:t>glmnet</a:t>
+                      </a:r>
+                      <a:endParaRPr lang="ko-KR" altLang="en-US" dirty="0">
+                        <a:latin typeface="나눔바른고딕" panose="020B0603020101020101" pitchFamily="50" charset="-127"/>
+                        <a:ea typeface="나눔바른고딕" panose="020B0603020101020101" pitchFamily="50" charset="-127"/>
+                      </a:endParaRPr>
+                    </a:p>
+                  </a:txBody>
+                  <a:tcPr anchor="ctr"/>
+                </a:tc>
+                <a:tc>
+                  <a:txBody>
+                    <a:bodyPr/>
+                    <a:lstStyle/>
+                    <a:p>
+                      <a:pPr algn="ctr" latinLnBrk="1"/>
+                      <a:r>
+                        <a:rPr lang="en-US" altLang="ko-KR" dirty="0" smtClean="0">
+                          <a:latin typeface="나눔바른고딕" panose="020B0603020101020101" pitchFamily="50" charset="-127"/>
+                          <a:ea typeface="나눔바른고딕" panose="020B0603020101020101" pitchFamily="50" charset="-127"/>
+                        </a:rPr>
+                        <a:t>lambda</a:t>
+                      </a:r>
+                      <a:endParaRPr lang="ko-KR" altLang="en-US" dirty="0">
+                        <a:latin typeface="나눔바른고딕" panose="020B0603020101020101" pitchFamily="50" charset="-127"/>
+                        <a:ea typeface="나눔바른고딕" panose="020B0603020101020101" pitchFamily="50" charset="-127"/>
+                      </a:endParaRPr>
+                    </a:p>
+                  </a:txBody>
+                  <a:tcPr anchor="ctr"/>
+                </a:tc>
+                <a:tc vMerge="1">
+                  <a:txBody>
+                    <a:bodyPr/>
+                    <a:lstStyle/>
+                    <a:p>
+                      <a:pPr algn="ctr" latinLnBrk="1"/>
+                      <a:endParaRPr lang="ko-KR" altLang="en-US" dirty="0"/>
+                    </a:p>
+                  </a:txBody>
+                  <a:tcPr anchor="ctr"/>
+                </a:tc>
+                <a:extLst>
+                  <a:ext uri="{0D108BD9-81ED-4DB2-BD59-A6C34878D82A}">
+                    <a16:rowId xmlns:a16="http://schemas.microsoft.com/office/drawing/2014/main" val="3148013260"/>
+                  </a:ext>
+                </a:extLst>
+              </a:tr>
+              <a:tr h="413096">
+                <a:tc>
+                  <a:txBody>
+                    <a:bodyPr/>
+                    <a:lstStyle/>
+                    <a:p>
+                      <a:pPr algn="ctr" latinLnBrk="1"/>
+                      <a:r>
+                        <a:rPr lang="en-US" altLang="ko-KR" sz="1800" b="1" kern="1200" spc="-150" dirty="0" smtClean="0">
+                          <a:solidFill>
+                            <a:schemeClr val="bg1"/>
+                          </a:solidFill>
+                          <a:latin typeface="나눔바른고딕" panose="020B0603020101020101" pitchFamily="50" charset="-127"/>
+                          <a:ea typeface="나눔바른고딕" panose="020B0603020101020101" pitchFamily="50" charset="-127"/>
+                          <a:cs typeface="+mn-cs"/>
+                        </a:rPr>
+                        <a:t>Ridge</a:t>
+                      </a:r>
+                      <a:endParaRPr lang="ko-KR" altLang="en-US" sz="1800" b="1" kern="1200" spc="-150" dirty="0">
+                        <a:solidFill>
+                          <a:schemeClr val="bg1"/>
+                        </a:solidFill>
+                        <a:latin typeface="나눔바른고딕" panose="020B0603020101020101" pitchFamily="50" charset="-127"/>
+                        <a:ea typeface="나눔바른고딕" panose="020B0603020101020101" pitchFamily="50" charset="-127"/>
+                        <a:cs typeface="+mn-cs"/>
+                      </a:endParaRPr>
+                    </a:p>
+                  </a:txBody>
+                  <a:tcPr anchor="ctr">
+                    <a:solidFill>
+                      <a:srgbClr val="8DBABD"/>
+                    </a:solidFill>
+                  </a:tcPr>
+                </a:tc>
+                <a:tc>
+                  <a:txBody>
+                    <a:bodyPr/>
+                    <a:lstStyle/>
+                    <a:p>
+                      <a:pPr algn="ctr" latinLnBrk="1"/>
+                      <a:r>
+                        <a:rPr lang="en-US" altLang="ko-KR" dirty="0" err="1" smtClean="0">
+                          <a:latin typeface="나눔바른고딕" panose="020B0603020101020101" pitchFamily="50" charset="-127"/>
+                          <a:ea typeface="나눔바른고딕" panose="020B0603020101020101" pitchFamily="50" charset="-127"/>
+                        </a:rPr>
+                        <a:t>Glmnet</a:t>
+                      </a:r>
+                      <a:endParaRPr lang="ko-KR" altLang="en-US" dirty="0">
+                        <a:latin typeface="나눔바른고딕" panose="020B0603020101020101" pitchFamily="50" charset="-127"/>
+                        <a:ea typeface="나눔바른고딕" panose="020B0603020101020101" pitchFamily="50" charset="-127"/>
+                      </a:endParaRPr>
+                    </a:p>
+                  </a:txBody>
+                  <a:tcPr anchor="ctr"/>
+                </a:tc>
+                <a:tc>
+                  <a:txBody>
+                    <a:bodyPr/>
+                    <a:lstStyle/>
+                    <a:p>
+                      <a:pPr marL="0" marR="0" indent="0" algn="ctr" defTabSz="914400" rtl="0" eaLnBrk="1" fontAlgn="auto" latinLnBrk="1" hangingPunct="1">
+                        <a:lnSpc>
+                          <a:spcPct val="100000"/>
+                        </a:lnSpc>
+                        <a:spcBef>
+                          <a:spcPts val="0"/>
+                        </a:spcBef>
+                        <a:spcAft>
+                          <a:spcPts val="0"/>
+                        </a:spcAft>
+                        <a:buClrTx/>
+                        <a:buSzTx/>
+                        <a:buFontTx/>
+                        <a:buNone/>
+                        <a:tabLst/>
+                        <a:defRPr/>
+                      </a:pPr>
+                      <a:r>
+                        <a:rPr lang="en-US" altLang="ko-KR" dirty="0" smtClean="0">
+                          <a:latin typeface="나눔바른고딕" panose="020B0603020101020101" pitchFamily="50" charset="-127"/>
+                          <a:ea typeface="나눔바른고딕" panose="020B0603020101020101" pitchFamily="50" charset="-127"/>
+                        </a:rPr>
+                        <a:t>lambda</a:t>
+                      </a:r>
+                      <a:endParaRPr lang="ko-KR" altLang="en-US" dirty="0" smtClean="0">
+                        <a:latin typeface="나눔바른고딕" panose="020B0603020101020101" pitchFamily="50" charset="-127"/>
+                        <a:ea typeface="나눔바른고딕" panose="020B0603020101020101" pitchFamily="50" charset="-127"/>
+                      </a:endParaRPr>
+                    </a:p>
+                  </a:txBody>
+                  <a:tcPr anchor="ctr"/>
+                </a:tc>
+                <a:tc vMerge="1">
+                  <a:txBody>
+                    <a:bodyPr/>
+                    <a:lstStyle/>
+                    <a:p>
+                      <a:pPr latinLnBrk="1"/>
+                      <a:endParaRPr lang="ko-KR" altLang="en-US"/>
+                    </a:p>
+                  </a:txBody>
+                  <a:tcPr/>
+                </a:tc>
+                <a:extLst>
+                  <a:ext uri="{0D108BD9-81ED-4DB2-BD59-A6C34878D82A}">
+                    <a16:rowId xmlns:a16="http://schemas.microsoft.com/office/drawing/2014/main" val="2655325988"/>
+                  </a:ext>
+                </a:extLst>
+              </a:tr>
+              <a:tr h="413096">
+                <a:tc>
+                  <a:txBody>
+                    <a:bodyPr/>
+                    <a:lstStyle/>
+                    <a:p>
+                      <a:pPr algn="ctr" latinLnBrk="1"/>
+                      <a:r>
+                        <a:rPr lang="en-US" altLang="ko-KR" sz="1800" b="1" kern="1200" spc="-150" dirty="0" smtClean="0">
+                          <a:solidFill>
+                            <a:schemeClr val="bg1"/>
+                          </a:solidFill>
+                          <a:latin typeface="나눔바른고딕" panose="020B0603020101020101" pitchFamily="50" charset="-127"/>
+                          <a:ea typeface="나눔바른고딕" panose="020B0603020101020101" pitchFamily="50" charset="-127"/>
+                          <a:cs typeface="+mn-cs"/>
+                        </a:rPr>
+                        <a:t>SCAD</a:t>
+                      </a:r>
+                      <a:endParaRPr lang="ko-KR" altLang="en-US" sz="1800" b="1" kern="1200" spc="-150" dirty="0">
+                        <a:solidFill>
+                          <a:schemeClr val="bg1"/>
+                        </a:solidFill>
+                        <a:latin typeface="나눔바른고딕" panose="020B0603020101020101" pitchFamily="50" charset="-127"/>
+                        <a:ea typeface="나눔바른고딕" panose="020B0603020101020101" pitchFamily="50" charset="-127"/>
+                        <a:cs typeface="+mn-cs"/>
+                      </a:endParaRPr>
+                    </a:p>
+                  </a:txBody>
+                  <a:tcPr anchor="ctr">
+                    <a:solidFill>
+                      <a:srgbClr val="8DBABD"/>
+                    </a:solidFill>
+                  </a:tcPr>
+                </a:tc>
+                <a:tc>
+                  <a:txBody>
+                    <a:bodyPr/>
+                    <a:lstStyle/>
+                    <a:p>
+                      <a:pPr algn="ctr" latinLnBrk="1"/>
+                      <a:r>
+                        <a:rPr lang="en-US" altLang="ko-KR" dirty="0" err="1" smtClean="0">
+                          <a:latin typeface="나눔바른고딕" panose="020B0603020101020101" pitchFamily="50" charset="-127"/>
+                          <a:ea typeface="나눔바른고딕" panose="020B0603020101020101" pitchFamily="50" charset="-127"/>
+                        </a:rPr>
+                        <a:t>ncvreg</a:t>
+                      </a:r>
+                      <a:endParaRPr lang="ko-KR" altLang="en-US" dirty="0">
+                        <a:latin typeface="나눔바른고딕" panose="020B0603020101020101" pitchFamily="50" charset="-127"/>
+                        <a:ea typeface="나눔바른고딕" panose="020B0603020101020101" pitchFamily="50" charset="-127"/>
+                      </a:endParaRPr>
+                    </a:p>
+                  </a:txBody>
+                  <a:tcPr anchor="ctr"/>
+                </a:tc>
+                <a:tc>
+                  <a:txBody>
+                    <a:bodyPr/>
+                    <a:lstStyle/>
+                    <a:p>
+                      <a:pPr algn="ctr" latinLnBrk="1"/>
+                      <a:r>
+                        <a:rPr lang="en-US" altLang="ko-KR" dirty="0" smtClean="0">
+                          <a:latin typeface="나눔바른고딕" panose="020B0603020101020101" pitchFamily="50" charset="-127"/>
+                          <a:ea typeface="나눔바른고딕" panose="020B0603020101020101" pitchFamily="50" charset="-127"/>
+                        </a:rPr>
+                        <a:t>lambda</a:t>
+                      </a:r>
+                      <a:endParaRPr lang="ko-KR" altLang="en-US" dirty="0">
+                        <a:latin typeface="나눔바른고딕" panose="020B0603020101020101" pitchFamily="50" charset="-127"/>
+                        <a:ea typeface="나눔바른고딕" panose="020B0603020101020101" pitchFamily="50" charset="-127"/>
+                      </a:endParaRPr>
+                    </a:p>
+                  </a:txBody>
+                  <a:tcPr anchor="ctr"/>
+                </a:tc>
+                <a:tc vMerge="1">
+                  <a:txBody>
+                    <a:bodyPr/>
+                    <a:lstStyle/>
+                    <a:p>
+                      <a:pPr algn="ctr" latinLnBrk="1"/>
+                      <a:endParaRPr lang="ko-KR" altLang="en-US" dirty="0"/>
+                    </a:p>
+                  </a:txBody>
+                  <a:tcPr anchor="ctr"/>
+                </a:tc>
+                <a:extLst>
+                  <a:ext uri="{0D108BD9-81ED-4DB2-BD59-A6C34878D82A}">
+                    <a16:rowId xmlns:a16="http://schemas.microsoft.com/office/drawing/2014/main" val="3807825347"/>
+                  </a:ext>
+                </a:extLst>
+              </a:tr>
+              <a:tr h="413096">
+                <a:tc>
+                  <a:txBody>
+                    <a:bodyPr/>
+                    <a:lstStyle/>
+                    <a:p>
+                      <a:pPr algn="ctr" latinLnBrk="1"/>
+                      <a:r>
+                        <a:rPr lang="en-US" altLang="ko-KR" sz="1800" b="1" kern="1200" spc="-150" dirty="0" smtClean="0">
+                          <a:solidFill>
+                            <a:schemeClr val="bg1"/>
+                          </a:solidFill>
+                          <a:latin typeface="나눔바른고딕" panose="020B0603020101020101" pitchFamily="50" charset="-127"/>
+                          <a:ea typeface="나눔바른고딕" panose="020B0603020101020101" pitchFamily="50" charset="-127"/>
+                          <a:cs typeface="+mn-cs"/>
+                        </a:rPr>
+                        <a:t>RF</a:t>
+                      </a:r>
+                      <a:endParaRPr lang="ko-KR" altLang="en-US" sz="1800" b="1" kern="1200" spc="-150" dirty="0">
+                        <a:solidFill>
+                          <a:schemeClr val="bg1"/>
+                        </a:solidFill>
+                        <a:latin typeface="나눔바른고딕" panose="020B0603020101020101" pitchFamily="50" charset="-127"/>
+                        <a:ea typeface="나눔바른고딕" panose="020B0603020101020101" pitchFamily="50" charset="-127"/>
+                        <a:cs typeface="+mn-cs"/>
+                      </a:endParaRPr>
+                    </a:p>
+                  </a:txBody>
+                  <a:tcPr anchor="ctr">
+                    <a:solidFill>
+                      <a:srgbClr val="8DBABD"/>
+                    </a:solidFill>
+                  </a:tcPr>
+                </a:tc>
+                <a:tc>
+                  <a:txBody>
+                    <a:bodyPr/>
+                    <a:lstStyle/>
+                    <a:p>
+                      <a:pPr algn="ctr" latinLnBrk="1"/>
+                      <a:r>
+                        <a:rPr lang="en-US" altLang="ko-KR" dirty="0" err="1" smtClean="0">
+                          <a:latin typeface="나눔바른고딕" panose="020B0603020101020101" pitchFamily="50" charset="-127"/>
+                          <a:ea typeface="나눔바른고딕" panose="020B0603020101020101" pitchFamily="50" charset="-127"/>
+                        </a:rPr>
+                        <a:t>randomForest</a:t>
+                      </a:r>
+                      <a:endParaRPr lang="ko-KR" altLang="en-US" dirty="0">
+                        <a:latin typeface="나눔바른고딕" panose="020B0603020101020101" pitchFamily="50" charset="-127"/>
+                        <a:ea typeface="나눔바른고딕" panose="020B0603020101020101" pitchFamily="50" charset="-127"/>
+                      </a:endParaRPr>
+                    </a:p>
+                  </a:txBody>
+                  <a:tcPr anchor="ctr"/>
+                </a:tc>
+                <a:tc>
+                  <a:txBody>
+                    <a:bodyPr/>
+                    <a:lstStyle/>
+                    <a:p>
+                      <a:pPr algn="ctr" latinLnBrk="1"/>
+                      <a:r>
+                        <a:rPr lang="en-US" altLang="ko-KR" dirty="0" err="1" smtClean="0">
+                          <a:latin typeface="나눔바른고딕" panose="020B0603020101020101" pitchFamily="50" charset="-127"/>
+                          <a:ea typeface="나눔바른고딕" panose="020B0603020101020101" pitchFamily="50" charset="-127"/>
+                        </a:rPr>
+                        <a:t>ntree</a:t>
+                      </a:r>
+                      <a:r>
+                        <a:rPr lang="en-US" altLang="ko-KR" dirty="0" smtClean="0">
+                          <a:latin typeface="나눔바른고딕" panose="020B0603020101020101" pitchFamily="50" charset="-127"/>
+                          <a:ea typeface="나눔바른고딕" panose="020B0603020101020101" pitchFamily="50" charset="-127"/>
+                        </a:rPr>
+                        <a:t> </a:t>
+                      </a:r>
+                      <a:endParaRPr lang="ko-KR" altLang="en-US" dirty="0">
+                        <a:latin typeface="나눔바른고딕" panose="020B0603020101020101" pitchFamily="50" charset="-127"/>
+                        <a:ea typeface="나눔바른고딕" panose="020B0603020101020101" pitchFamily="50" charset="-127"/>
+                      </a:endParaRPr>
+                    </a:p>
+                  </a:txBody>
+                  <a:tcPr anchor="ctr"/>
+                </a:tc>
+                <a:tc vMerge="1">
+                  <a:txBody>
+                    <a:bodyPr/>
+                    <a:lstStyle/>
+                    <a:p>
+                      <a:pPr algn="ctr" latinLnBrk="1"/>
+                      <a:endParaRPr lang="ko-KR" altLang="en-US" dirty="0"/>
+                    </a:p>
+                  </a:txBody>
+                  <a:tcPr anchor="ctr"/>
+                </a:tc>
+                <a:extLst>
+                  <a:ext uri="{0D108BD9-81ED-4DB2-BD59-A6C34878D82A}">
+                    <a16:rowId xmlns:a16="http://schemas.microsoft.com/office/drawing/2014/main" val="2264230067"/>
+                  </a:ext>
+                </a:extLst>
+              </a:tr>
+              <a:tr h="413096">
+                <a:tc>
+                  <a:txBody>
+                    <a:bodyPr/>
+                    <a:lstStyle/>
+                    <a:p>
+                      <a:pPr algn="ctr" latinLnBrk="1"/>
+                      <a:r>
+                        <a:rPr lang="en-US" altLang="ko-KR" sz="1800" b="1" kern="1200" spc="-150" dirty="0" smtClean="0">
+                          <a:solidFill>
+                            <a:schemeClr val="bg1"/>
+                          </a:solidFill>
+                          <a:latin typeface="나눔바른고딕" panose="020B0603020101020101" pitchFamily="50" charset="-127"/>
+                          <a:ea typeface="나눔바른고딕" panose="020B0603020101020101" pitchFamily="50" charset="-127"/>
+                          <a:cs typeface="+mn-cs"/>
+                        </a:rPr>
+                        <a:t>SVM</a:t>
+                      </a:r>
+                      <a:endParaRPr lang="ko-KR" altLang="en-US" sz="1800" b="1" kern="1200" spc="-150" dirty="0">
+                        <a:solidFill>
+                          <a:schemeClr val="bg1"/>
+                        </a:solidFill>
+                        <a:latin typeface="나눔바른고딕" panose="020B0603020101020101" pitchFamily="50" charset="-127"/>
+                        <a:ea typeface="나눔바른고딕" panose="020B0603020101020101" pitchFamily="50" charset="-127"/>
+                        <a:cs typeface="+mn-cs"/>
+                      </a:endParaRPr>
+                    </a:p>
+                  </a:txBody>
+                  <a:tcPr anchor="ctr">
+                    <a:solidFill>
+                      <a:srgbClr val="8DBABD"/>
+                    </a:solidFill>
+                  </a:tcPr>
+                </a:tc>
+                <a:tc>
+                  <a:txBody>
+                    <a:bodyPr/>
+                    <a:lstStyle/>
+                    <a:p>
+                      <a:pPr algn="ctr" latinLnBrk="1"/>
+                      <a:r>
+                        <a:rPr lang="en-US" altLang="ko-KR" dirty="0" err="1" smtClean="0">
+                          <a:latin typeface="나눔바른고딕" panose="020B0603020101020101" pitchFamily="50" charset="-127"/>
+                          <a:ea typeface="나눔바른고딕" panose="020B0603020101020101" pitchFamily="50" charset="-127"/>
+                        </a:rPr>
+                        <a:t>svm</a:t>
+                      </a:r>
+                      <a:endParaRPr lang="ko-KR" altLang="en-US" dirty="0">
+                        <a:latin typeface="나눔바른고딕" panose="020B0603020101020101" pitchFamily="50" charset="-127"/>
+                        <a:ea typeface="나눔바른고딕" panose="020B0603020101020101" pitchFamily="50" charset="-127"/>
+                      </a:endParaRPr>
+                    </a:p>
+                  </a:txBody>
+                  <a:tcPr anchor="ctr"/>
+                </a:tc>
+                <a:tc>
+                  <a:txBody>
+                    <a:bodyPr/>
+                    <a:lstStyle/>
+                    <a:p>
+                      <a:pPr algn="ctr" latinLnBrk="1"/>
+                      <a:r>
+                        <a:rPr lang="en-US" altLang="ko-KR" dirty="0" smtClean="0">
+                          <a:latin typeface="나눔바른고딕" panose="020B0603020101020101" pitchFamily="50" charset="-127"/>
+                          <a:ea typeface="나눔바른고딕" panose="020B0603020101020101" pitchFamily="50" charset="-127"/>
+                        </a:rPr>
+                        <a:t>cost</a:t>
+                      </a:r>
+                      <a:endParaRPr lang="ko-KR" altLang="en-US" dirty="0">
+                        <a:latin typeface="나눔바른고딕" panose="020B0603020101020101" pitchFamily="50" charset="-127"/>
+                        <a:ea typeface="나눔바른고딕" panose="020B0603020101020101" pitchFamily="50" charset="-127"/>
+                      </a:endParaRPr>
+                    </a:p>
+                  </a:txBody>
+                  <a:tcPr anchor="ctr"/>
+                </a:tc>
+                <a:tc vMerge="1">
+                  <a:txBody>
+                    <a:bodyPr/>
+                    <a:lstStyle/>
+                    <a:p>
+                      <a:pPr algn="ctr" latinLnBrk="1"/>
+                      <a:endParaRPr lang="ko-KR" altLang="en-US" dirty="0"/>
+                    </a:p>
+                  </a:txBody>
+                  <a:tcPr anchor="ctr"/>
+                </a:tc>
+                <a:extLst>
+                  <a:ext uri="{0D108BD9-81ED-4DB2-BD59-A6C34878D82A}">
+                    <a16:rowId xmlns:a16="http://schemas.microsoft.com/office/drawing/2014/main" val="1836971620"/>
+                  </a:ext>
+                </a:extLst>
+              </a:tr>
+              <a:tr h="413096">
+                <a:tc>
+                  <a:txBody>
+                    <a:bodyPr/>
+                    <a:lstStyle/>
+                    <a:p>
+                      <a:pPr algn="ctr" latinLnBrk="1"/>
+                      <a:r>
+                        <a:rPr lang="en-US" altLang="ko-KR" sz="1800" b="1" kern="1200" spc="-150" dirty="0" smtClean="0">
+                          <a:solidFill>
+                            <a:schemeClr val="bg1"/>
+                          </a:solidFill>
+                          <a:latin typeface="나눔바른고딕" panose="020B0603020101020101" pitchFamily="50" charset="-127"/>
+                          <a:ea typeface="나눔바른고딕" panose="020B0603020101020101" pitchFamily="50" charset="-127"/>
+                          <a:cs typeface="+mn-cs"/>
+                        </a:rPr>
+                        <a:t>GBM</a:t>
+                      </a:r>
+                      <a:endParaRPr lang="ko-KR" altLang="en-US" sz="1800" b="1" kern="1200" spc="-150" dirty="0">
+                        <a:solidFill>
+                          <a:schemeClr val="bg1"/>
+                        </a:solidFill>
+                        <a:latin typeface="나눔바른고딕" panose="020B0603020101020101" pitchFamily="50" charset="-127"/>
+                        <a:ea typeface="나눔바른고딕" panose="020B0603020101020101" pitchFamily="50" charset="-127"/>
+                        <a:cs typeface="+mn-cs"/>
+                      </a:endParaRPr>
+                    </a:p>
+                  </a:txBody>
+                  <a:tcPr anchor="ctr">
+                    <a:solidFill>
+                      <a:srgbClr val="8DBABD"/>
+                    </a:solidFill>
+                  </a:tcPr>
+                </a:tc>
+                <a:tc>
+                  <a:txBody>
+                    <a:bodyPr/>
+                    <a:lstStyle/>
+                    <a:p>
+                      <a:pPr algn="ctr" latinLnBrk="1"/>
+                      <a:r>
+                        <a:rPr lang="en-US" altLang="ko-KR" dirty="0" err="1" smtClean="0">
+                          <a:latin typeface="나눔바른고딕" panose="020B0603020101020101" pitchFamily="50" charset="-127"/>
+                          <a:ea typeface="나눔바른고딕" panose="020B0603020101020101" pitchFamily="50" charset="-127"/>
+                        </a:rPr>
+                        <a:t>gbm</a:t>
+                      </a:r>
+                      <a:endParaRPr lang="ko-KR" altLang="en-US" dirty="0">
+                        <a:latin typeface="나눔바른고딕" panose="020B0603020101020101" pitchFamily="50" charset="-127"/>
+                        <a:ea typeface="나눔바른고딕" panose="020B0603020101020101" pitchFamily="50" charset="-127"/>
+                      </a:endParaRPr>
+                    </a:p>
+                  </a:txBody>
+                  <a:tcPr anchor="ctr"/>
+                </a:tc>
+                <a:tc>
+                  <a:txBody>
+                    <a:bodyPr/>
+                    <a:lstStyle/>
+                    <a:p>
+                      <a:pPr algn="ctr" latinLnBrk="1"/>
+                      <a:r>
+                        <a:rPr lang="en-US" altLang="ko-KR" dirty="0" err="1" smtClean="0">
+                          <a:latin typeface="나눔바른고딕" panose="020B0603020101020101" pitchFamily="50" charset="-127"/>
+                          <a:ea typeface="나눔바른고딕" panose="020B0603020101020101" pitchFamily="50" charset="-127"/>
+                        </a:rPr>
+                        <a:t>ntree</a:t>
+                      </a:r>
+                      <a:endParaRPr lang="ko-KR" altLang="en-US" dirty="0">
+                        <a:latin typeface="나눔바른고딕" panose="020B0603020101020101" pitchFamily="50" charset="-127"/>
+                        <a:ea typeface="나눔바른고딕" panose="020B0603020101020101" pitchFamily="50" charset="-127"/>
+                      </a:endParaRPr>
+                    </a:p>
+                  </a:txBody>
+                  <a:tcPr anchor="ctr"/>
+                </a:tc>
+                <a:tc vMerge="1">
+                  <a:txBody>
+                    <a:bodyPr/>
+                    <a:lstStyle/>
+                    <a:p>
+                      <a:pPr algn="ctr" latinLnBrk="1"/>
+                      <a:endParaRPr lang="ko-KR" altLang="en-US" dirty="0"/>
+                    </a:p>
+                  </a:txBody>
+                  <a:tcPr anchor="ctr"/>
+                </a:tc>
+                <a:extLst>
+                  <a:ext uri="{0D108BD9-81ED-4DB2-BD59-A6C34878D82A}">
+                    <a16:rowId xmlns:a16="http://schemas.microsoft.com/office/drawing/2014/main" val="9200788"/>
+                  </a:ext>
+                </a:extLst>
+              </a:tr>
+              <a:tr h="413096">
+                <a:tc>
+                  <a:txBody>
+                    <a:bodyPr/>
+                    <a:lstStyle/>
+                    <a:p>
+                      <a:pPr algn="ctr" latinLnBrk="1"/>
+                      <a:r>
+                        <a:rPr lang="en-US" altLang="ko-KR" sz="1800" b="1" kern="1200" spc="-150" dirty="0" err="1" smtClean="0">
+                          <a:solidFill>
+                            <a:schemeClr val="bg1"/>
+                          </a:solidFill>
+                          <a:latin typeface="나눔바른고딕" panose="020B0603020101020101" pitchFamily="50" charset="-127"/>
+                          <a:ea typeface="나눔바른고딕" panose="020B0603020101020101" pitchFamily="50" charset="-127"/>
+                          <a:cs typeface="+mn-cs"/>
+                        </a:rPr>
+                        <a:t>esemble</a:t>
+                      </a:r>
+                      <a:endParaRPr lang="ko-KR" altLang="en-US" sz="1800" b="1" kern="1200" spc="-150" dirty="0">
+                        <a:solidFill>
+                          <a:schemeClr val="bg1"/>
+                        </a:solidFill>
+                        <a:latin typeface="나눔바른고딕" panose="020B0603020101020101" pitchFamily="50" charset="-127"/>
+                        <a:ea typeface="나눔바른고딕" panose="020B0603020101020101" pitchFamily="50" charset="-127"/>
+                        <a:cs typeface="+mn-cs"/>
+                      </a:endParaRPr>
+                    </a:p>
+                  </a:txBody>
+                  <a:tcPr anchor="ctr">
+                    <a:solidFill>
+                      <a:srgbClr val="8DBABD"/>
+                    </a:solidFill>
+                  </a:tcPr>
+                </a:tc>
+                <a:tc>
+                  <a:txBody>
+                    <a:bodyPr/>
+                    <a:lstStyle/>
+                    <a:p>
+                      <a:pPr algn="ctr" latinLnBrk="1"/>
+                      <a:r>
+                        <a:rPr lang="en-US" altLang="ko-KR" dirty="0" smtClean="0">
+                          <a:latin typeface="나눔바른고딕" panose="020B0603020101020101" pitchFamily="50" charset="-127"/>
+                          <a:ea typeface="나눔바른고딕" panose="020B0603020101020101" pitchFamily="50" charset="-127"/>
+                        </a:rPr>
+                        <a:t>-</a:t>
+                      </a:r>
+                      <a:endParaRPr lang="ko-KR" altLang="en-US" dirty="0">
+                        <a:latin typeface="나눔바른고딕" panose="020B0603020101020101" pitchFamily="50" charset="-127"/>
+                        <a:ea typeface="나눔바른고딕" panose="020B0603020101020101" pitchFamily="50" charset="-127"/>
+                      </a:endParaRPr>
+                    </a:p>
+                  </a:txBody>
+                  <a:tcPr anchor="ctr"/>
+                </a:tc>
+                <a:tc>
+                  <a:txBody>
+                    <a:bodyPr/>
+                    <a:lstStyle/>
+                    <a:p>
+                      <a:pPr algn="ctr" latinLnBrk="1"/>
+                      <a:r>
+                        <a:rPr lang="en-US" altLang="ko-KR" dirty="0" smtClean="0">
+                          <a:latin typeface="나눔바른고딕" panose="020B0603020101020101" pitchFamily="50" charset="-127"/>
+                          <a:ea typeface="나눔바른고딕" panose="020B0603020101020101" pitchFamily="50" charset="-127"/>
+                        </a:rPr>
+                        <a:t>-</a:t>
+                      </a:r>
+                      <a:endParaRPr lang="ko-KR" altLang="en-US" dirty="0">
+                        <a:latin typeface="나눔바른고딕" panose="020B0603020101020101" pitchFamily="50" charset="-127"/>
+                        <a:ea typeface="나눔바른고딕" panose="020B0603020101020101" pitchFamily="50" charset="-127"/>
+                      </a:endParaRPr>
+                    </a:p>
+                  </a:txBody>
+                  <a:tcPr anchor="ctr"/>
+                </a:tc>
+                <a:tc vMerge="1">
+                  <a:txBody>
+                    <a:bodyPr/>
+                    <a:lstStyle/>
+                    <a:p>
+                      <a:pPr algn="ctr" latinLnBrk="1"/>
+                      <a:endParaRPr lang="ko-KR" altLang="en-US" dirty="0"/>
+                    </a:p>
+                  </a:txBody>
+                  <a:tcPr anchor="ctr"/>
+                </a:tc>
+                <a:extLst>
+                  <a:ext uri="{0D108BD9-81ED-4DB2-BD59-A6C34878D82A}">
+                    <a16:rowId xmlns:a16="http://schemas.microsoft.com/office/drawing/2014/main" val="1768714416"/>
+                  </a:ext>
+                </a:extLst>
+              </a:tr>
+            </a:tbl>
+          </a:graphicData>
+        </a:graphic>
+      </p:graphicFrame>
+    </p:spTree>
+    <p:extLst>
+      <p:ext uri="{BB962C8B-B14F-4D97-AF65-F5344CB8AC3E}">
+        <p14:creationId xmlns:p14="http://schemas.microsoft.com/office/powerpoint/2010/main" val="1531280797"/>
+      </p:ext>
+    </p:extLst>
+  </p:cSld>
+  <p:clrMapOvr>
+    <a:masterClrMapping/>
+  </p:clrMapOvr>
+  <p:timing>
+    <p:tnLst>
+      <p:par>
+        <p:cTn id="1" dur="indefinite" restart="never" nodeType="tmRoot"/>
+      </p:par>
+    </p:tnLst>
+  </p:timing>
+</p:sld>
+</file>
+
+<file path=ppt/slides/slide12.xml><?xml version="1.0" encoding="utf-8"?>
+<p:sld xmlns:a="http://schemas.openxmlformats.org/drawingml/2006/main" xmlns:r="http://schemas.openxmlformats.org/officeDocument/2006/relationships" xmlns:p="http://schemas.openxmlformats.org/presentationml/2006/main">
+  <p:cSld>
+    <p:spTree>
+      <p:nvGrpSpPr>
+        <p:cNvPr id="1" name=""/>
+        <p:cNvGrpSpPr/>
+        <p:nvPr/>
+      </p:nvGrpSpPr>
+      <p:grpSpPr>
+        <a:xfrm>
+          <a:off x="0" y="0"/>
+          <a:ext cx="0" cy="0"/>
+          <a:chOff x="0" y="0"/>
+          <a:chExt cx="0" cy="0"/>
+        </a:xfrm>
+      </p:grpSpPr>
+      <p:sp>
+        <p:nvSpPr>
+          <p:cNvPr id="2" name="TextBox 1"/>
+          <p:cNvSpPr txBox="1"/>
+          <p:nvPr/>
+        </p:nvSpPr>
+        <p:spPr>
+          <a:xfrm>
+            <a:off x="4000500" y="2472873"/>
+            <a:ext cx="797013" cy="769441"/>
+          </a:xfrm>
+          <a:prstGeom prst="rect">
+            <a:avLst/>
+          </a:prstGeom>
+          <a:noFill/>
+        </p:spPr>
+        <p:txBody>
+          <a:bodyPr wrap="none" rtlCol="0">
+            <a:spAutoFit/>
+          </a:bodyPr>
+          <a:lstStyle/>
+          <a:p>
+            <a:r>
+              <a:rPr lang="en-US" altLang="ko-KR" sz="4400" spc="-300" dirty="0" smtClean="0">
+                <a:solidFill>
+                  <a:srgbClr val="00002F"/>
+                </a:solidFill>
+                <a:latin typeface="나눔스퀘어 Bold" panose="020B0600000101010101" pitchFamily="50" charset="-127"/>
+                <a:ea typeface="나눔스퀘어 Bold" panose="020B0600000101010101" pitchFamily="50" charset="-127"/>
+              </a:rPr>
+              <a:t>04</a:t>
+            </a:r>
+            <a:endParaRPr lang="ko-KR" altLang="en-US" sz="4400" spc="-300" dirty="0">
+              <a:solidFill>
+                <a:srgbClr val="00002F"/>
+              </a:solidFill>
+              <a:latin typeface="나눔스퀘어 Bold" panose="020B0600000101010101" pitchFamily="50" charset="-127"/>
+              <a:ea typeface="나눔스퀘어 Bold" panose="020B0600000101010101" pitchFamily="50" charset="-127"/>
+            </a:endParaRPr>
+          </a:p>
+        </p:txBody>
+      </p:sp>
+      <p:sp>
+        <p:nvSpPr>
+          <p:cNvPr id="3" name="직사각형 2"/>
+          <p:cNvSpPr/>
+          <p:nvPr/>
+        </p:nvSpPr>
+        <p:spPr>
+          <a:xfrm>
+            <a:off x="4000499" y="3169741"/>
+            <a:ext cx="4200071" cy="473345"/>
+          </a:xfrm>
+          <a:prstGeom prst="rect">
+            <a:avLst/>
+          </a:prstGeom>
+          <a:solidFill>
+            <a:srgbClr val="8DBABD"/>
+          </a:solidFill>
+          <a:ln>
+            <a:solidFill>
+              <a:srgbClr val="8DBABD"/>
+            </a:solidFill>
+          </a:ln>
+        </p:spPr>
+        <p:style>
+          <a:lnRef idx="2">
+            <a:schemeClr val="accent1">
+              <a:shade val="50000"/>
+            </a:schemeClr>
+          </a:lnRef>
+          <a:fillRef idx="1">
+            <a:schemeClr val="accent1"/>
+          </a:fillRef>
+          <a:effectRef idx="0">
+            <a:schemeClr val="accent1"/>
+          </a:effectRef>
+          <a:fontRef idx="minor">
+            <a:schemeClr val="lt1"/>
+          </a:fontRef>
+        </p:style>
+        <p:txBody>
+          <a:bodyPr rtlCol="0" anchor="ctr"/>
+          <a:lstStyle/>
+          <a:p>
+            <a:pPr algn="ctr"/>
+            <a:r>
+              <a:rPr lang="en-US" altLang="ko-KR" dirty="0" smtClean="0">
+                <a:latin typeface="나눔스퀘어 Bold" panose="020B0600000101010101" pitchFamily="50" charset="-127"/>
+                <a:ea typeface="나눔스퀘어 Bold" panose="020B0600000101010101" pitchFamily="50" charset="-127"/>
+              </a:rPr>
+              <a:t>Result</a:t>
+            </a:r>
+            <a:endParaRPr lang="ko-KR" altLang="en-US" dirty="0">
+              <a:latin typeface="나눔스퀘어 Bold" panose="020B0600000101010101" pitchFamily="50" charset="-127"/>
+              <a:ea typeface="나눔스퀘어 Bold" panose="020B0600000101010101" pitchFamily="50" charset="-127"/>
+            </a:endParaRPr>
+          </a:p>
+        </p:txBody>
+      </p:sp>
+    </p:spTree>
+    <p:extLst>
+      <p:ext uri="{BB962C8B-B14F-4D97-AF65-F5344CB8AC3E}">
+        <p14:creationId xmlns:p14="http://schemas.microsoft.com/office/powerpoint/2010/main" val="2671169022"/>
+      </p:ext>
+    </p:extLst>
+  </p:cSld>
+  <p:clrMapOvr>
+    <a:masterClrMapping/>
+  </p:clrMapOvr>
+  <p:timing>
+    <p:tnLst>
+      <p:par>
+        <p:cTn id="1" dur="indefinite" restart="never" nodeType="tmRoot"/>
+      </p:par>
+    </p:tnLst>
+  </p:timing>
+</p:sld>
+</file>
+
+<file path=ppt/slides/slide13.xml><?xml version="1.0" encoding="utf-8"?>
+<p:sld xmlns:a="http://schemas.openxmlformats.org/drawingml/2006/main" xmlns:r="http://schemas.openxmlformats.org/officeDocument/2006/relationships" xmlns:p="http://schemas.openxmlformats.org/presentationml/2006/main">
+  <p:cSld>
+    <p:spTree>
+      <p:nvGrpSpPr>
+        <p:cNvPr id="1" name=""/>
+        <p:cNvGrpSpPr/>
+        <p:nvPr/>
+      </p:nvGrpSpPr>
+      <p:grpSpPr>
+        <a:xfrm>
+          <a:off x="0" y="0"/>
+          <a:ext cx="0" cy="0"/>
+          <a:chOff x="0" y="0"/>
+          <a:chExt cx="0" cy="0"/>
+        </a:xfrm>
+      </p:grpSpPr>
       <p:cxnSp>
         <p:nvCxnSpPr>
           <p:cNvPr id="14" name="직선 연결선 13"/>
@@ -1473,49 +3054,1172 @@
           </a:p>
         </p:txBody>
       </p:sp>
-      <p:sp>
-        <p:nvSpPr>
-          <p:cNvPr id="21" name="TextBox 20"/>
-          <p:cNvSpPr txBox="1"/>
-          <p:nvPr/>
-        </p:nvSpPr>
-        <p:spPr>
-          <a:xfrm>
-            <a:off x="1069803" y="1006929"/>
-            <a:ext cx="578876" cy="369332"/>
-          </a:xfrm>
-          <a:prstGeom prst="rect">
-            <a:avLst/>
-          </a:prstGeom>
-          <a:noFill/>
-        </p:spPr>
-        <p:txBody>
-          <a:bodyPr wrap="none" rtlCol="0">
-            <a:spAutoFit/>
-          </a:bodyPr>
-          <a:lstStyle/>
-          <a:p>
-            <a:pPr algn="ctr"/>
-            <a:r>
-              <a:rPr lang="en-US" altLang="ko-KR" spc="-150" dirty="0" smtClean="0">
-                <a:solidFill>
-                  <a:srgbClr val="00002F"/>
-                </a:solidFill>
-                <a:latin typeface="나눔스퀘어 ExtraBold" panose="020B0600000101010101" pitchFamily="50" charset="-127"/>
-                <a:ea typeface="나눔스퀘어 ExtraBold" panose="020B0600000101010101" pitchFamily="50" charset="-127"/>
-              </a:rPr>
-              <a:t>Text</a:t>
-            </a:r>
-            <a:endParaRPr lang="ko-KR" altLang="en-US" spc="-150" dirty="0">
-              <a:solidFill>
-                <a:srgbClr val="00002F"/>
-              </a:solidFill>
-              <a:latin typeface="나눔스퀘어 ExtraBold" panose="020B0600000101010101" pitchFamily="50" charset="-127"/>
-              <a:ea typeface="나눔스퀘어 ExtraBold" panose="020B0600000101010101" pitchFamily="50" charset="-127"/>
-            </a:endParaRPr>
-          </a:p>
-        </p:txBody>
-      </p:sp>
+      <p:graphicFrame>
+        <p:nvGraphicFramePr>
+          <p:cNvPr id="2" name="표 1"/>
+          <p:cNvGraphicFramePr>
+            <a:graphicFrameLocks noGrp="1"/>
+          </p:cNvGraphicFramePr>
+          <p:nvPr>
+            <p:extLst>
+              <p:ext uri="{D42A27DB-BD31-4B8C-83A1-F6EECF244321}">
+                <p14:modId xmlns:p14="http://schemas.microsoft.com/office/powerpoint/2010/main" val="934628211"/>
+              </p:ext>
+            </p:extLst>
+          </p:nvPr>
+        </p:nvGraphicFramePr>
+        <p:xfrm>
+          <a:off x="1444908" y="1932496"/>
+          <a:ext cx="9413553" cy="3987533"/>
+        </p:xfrm>
+        <a:graphic>
+          <a:graphicData uri="http://schemas.openxmlformats.org/drawingml/2006/table">
+            <a:tbl>
+              <a:tblPr firstRow="1" bandRow="1">
+                <a:tableStyleId>{5940675A-B579-460E-94D1-54222C63F5DA}</a:tableStyleId>
+              </a:tblPr>
+              <a:tblGrid>
+                <a:gridCol w="1967595">
+                  <a:extLst>
+                    <a:ext uri="{9D8B030D-6E8A-4147-A177-3AD203B41FA5}">
+                      <a16:colId xmlns:a16="http://schemas.microsoft.com/office/drawing/2014/main" val="1115628337"/>
+                    </a:ext>
+                  </a:extLst>
+                </a:gridCol>
+                <a:gridCol w="2481986">
+                  <a:extLst>
+                    <a:ext uri="{9D8B030D-6E8A-4147-A177-3AD203B41FA5}">
+                      <a16:colId xmlns:a16="http://schemas.microsoft.com/office/drawing/2014/main" val="2771194316"/>
+                    </a:ext>
+                  </a:extLst>
+                </a:gridCol>
+                <a:gridCol w="2481986">
+                  <a:extLst>
+                    <a:ext uri="{9D8B030D-6E8A-4147-A177-3AD203B41FA5}">
+                      <a16:colId xmlns:a16="http://schemas.microsoft.com/office/drawing/2014/main" val="4162201577"/>
+                    </a:ext>
+                  </a:extLst>
+                </a:gridCol>
+                <a:gridCol w="2481986">
+                  <a:extLst>
+                    <a:ext uri="{9D8B030D-6E8A-4147-A177-3AD203B41FA5}">
+                      <a16:colId xmlns:a16="http://schemas.microsoft.com/office/drawing/2014/main" val="1003541019"/>
+                    </a:ext>
+                  </a:extLst>
+                </a:gridCol>
+              </a:tblGrid>
+              <a:tr h="469037">
+                <a:tc>
+                  <a:txBody>
+                    <a:bodyPr/>
+                    <a:lstStyle/>
+                    <a:p>
+                      <a:pPr algn="ctr" latinLnBrk="1"/>
+                      <a:endParaRPr lang="ko-KR" altLang="en-US" sz="1800" b="1" kern="1200" spc="-150" dirty="0">
+                        <a:solidFill>
+                          <a:schemeClr val="bg1"/>
+                        </a:solidFill>
+                        <a:latin typeface="나눔바른고딕" panose="020B0603020101020101" pitchFamily="50" charset="-127"/>
+                        <a:ea typeface="나눔바른고딕" panose="020B0603020101020101" pitchFamily="50" charset="-127"/>
+                        <a:cs typeface="+mn-cs"/>
+                      </a:endParaRPr>
+                    </a:p>
+                  </a:txBody>
+                  <a:tcPr anchor="ctr">
+                    <a:solidFill>
+                      <a:srgbClr val="8DBABD"/>
+                    </a:solidFill>
+                  </a:tcPr>
+                </a:tc>
+                <a:tc>
+                  <a:txBody>
+                    <a:bodyPr/>
+                    <a:lstStyle/>
+                    <a:p>
+                      <a:pPr algn="ctr" latinLnBrk="1"/>
+                      <a:r>
+                        <a:rPr lang="en-US" altLang="ko-KR" b="1" dirty="0" smtClean="0">
+                          <a:solidFill>
+                            <a:schemeClr val="bg1"/>
+                          </a:solidFill>
+                          <a:latin typeface="나눔바른고딕" panose="020B0603020101020101" pitchFamily="50" charset="-127"/>
+                          <a:ea typeface="나눔바른고딕" panose="020B0603020101020101" pitchFamily="50" charset="-127"/>
+                        </a:rPr>
+                        <a:t>original</a:t>
+                      </a:r>
+                      <a:endParaRPr lang="ko-KR" altLang="en-US" b="1" dirty="0">
+                        <a:solidFill>
+                          <a:schemeClr val="bg1"/>
+                        </a:solidFill>
+                        <a:latin typeface="나눔바른고딕" panose="020B0603020101020101" pitchFamily="50" charset="-127"/>
+                        <a:ea typeface="나눔바른고딕" panose="020B0603020101020101" pitchFamily="50" charset="-127"/>
+                      </a:endParaRPr>
+                    </a:p>
+                  </a:txBody>
+                  <a:tcPr anchor="ctr">
+                    <a:solidFill>
+                      <a:srgbClr val="8DBABD"/>
+                    </a:solidFill>
+                  </a:tcPr>
+                </a:tc>
+                <a:tc>
+                  <a:txBody>
+                    <a:bodyPr/>
+                    <a:lstStyle/>
+                    <a:p>
+                      <a:pPr algn="ctr" latinLnBrk="1"/>
+                      <a:r>
+                        <a:rPr lang="en-US" altLang="ko-KR" b="1" dirty="0" smtClean="0">
+                          <a:solidFill>
+                            <a:schemeClr val="bg1"/>
+                          </a:solidFill>
+                          <a:latin typeface="나눔바른고딕" panose="020B0603020101020101" pitchFamily="50" charset="-127"/>
+                          <a:ea typeface="나눔바른고딕" panose="020B0603020101020101" pitchFamily="50" charset="-127"/>
+                        </a:rPr>
+                        <a:t>Imputation</a:t>
+                      </a:r>
+                      <a:endParaRPr lang="ko-KR" altLang="en-US" b="1" dirty="0">
+                        <a:solidFill>
+                          <a:schemeClr val="bg1"/>
+                        </a:solidFill>
+                        <a:latin typeface="나눔바른고딕" panose="020B0603020101020101" pitchFamily="50" charset="-127"/>
+                        <a:ea typeface="나눔바른고딕" panose="020B0603020101020101" pitchFamily="50" charset="-127"/>
+                      </a:endParaRPr>
+                    </a:p>
+                  </a:txBody>
+                  <a:tcPr anchor="ctr">
+                    <a:solidFill>
+                      <a:srgbClr val="8DBABD"/>
+                    </a:solidFill>
+                  </a:tcPr>
+                </a:tc>
+                <a:tc>
+                  <a:txBody>
+                    <a:bodyPr/>
+                    <a:lstStyle/>
+                    <a:p>
+                      <a:pPr algn="ctr" latinLnBrk="1"/>
+                      <a:r>
+                        <a:rPr lang="en-US" altLang="ko-KR" b="1" dirty="0" smtClean="0">
+                          <a:solidFill>
+                            <a:schemeClr val="bg1"/>
+                          </a:solidFill>
+                          <a:latin typeface="나눔바른고딕" panose="020B0603020101020101" pitchFamily="50" charset="-127"/>
+                          <a:ea typeface="나눔바른고딕" panose="020B0603020101020101" pitchFamily="50" charset="-127"/>
+                        </a:rPr>
+                        <a:t>Log transformation</a:t>
+                      </a:r>
+                      <a:endParaRPr lang="ko-KR" altLang="en-US" b="1" dirty="0">
+                        <a:solidFill>
+                          <a:schemeClr val="bg1"/>
+                        </a:solidFill>
+                        <a:latin typeface="나눔바른고딕" panose="020B0603020101020101" pitchFamily="50" charset="-127"/>
+                        <a:ea typeface="나눔바른고딕" panose="020B0603020101020101" pitchFamily="50" charset="-127"/>
+                      </a:endParaRPr>
+                    </a:p>
+                  </a:txBody>
+                  <a:tcPr anchor="ctr">
+                    <a:solidFill>
+                      <a:srgbClr val="8DBABD"/>
+                    </a:solidFill>
+                  </a:tcPr>
+                </a:tc>
+                <a:extLst>
+                  <a:ext uri="{0D108BD9-81ED-4DB2-BD59-A6C34878D82A}">
+                    <a16:rowId xmlns:a16="http://schemas.microsoft.com/office/drawing/2014/main" val="19004466"/>
+                  </a:ext>
+                </a:extLst>
+              </a:tr>
+              <a:tr h="439812">
+                <a:tc>
+                  <a:txBody>
+                    <a:bodyPr/>
+                    <a:lstStyle/>
+                    <a:p>
+                      <a:pPr algn="ctr" latinLnBrk="1"/>
+                      <a:r>
+                        <a:rPr lang="en-US" altLang="ko-KR" sz="1800" b="1" kern="1200" spc="-150" dirty="0" smtClean="0">
+                          <a:solidFill>
+                            <a:schemeClr val="bg1"/>
+                          </a:solidFill>
+                          <a:latin typeface="나눔바른고딕" panose="020B0603020101020101" pitchFamily="50" charset="-127"/>
+                          <a:ea typeface="나눔바른고딕" panose="020B0603020101020101" pitchFamily="50" charset="-127"/>
+                          <a:cs typeface="+mn-cs"/>
+                        </a:rPr>
+                        <a:t>Lm</a:t>
+                      </a:r>
+                      <a:endParaRPr lang="ko-KR" altLang="en-US" sz="1800" b="1" kern="1200" spc="-150" dirty="0">
+                        <a:solidFill>
+                          <a:schemeClr val="bg1"/>
+                        </a:solidFill>
+                        <a:latin typeface="나눔바른고딕" panose="020B0603020101020101" pitchFamily="50" charset="-127"/>
+                        <a:ea typeface="나눔바른고딕" panose="020B0603020101020101" pitchFamily="50" charset="-127"/>
+                        <a:cs typeface="+mn-cs"/>
+                      </a:endParaRPr>
+                    </a:p>
+                  </a:txBody>
+                  <a:tcPr anchor="ctr">
+                    <a:solidFill>
+                      <a:srgbClr val="8DBABD"/>
+                    </a:solidFill>
+                  </a:tcPr>
+                </a:tc>
+                <a:tc>
+                  <a:txBody>
+                    <a:bodyPr/>
+                    <a:lstStyle/>
+                    <a:p>
+                      <a:pPr algn="ctr" latinLnBrk="1"/>
+                      <a:r>
+                        <a:rPr lang="en-US" altLang="ko-KR" dirty="0" smtClean="0">
+                          <a:latin typeface="나눔바른고딕" panose="020B0603020101020101" pitchFamily="50" charset="-127"/>
+                          <a:ea typeface="나눔바른고딕" panose="020B0603020101020101" pitchFamily="50" charset="-127"/>
+                        </a:rPr>
+                        <a:t>0.18726</a:t>
+                      </a:r>
+                      <a:endParaRPr lang="ko-KR" altLang="en-US" dirty="0">
+                        <a:latin typeface="나눔바른고딕" panose="020B0603020101020101" pitchFamily="50" charset="-127"/>
+                        <a:ea typeface="나눔바른고딕" panose="020B0603020101020101" pitchFamily="50" charset="-127"/>
+                      </a:endParaRPr>
+                    </a:p>
+                  </a:txBody>
+                  <a:tcPr anchor="ctr"/>
+                </a:tc>
+                <a:tc>
+                  <a:txBody>
+                    <a:bodyPr/>
+                    <a:lstStyle/>
+                    <a:p>
+                      <a:pPr marL="0" marR="0" indent="0" algn="ctr" defTabSz="914400" rtl="0" eaLnBrk="1" fontAlgn="auto" latinLnBrk="1" hangingPunct="1">
+                        <a:lnSpc>
+                          <a:spcPct val="100000"/>
+                        </a:lnSpc>
+                        <a:spcBef>
+                          <a:spcPts val="0"/>
+                        </a:spcBef>
+                        <a:spcAft>
+                          <a:spcPts val="0"/>
+                        </a:spcAft>
+                        <a:buClrTx/>
+                        <a:buSzTx/>
+                        <a:buFontTx/>
+                        <a:buNone/>
+                        <a:tabLst/>
+                        <a:defRPr/>
+                      </a:pPr>
+                      <a:r>
+                        <a:rPr lang="en-US" altLang="ko-KR" sz="1800" b="0" i="0" kern="1200" dirty="0" smtClean="0">
+                          <a:solidFill>
+                            <a:schemeClr val="tx1"/>
+                          </a:solidFill>
+                          <a:effectLst/>
+                          <a:latin typeface="나눔바른고딕" panose="020B0603020101020101" pitchFamily="50" charset="-127"/>
+                          <a:ea typeface="나눔바른고딕" panose="020B0603020101020101" pitchFamily="50" charset="-127"/>
+                          <a:cs typeface="+mn-cs"/>
+                        </a:rPr>
+                        <a:t>0.54652</a:t>
+                      </a:r>
+                      <a:endParaRPr lang="ko-KR" altLang="en-US" dirty="0" smtClean="0">
+                        <a:latin typeface="나눔바른고딕" panose="020B0603020101020101" pitchFamily="50" charset="-127"/>
+                        <a:ea typeface="나눔바른고딕" panose="020B0603020101020101" pitchFamily="50" charset="-127"/>
+                      </a:endParaRPr>
+                    </a:p>
+                  </a:txBody>
+                  <a:tcPr anchor="ctr"/>
+                </a:tc>
+                <a:tc>
+                  <a:txBody>
+                    <a:bodyPr/>
+                    <a:lstStyle/>
+                    <a:p>
+                      <a:pPr algn="ctr" latinLnBrk="1"/>
+                      <a:r>
+                        <a:rPr kumimoji="0" lang="en-US" altLang="ko-KR" sz="1800" b="0" i="0" u="none" strike="noStrike" kern="1200" cap="none" spc="0" normalizeH="0" baseline="0" noProof="0" dirty="0" smtClean="0">
+                          <a:ln>
+                            <a:noFill/>
+                          </a:ln>
+                          <a:solidFill>
+                            <a:prstClr val="black"/>
+                          </a:solidFill>
+                          <a:effectLst/>
+                          <a:uLnTx/>
+                          <a:uFillTx/>
+                          <a:latin typeface="나눔바른고딕" panose="020B0603020101020101" pitchFamily="50" charset="-127"/>
+                          <a:ea typeface="나눔바른고딕" panose="020B0603020101020101" pitchFamily="50" charset="-127"/>
+                          <a:cs typeface="+mn-cs"/>
+                        </a:rPr>
+                        <a:t>0.14085</a:t>
+                      </a:r>
+                      <a:endParaRPr lang="ko-KR" altLang="en-US" dirty="0">
+                        <a:latin typeface="나눔바른고딕" panose="020B0603020101020101" pitchFamily="50" charset="-127"/>
+                        <a:ea typeface="나눔바른고딕" panose="020B0603020101020101" pitchFamily="50" charset="-127"/>
+                      </a:endParaRPr>
+                    </a:p>
+                  </a:txBody>
+                  <a:tcPr anchor="ctr"/>
+                </a:tc>
+                <a:extLst>
+                  <a:ext uri="{0D108BD9-81ED-4DB2-BD59-A6C34878D82A}">
+                    <a16:rowId xmlns:a16="http://schemas.microsoft.com/office/drawing/2014/main" val="3059771673"/>
+                  </a:ext>
+                </a:extLst>
+              </a:tr>
+              <a:tr h="439812">
+                <a:tc>
+                  <a:txBody>
+                    <a:bodyPr/>
+                    <a:lstStyle/>
+                    <a:p>
+                      <a:pPr algn="ctr" latinLnBrk="1"/>
+                      <a:r>
+                        <a:rPr lang="en-US" altLang="ko-KR" sz="1800" b="1" kern="1200" spc="-150" dirty="0" smtClean="0">
+                          <a:solidFill>
+                            <a:schemeClr val="bg1"/>
+                          </a:solidFill>
+                          <a:latin typeface="나눔바른고딕" panose="020B0603020101020101" pitchFamily="50" charset="-127"/>
+                          <a:ea typeface="나눔바른고딕" panose="020B0603020101020101" pitchFamily="50" charset="-127"/>
+                          <a:cs typeface="+mn-cs"/>
+                        </a:rPr>
+                        <a:t>LASSO</a:t>
+                      </a:r>
+                      <a:endParaRPr lang="ko-KR" altLang="en-US" sz="1800" b="1" kern="1200" spc="-150" dirty="0">
+                        <a:solidFill>
+                          <a:schemeClr val="bg1"/>
+                        </a:solidFill>
+                        <a:latin typeface="나눔바른고딕" panose="020B0603020101020101" pitchFamily="50" charset="-127"/>
+                        <a:ea typeface="나눔바른고딕" panose="020B0603020101020101" pitchFamily="50" charset="-127"/>
+                        <a:cs typeface="+mn-cs"/>
+                      </a:endParaRPr>
+                    </a:p>
+                  </a:txBody>
+                  <a:tcPr anchor="ctr">
+                    <a:solidFill>
+                      <a:srgbClr val="8DBABD"/>
+                    </a:solidFill>
+                  </a:tcPr>
+                </a:tc>
+                <a:tc>
+                  <a:txBody>
+                    <a:bodyPr/>
+                    <a:lstStyle/>
+                    <a:p>
+                      <a:pPr algn="ctr" latinLnBrk="1"/>
+                      <a:r>
+                        <a:rPr lang="en-US" altLang="ko-KR" dirty="0" smtClean="0">
+                          <a:latin typeface="나눔바른고딕" panose="020B0603020101020101" pitchFamily="50" charset="-127"/>
+                          <a:ea typeface="나눔바른고딕" panose="020B0603020101020101" pitchFamily="50" charset="-127"/>
+                        </a:rPr>
+                        <a:t>0.18219</a:t>
+                      </a:r>
+                      <a:endParaRPr lang="ko-KR" altLang="en-US" dirty="0">
+                        <a:latin typeface="나눔바른고딕" panose="020B0603020101020101" pitchFamily="50" charset="-127"/>
+                        <a:ea typeface="나눔바른고딕" panose="020B0603020101020101" pitchFamily="50" charset="-127"/>
+                      </a:endParaRPr>
+                    </a:p>
+                  </a:txBody>
+                  <a:tcPr anchor="ctr"/>
+                </a:tc>
+                <a:tc>
+                  <a:txBody>
+                    <a:bodyPr/>
+                    <a:lstStyle/>
+                    <a:p>
+                      <a:pPr marL="0" marR="0" indent="0" algn="ctr" defTabSz="914400" rtl="0" eaLnBrk="1" fontAlgn="auto" latinLnBrk="1" hangingPunct="1">
+                        <a:lnSpc>
+                          <a:spcPct val="100000"/>
+                        </a:lnSpc>
+                        <a:spcBef>
+                          <a:spcPts val="0"/>
+                        </a:spcBef>
+                        <a:spcAft>
+                          <a:spcPts val="0"/>
+                        </a:spcAft>
+                        <a:buClrTx/>
+                        <a:buSzTx/>
+                        <a:buFontTx/>
+                        <a:buNone/>
+                        <a:tabLst/>
+                        <a:defRPr/>
+                      </a:pPr>
+                      <a:r>
+                        <a:rPr lang="en-US" altLang="ko-KR" sz="1800" b="0" i="0" kern="1200" dirty="0" smtClean="0">
+                          <a:solidFill>
+                            <a:schemeClr val="tx1"/>
+                          </a:solidFill>
+                          <a:effectLst/>
+                          <a:latin typeface="나눔바른고딕" panose="020B0603020101020101" pitchFamily="50" charset="-127"/>
+                          <a:ea typeface="나눔바른고딕" panose="020B0603020101020101" pitchFamily="50" charset="-127"/>
+                          <a:cs typeface="+mn-cs"/>
+                        </a:rPr>
+                        <a:t>0.17224</a:t>
+                      </a:r>
+                      <a:endParaRPr lang="ko-KR" altLang="en-US" dirty="0" smtClean="0">
+                        <a:latin typeface="나눔바른고딕" panose="020B0603020101020101" pitchFamily="50" charset="-127"/>
+                        <a:ea typeface="나눔바른고딕" panose="020B0603020101020101" pitchFamily="50" charset="-127"/>
+                      </a:endParaRPr>
+                    </a:p>
+                  </a:txBody>
+                  <a:tcPr anchor="ctr"/>
+                </a:tc>
+                <a:tc>
+                  <a:txBody>
+                    <a:bodyPr/>
+                    <a:lstStyle/>
+                    <a:p>
+                      <a:pPr algn="ctr" latinLnBrk="1"/>
+                      <a:r>
+                        <a:rPr kumimoji="0" lang="en-US" altLang="ko-KR" sz="1800" b="0" i="0" u="none" strike="noStrike" kern="1200" cap="none" spc="0" normalizeH="0" baseline="0" noProof="0" dirty="0" smtClean="0">
+                          <a:ln>
+                            <a:noFill/>
+                          </a:ln>
+                          <a:solidFill>
+                            <a:prstClr val="black"/>
+                          </a:solidFill>
+                          <a:effectLst/>
+                          <a:uLnTx/>
+                          <a:uFillTx/>
+                          <a:latin typeface="나눔바른고딕" panose="020B0603020101020101" pitchFamily="50" charset="-127"/>
+                          <a:ea typeface="나눔바른고딕" panose="020B0603020101020101" pitchFamily="50" charset="-127"/>
+                          <a:cs typeface="+mn-cs"/>
+                        </a:rPr>
+                        <a:t>0.14779</a:t>
+                      </a:r>
+                      <a:endParaRPr lang="ko-KR" altLang="en-US" dirty="0">
+                        <a:latin typeface="나눔바른고딕" panose="020B0603020101020101" pitchFamily="50" charset="-127"/>
+                        <a:ea typeface="나눔바른고딕" panose="020B0603020101020101" pitchFamily="50" charset="-127"/>
+                      </a:endParaRPr>
+                    </a:p>
+                  </a:txBody>
+                  <a:tcPr anchor="ctr"/>
+                </a:tc>
+                <a:extLst>
+                  <a:ext uri="{0D108BD9-81ED-4DB2-BD59-A6C34878D82A}">
+                    <a16:rowId xmlns:a16="http://schemas.microsoft.com/office/drawing/2014/main" val="3148013260"/>
+                  </a:ext>
+                </a:extLst>
+              </a:tr>
+              <a:tr h="439812">
+                <a:tc>
+                  <a:txBody>
+                    <a:bodyPr/>
+                    <a:lstStyle/>
+                    <a:p>
+                      <a:pPr algn="ctr"/>
+                      <a:r>
+                        <a:rPr lang="en-US" altLang="ko-KR" sz="1800" b="1" kern="1200" spc="-150" dirty="0" smtClean="0">
+                          <a:solidFill>
+                            <a:schemeClr val="bg1"/>
+                          </a:solidFill>
+                          <a:latin typeface="나눔바른고딕" panose="020B0603020101020101" pitchFamily="50" charset="-127"/>
+                          <a:ea typeface="나눔바른고딕" panose="020B0603020101020101" pitchFamily="50" charset="-127"/>
+                          <a:cs typeface="+mn-cs"/>
+                        </a:rPr>
+                        <a:t>ridge</a:t>
+                      </a:r>
+                      <a:endParaRPr lang="ko-KR" altLang="en-US" sz="1800" b="1" kern="1200" spc="-150" dirty="0">
+                        <a:solidFill>
+                          <a:schemeClr val="bg1"/>
+                        </a:solidFill>
+                        <a:latin typeface="나눔바른고딕" panose="020B0603020101020101" pitchFamily="50" charset="-127"/>
+                        <a:ea typeface="나눔바른고딕" panose="020B0603020101020101" pitchFamily="50" charset="-127"/>
+                        <a:cs typeface="+mn-cs"/>
+                      </a:endParaRPr>
+                    </a:p>
+                  </a:txBody>
+                  <a:tcPr anchor="ctr">
+                    <a:solidFill>
+                      <a:srgbClr val="8DBABD"/>
+                    </a:solidFill>
+                  </a:tcPr>
+                </a:tc>
+                <a:tc>
+                  <a:txBody>
+                    <a:bodyPr/>
+                    <a:lstStyle/>
+                    <a:p>
+                      <a:pPr algn="ctr" latinLnBrk="1"/>
+                      <a:r>
+                        <a:rPr lang="en-US" altLang="ko-KR" dirty="0" smtClean="0">
+                          <a:latin typeface="나눔바른고딕" panose="020B0603020101020101" pitchFamily="50" charset="-127"/>
+                          <a:ea typeface="나눔바른고딕" panose="020B0603020101020101" pitchFamily="50" charset="-127"/>
+                        </a:rPr>
+                        <a:t>0.18370</a:t>
+                      </a:r>
+                      <a:endParaRPr lang="ko-KR" altLang="en-US" dirty="0">
+                        <a:latin typeface="나눔바른고딕" panose="020B0603020101020101" pitchFamily="50" charset="-127"/>
+                        <a:ea typeface="나눔바른고딕" panose="020B0603020101020101" pitchFamily="50" charset="-127"/>
+                      </a:endParaRPr>
+                    </a:p>
+                  </a:txBody>
+                  <a:tcPr anchor="ctr"/>
+                </a:tc>
+                <a:tc>
+                  <a:txBody>
+                    <a:bodyPr/>
+                    <a:lstStyle/>
+                    <a:p>
+                      <a:pPr algn="ctr" latinLnBrk="1"/>
+                      <a:r>
+                        <a:rPr lang="en-US" altLang="ko-KR" sz="1800" b="0" i="0" kern="1200" dirty="0" smtClean="0">
+                          <a:solidFill>
+                            <a:schemeClr val="tx1"/>
+                          </a:solidFill>
+                          <a:effectLst/>
+                          <a:latin typeface="나눔바른고딕" panose="020B0603020101020101" pitchFamily="50" charset="-127"/>
+                          <a:ea typeface="나눔바른고딕" panose="020B0603020101020101" pitchFamily="50" charset="-127"/>
+                          <a:cs typeface="+mn-cs"/>
+                        </a:rPr>
+                        <a:t>0.18666</a:t>
+                      </a:r>
+                      <a:endParaRPr lang="ko-KR" altLang="en-US" dirty="0">
+                        <a:latin typeface="나눔바른고딕" panose="020B0603020101020101" pitchFamily="50" charset="-127"/>
+                        <a:ea typeface="나눔바른고딕" panose="020B0603020101020101" pitchFamily="50" charset="-127"/>
+                      </a:endParaRPr>
+                    </a:p>
+                  </a:txBody>
+                  <a:tcPr anchor="ctr"/>
+                </a:tc>
+                <a:tc>
+                  <a:txBody>
+                    <a:bodyPr/>
+                    <a:lstStyle/>
+                    <a:p>
+                      <a:pPr algn="ctr" latinLnBrk="1"/>
+                      <a:r>
+                        <a:rPr lang="en-US" altLang="ko-KR" sz="1800" b="0" i="0" kern="1200" dirty="0" smtClean="0">
+                          <a:solidFill>
+                            <a:schemeClr val="tx1"/>
+                          </a:solidFill>
+                          <a:effectLst/>
+                          <a:latin typeface="나눔바른고딕" panose="020B0603020101020101" pitchFamily="50" charset="-127"/>
+                          <a:ea typeface="나눔바른고딕" panose="020B0603020101020101" pitchFamily="50" charset="-127"/>
+                          <a:cs typeface="+mn-cs"/>
+                        </a:rPr>
+                        <a:t>0.14816</a:t>
+                      </a:r>
+                      <a:endParaRPr lang="ko-KR" altLang="en-US" dirty="0">
+                        <a:latin typeface="나눔바른고딕" panose="020B0603020101020101" pitchFamily="50" charset="-127"/>
+                        <a:ea typeface="나눔바른고딕" panose="020B0603020101020101" pitchFamily="50" charset="-127"/>
+                      </a:endParaRPr>
+                    </a:p>
+                  </a:txBody>
+                  <a:tcPr anchor="ctr"/>
+                </a:tc>
+                <a:extLst>
+                  <a:ext uri="{0D108BD9-81ED-4DB2-BD59-A6C34878D82A}">
+                    <a16:rowId xmlns:a16="http://schemas.microsoft.com/office/drawing/2014/main" val="3807825347"/>
+                  </a:ext>
+                </a:extLst>
+              </a:tr>
+              <a:tr h="439812">
+                <a:tc>
+                  <a:txBody>
+                    <a:bodyPr/>
+                    <a:lstStyle/>
+                    <a:p>
+                      <a:pPr algn="ctr" latinLnBrk="1"/>
+                      <a:r>
+                        <a:rPr lang="en-US" altLang="ko-KR" sz="1800" b="1" kern="1200" spc="-150" dirty="0" smtClean="0">
+                          <a:solidFill>
+                            <a:schemeClr val="bg1"/>
+                          </a:solidFill>
+                          <a:latin typeface="나눔바른고딕" panose="020B0603020101020101" pitchFamily="50" charset="-127"/>
+                          <a:ea typeface="나눔바른고딕" panose="020B0603020101020101" pitchFamily="50" charset="-127"/>
+                          <a:cs typeface="+mn-cs"/>
+                        </a:rPr>
+                        <a:t>SCAD</a:t>
+                      </a:r>
+                      <a:endParaRPr lang="ko-KR" altLang="en-US" sz="1800" b="1" kern="1200" spc="-150" dirty="0">
+                        <a:solidFill>
+                          <a:schemeClr val="bg1"/>
+                        </a:solidFill>
+                        <a:latin typeface="나눔바른고딕" panose="020B0603020101020101" pitchFamily="50" charset="-127"/>
+                        <a:ea typeface="나눔바른고딕" panose="020B0603020101020101" pitchFamily="50" charset="-127"/>
+                        <a:cs typeface="+mn-cs"/>
+                      </a:endParaRPr>
+                    </a:p>
+                  </a:txBody>
+                  <a:tcPr anchor="ctr">
+                    <a:solidFill>
+                      <a:srgbClr val="8DBABD"/>
+                    </a:solidFill>
+                  </a:tcPr>
+                </a:tc>
+                <a:tc>
+                  <a:txBody>
+                    <a:bodyPr/>
+                    <a:lstStyle/>
+                    <a:p>
+                      <a:pPr algn="ctr" latinLnBrk="1"/>
+                      <a:r>
+                        <a:rPr lang="en-US" altLang="ko-KR" dirty="0" smtClean="0">
+                          <a:latin typeface="나눔바른고딕" panose="020B0603020101020101" pitchFamily="50" charset="-127"/>
+                          <a:ea typeface="나눔바른고딕" panose="020B0603020101020101" pitchFamily="50" charset="-127"/>
+                        </a:rPr>
+                        <a:t>0.16496</a:t>
+                      </a:r>
+                      <a:endParaRPr lang="ko-KR" altLang="en-US" dirty="0">
+                        <a:latin typeface="나눔바른고딕" panose="020B0603020101020101" pitchFamily="50" charset="-127"/>
+                        <a:ea typeface="나눔바른고딕" panose="020B0603020101020101" pitchFamily="50" charset="-127"/>
+                      </a:endParaRPr>
+                    </a:p>
+                  </a:txBody>
+                  <a:tcPr anchor="ctr"/>
+                </a:tc>
+                <a:tc>
+                  <a:txBody>
+                    <a:bodyPr/>
+                    <a:lstStyle/>
+                    <a:p>
+                      <a:pPr algn="ctr" latinLnBrk="1"/>
+                      <a:r>
+                        <a:rPr lang="en-US" altLang="ko-KR" sz="1800" b="0" i="0" kern="1200" dirty="0" smtClean="0">
+                          <a:solidFill>
+                            <a:schemeClr val="tx1"/>
+                          </a:solidFill>
+                          <a:effectLst/>
+                          <a:latin typeface="나눔바른고딕" panose="020B0603020101020101" pitchFamily="50" charset="-127"/>
+                          <a:ea typeface="나눔바른고딕" panose="020B0603020101020101" pitchFamily="50" charset="-127"/>
+                          <a:cs typeface="+mn-cs"/>
+                        </a:rPr>
+                        <a:t>0.17457</a:t>
+                      </a:r>
+                      <a:endParaRPr lang="ko-KR" altLang="en-US" dirty="0">
+                        <a:latin typeface="나눔바른고딕" panose="020B0603020101020101" pitchFamily="50" charset="-127"/>
+                        <a:ea typeface="나눔바른고딕" panose="020B0603020101020101" pitchFamily="50" charset="-127"/>
+                      </a:endParaRPr>
+                    </a:p>
+                  </a:txBody>
+                  <a:tcPr anchor="ctr"/>
+                </a:tc>
+                <a:tc>
+                  <a:txBody>
+                    <a:bodyPr/>
+                    <a:lstStyle/>
+                    <a:p>
+                      <a:pPr algn="ctr" latinLnBrk="1"/>
+                      <a:r>
+                        <a:rPr kumimoji="0" lang="en-US" altLang="ko-KR" sz="1800" b="0" i="0" u="none" strike="noStrike" kern="1200" cap="none" spc="0" normalizeH="0" baseline="0" noProof="0" dirty="0" smtClean="0">
+                          <a:ln>
+                            <a:noFill/>
+                          </a:ln>
+                          <a:solidFill>
+                            <a:prstClr val="black"/>
+                          </a:solidFill>
+                          <a:effectLst/>
+                          <a:uLnTx/>
+                          <a:uFillTx/>
+                          <a:latin typeface="나눔바른고딕" panose="020B0603020101020101" pitchFamily="50" charset="-127"/>
+                          <a:ea typeface="나눔바른고딕" panose="020B0603020101020101" pitchFamily="50" charset="-127"/>
+                          <a:cs typeface="+mn-cs"/>
+                        </a:rPr>
+                        <a:t>0.13817</a:t>
+                      </a:r>
+                      <a:endParaRPr lang="ko-KR" altLang="en-US" dirty="0">
+                        <a:latin typeface="나눔바른고딕" panose="020B0603020101020101" pitchFamily="50" charset="-127"/>
+                        <a:ea typeface="나눔바른고딕" panose="020B0603020101020101" pitchFamily="50" charset="-127"/>
+                      </a:endParaRPr>
+                    </a:p>
+                  </a:txBody>
+                  <a:tcPr anchor="ctr"/>
+                </a:tc>
+                <a:extLst>
+                  <a:ext uri="{0D108BD9-81ED-4DB2-BD59-A6C34878D82A}">
+                    <a16:rowId xmlns:a16="http://schemas.microsoft.com/office/drawing/2014/main" val="2264230067"/>
+                  </a:ext>
+                </a:extLst>
+              </a:tr>
+              <a:tr h="439812">
+                <a:tc>
+                  <a:txBody>
+                    <a:bodyPr/>
+                    <a:lstStyle/>
+                    <a:p>
+                      <a:pPr algn="ctr" latinLnBrk="1"/>
+                      <a:r>
+                        <a:rPr lang="en-US" altLang="ko-KR" sz="1800" b="1" kern="1200" spc="-150" dirty="0" smtClean="0">
+                          <a:solidFill>
+                            <a:schemeClr val="bg1"/>
+                          </a:solidFill>
+                          <a:latin typeface="나눔바른고딕" panose="020B0603020101020101" pitchFamily="50" charset="-127"/>
+                          <a:ea typeface="나눔바른고딕" panose="020B0603020101020101" pitchFamily="50" charset="-127"/>
+                          <a:cs typeface="+mn-cs"/>
+                        </a:rPr>
+                        <a:t>RF</a:t>
+                      </a:r>
+                      <a:endParaRPr lang="ko-KR" altLang="en-US" sz="1800" b="1" kern="1200" spc="-150" dirty="0">
+                        <a:solidFill>
+                          <a:schemeClr val="bg1"/>
+                        </a:solidFill>
+                        <a:latin typeface="나눔바른고딕" panose="020B0603020101020101" pitchFamily="50" charset="-127"/>
+                        <a:ea typeface="나눔바른고딕" panose="020B0603020101020101" pitchFamily="50" charset="-127"/>
+                        <a:cs typeface="+mn-cs"/>
+                      </a:endParaRPr>
+                    </a:p>
+                  </a:txBody>
+                  <a:tcPr anchor="ctr">
+                    <a:solidFill>
+                      <a:srgbClr val="8DBABD"/>
+                    </a:solidFill>
+                  </a:tcPr>
+                </a:tc>
+                <a:tc>
+                  <a:txBody>
+                    <a:bodyPr/>
+                    <a:lstStyle/>
+                    <a:p>
+                      <a:pPr algn="ctr" latinLnBrk="1"/>
+                      <a:r>
+                        <a:rPr lang="en-US" altLang="ko-KR" dirty="0" smtClean="0">
+                          <a:latin typeface="나눔바른고딕" panose="020B0603020101020101" pitchFamily="50" charset="-127"/>
+                          <a:ea typeface="나눔바른고딕" panose="020B0603020101020101" pitchFamily="50" charset="-127"/>
+                        </a:rPr>
+                        <a:t>0.16117</a:t>
+                      </a:r>
+                      <a:endParaRPr lang="ko-KR" altLang="en-US" dirty="0">
+                        <a:latin typeface="나눔바른고딕" panose="020B0603020101020101" pitchFamily="50" charset="-127"/>
+                        <a:ea typeface="나눔바른고딕" panose="020B0603020101020101" pitchFamily="50" charset="-127"/>
+                      </a:endParaRPr>
+                    </a:p>
+                  </a:txBody>
+                  <a:tcPr anchor="ctr"/>
+                </a:tc>
+                <a:tc>
+                  <a:txBody>
+                    <a:bodyPr/>
+                    <a:lstStyle/>
+                    <a:p>
+                      <a:pPr algn="ctr" latinLnBrk="1"/>
+                      <a:r>
+                        <a:rPr lang="en-US" altLang="ko-KR" sz="1800" b="0" i="0" kern="1200" dirty="0" smtClean="0">
+                          <a:solidFill>
+                            <a:schemeClr val="tx1"/>
+                          </a:solidFill>
+                          <a:effectLst/>
+                          <a:latin typeface="나눔바른고딕" panose="020B0603020101020101" pitchFamily="50" charset="-127"/>
+                          <a:ea typeface="나눔바른고딕" panose="020B0603020101020101" pitchFamily="50" charset="-127"/>
+                          <a:cs typeface="+mn-cs"/>
+                        </a:rPr>
+                        <a:t>0.15898</a:t>
+                      </a:r>
+                      <a:endParaRPr lang="ko-KR" altLang="en-US" dirty="0">
+                        <a:latin typeface="나눔바른고딕" panose="020B0603020101020101" pitchFamily="50" charset="-127"/>
+                        <a:ea typeface="나눔바른고딕" panose="020B0603020101020101" pitchFamily="50" charset="-127"/>
+                      </a:endParaRPr>
+                    </a:p>
+                  </a:txBody>
+                  <a:tcPr anchor="ctr"/>
+                </a:tc>
+                <a:tc>
+                  <a:txBody>
+                    <a:bodyPr/>
+                    <a:lstStyle/>
+                    <a:p>
+                      <a:pPr algn="ctr" latinLnBrk="1"/>
+                      <a:r>
+                        <a:rPr kumimoji="0" lang="en-US" altLang="ko-KR" sz="1800" b="0" i="0" u="none" strike="noStrike" kern="1200" cap="none" spc="0" normalizeH="0" baseline="0" noProof="0" dirty="0" smtClean="0">
+                          <a:ln>
+                            <a:noFill/>
+                          </a:ln>
+                          <a:solidFill>
+                            <a:prstClr val="black"/>
+                          </a:solidFill>
+                          <a:effectLst/>
+                          <a:uLnTx/>
+                          <a:uFillTx/>
+                          <a:latin typeface="나눔바른고딕" panose="020B0603020101020101" pitchFamily="50" charset="-127"/>
+                          <a:ea typeface="나눔바른고딕" panose="020B0603020101020101" pitchFamily="50" charset="-127"/>
+                          <a:cs typeface="+mn-cs"/>
+                        </a:rPr>
+                        <a:t>0.15255</a:t>
+                      </a:r>
+                      <a:endParaRPr lang="ko-KR" altLang="en-US" dirty="0">
+                        <a:latin typeface="나눔바른고딕" panose="020B0603020101020101" pitchFamily="50" charset="-127"/>
+                        <a:ea typeface="나눔바른고딕" panose="020B0603020101020101" pitchFamily="50" charset="-127"/>
+                      </a:endParaRPr>
+                    </a:p>
+                  </a:txBody>
+                  <a:tcPr anchor="ctr"/>
+                </a:tc>
+                <a:extLst>
+                  <a:ext uri="{0D108BD9-81ED-4DB2-BD59-A6C34878D82A}">
+                    <a16:rowId xmlns:a16="http://schemas.microsoft.com/office/drawing/2014/main" val="1836971620"/>
+                  </a:ext>
+                </a:extLst>
+              </a:tr>
+              <a:tr h="439812">
+                <a:tc>
+                  <a:txBody>
+                    <a:bodyPr/>
+                    <a:lstStyle/>
+                    <a:p>
+                      <a:pPr algn="ctr" latinLnBrk="1"/>
+                      <a:r>
+                        <a:rPr lang="en-US" altLang="ko-KR" sz="1800" b="1" kern="1200" spc="-150" dirty="0" smtClean="0">
+                          <a:solidFill>
+                            <a:schemeClr val="bg1"/>
+                          </a:solidFill>
+                          <a:latin typeface="나눔바른고딕" panose="020B0603020101020101" pitchFamily="50" charset="-127"/>
+                          <a:ea typeface="나눔바른고딕" panose="020B0603020101020101" pitchFamily="50" charset="-127"/>
+                          <a:cs typeface="+mn-cs"/>
+                        </a:rPr>
+                        <a:t>SVM</a:t>
+                      </a:r>
+                      <a:endParaRPr lang="ko-KR" altLang="en-US" sz="1800" b="1" kern="1200" spc="-150" dirty="0">
+                        <a:solidFill>
+                          <a:schemeClr val="bg1"/>
+                        </a:solidFill>
+                        <a:latin typeface="나눔바른고딕" panose="020B0603020101020101" pitchFamily="50" charset="-127"/>
+                        <a:ea typeface="나눔바른고딕" panose="020B0603020101020101" pitchFamily="50" charset="-127"/>
+                        <a:cs typeface="+mn-cs"/>
+                      </a:endParaRPr>
+                    </a:p>
+                  </a:txBody>
+                  <a:tcPr anchor="ctr">
+                    <a:solidFill>
+                      <a:srgbClr val="8DBABD"/>
+                    </a:solidFill>
+                  </a:tcPr>
+                </a:tc>
+                <a:tc>
+                  <a:txBody>
+                    <a:bodyPr/>
+                    <a:lstStyle/>
+                    <a:p>
+                      <a:pPr algn="ctr" latinLnBrk="1"/>
+                      <a:r>
+                        <a:rPr lang="en-US" altLang="ko-KR" dirty="0" smtClean="0">
+                          <a:latin typeface="나눔바른고딕" panose="020B0603020101020101" pitchFamily="50" charset="-127"/>
+                          <a:ea typeface="나눔바른고딕" panose="020B0603020101020101" pitchFamily="50" charset="-127"/>
+                        </a:rPr>
+                        <a:t>0.25293</a:t>
+                      </a:r>
+                      <a:endParaRPr lang="ko-KR" altLang="en-US" dirty="0">
+                        <a:latin typeface="나눔바른고딕" panose="020B0603020101020101" pitchFamily="50" charset="-127"/>
+                        <a:ea typeface="나눔바른고딕" panose="020B0603020101020101" pitchFamily="50" charset="-127"/>
+                      </a:endParaRPr>
+                    </a:p>
+                  </a:txBody>
+                  <a:tcPr anchor="ctr"/>
+                </a:tc>
+                <a:tc>
+                  <a:txBody>
+                    <a:bodyPr/>
+                    <a:lstStyle/>
+                    <a:p>
+                      <a:pPr algn="ctr" latinLnBrk="1"/>
+                      <a:r>
+                        <a:rPr lang="en-US" altLang="ko-KR" sz="1800" b="0" i="0" kern="1200" dirty="0" smtClean="0">
+                          <a:solidFill>
+                            <a:schemeClr val="tx1"/>
+                          </a:solidFill>
+                          <a:effectLst/>
+                          <a:latin typeface="나눔바른고딕" panose="020B0603020101020101" pitchFamily="50" charset="-127"/>
+                          <a:ea typeface="나눔바른고딕" panose="020B0603020101020101" pitchFamily="50" charset="-127"/>
+                          <a:cs typeface="+mn-cs"/>
+                        </a:rPr>
+                        <a:t>0.21882</a:t>
+                      </a:r>
+                      <a:endParaRPr lang="ko-KR" altLang="en-US" dirty="0">
+                        <a:latin typeface="나눔바른고딕" panose="020B0603020101020101" pitchFamily="50" charset="-127"/>
+                        <a:ea typeface="나눔바른고딕" panose="020B0603020101020101" pitchFamily="50" charset="-127"/>
+                      </a:endParaRPr>
+                    </a:p>
+                  </a:txBody>
+                  <a:tcPr anchor="ctr"/>
+                </a:tc>
+                <a:tc>
+                  <a:txBody>
+                    <a:bodyPr/>
+                    <a:lstStyle/>
+                    <a:p>
+                      <a:pPr algn="ctr" latinLnBrk="1"/>
+                      <a:r>
+                        <a:rPr kumimoji="0" lang="en-US" altLang="ko-KR" sz="1800" b="0" i="0" u="none" strike="noStrike" kern="1200" cap="none" spc="0" normalizeH="0" baseline="0" noProof="0" dirty="0" smtClean="0">
+                          <a:ln>
+                            <a:noFill/>
+                          </a:ln>
+                          <a:solidFill>
+                            <a:prstClr val="black"/>
+                          </a:solidFill>
+                          <a:effectLst/>
+                          <a:uLnTx/>
+                          <a:uFillTx/>
+                          <a:latin typeface="나눔바른고딕" panose="020B0603020101020101" pitchFamily="50" charset="-127"/>
+                          <a:ea typeface="나눔바른고딕" panose="020B0603020101020101" pitchFamily="50" charset="-127"/>
+                          <a:cs typeface="+mn-cs"/>
+                        </a:rPr>
+                        <a:t>0.13858</a:t>
+                      </a:r>
+                      <a:endParaRPr lang="ko-KR" altLang="en-US" dirty="0">
+                        <a:latin typeface="나눔바른고딕" panose="020B0603020101020101" pitchFamily="50" charset="-127"/>
+                        <a:ea typeface="나눔바른고딕" panose="020B0603020101020101" pitchFamily="50" charset="-127"/>
+                      </a:endParaRPr>
+                    </a:p>
+                  </a:txBody>
+                  <a:tcPr anchor="ctr"/>
+                </a:tc>
+                <a:extLst>
+                  <a:ext uri="{0D108BD9-81ED-4DB2-BD59-A6C34878D82A}">
+                    <a16:rowId xmlns:a16="http://schemas.microsoft.com/office/drawing/2014/main" val="9200788"/>
+                  </a:ext>
+                </a:extLst>
+              </a:tr>
+              <a:tr h="439812">
+                <a:tc>
+                  <a:txBody>
+                    <a:bodyPr/>
+                    <a:lstStyle/>
+                    <a:p>
+                      <a:pPr algn="ctr" latinLnBrk="1"/>
+                      <a:r>
+                        <a:rPr lang="en-US" altLang="ko-KR" sz="1800" b="1" kern="1200" spc="-150" dirty="0" smtClean="0">
+                          <a:solidFill>
+                            <a:schemeClr val="bg1"/>
+                          </a:solidFill>
+                          <a:latin typeface="나눔바른고딕" panose="020B0603020101020101" pitchFamily="50" charset="-127"/>
+                          <a:ea typeface="나눔바른고딕" panose="020B0603020101020101" pitchFamily="50" charset="-127"/>
+                          <a:cs typeface="+mn-cs"/>
+                        </a:rPr>
+                        <a:t>GBM</a:t>
+                      </a:r>
+                      <a:endParaRPr lang="ko-KR" altLang="en-US" sz="1800" b="1" kern="1200" spc="-150" dirty="0">
+                        <a:solidFill>
+                          <a:schemeClr val="bg1"/>
+                        </a:solidFill>
+                        <a:latin typeface="나눔바른고딕" panose="020B0603020101020101" pitchFamily="50" charset="-127"/>
+                        <a:ea typeface="나눔바른고딕" panose="020B0603020101020101" pitchFamily="50" charset="-127"/>
+                        <a:cs typeface="+mn-cs"/>
+                      </a:endParaRPr>
+                    </a:p>
+                  </a:txBody>
+                  <a:tcPr anchor="ctr">
+                    <a:solidFill>
+                      <a:srgbClr val="8DBABD"/>
+                    </a:solidFill>
+                  </a:tcPr>
+                </a:tc>
+                <a:tc>
+                  <a:txBody>
+                    <a:bodyPr/>
+                    <a:lstStyle/>
+                    <a:p>
+                      <a:pPr algn="ctr" latinLnBrk="1"/>
+                      <a:r>
+                        <a:rPr lang="en-US" altLang="ko-KR" dirty="0" smtClean="0">
+                          <a:latin typeface="나눔바른고딕" panose="020B0603020101020101" pitchFamily="50" charset="-127"/>
+                          <a:ea typeface="나눔바른고딕" panose="020B0603020101020101" pitchFamily="50" charset="-127"/>
+                        </a:rPr>
+                        <a:t>0.20858</a:t>
+                      </a:r>
+                      <a:endParaRPr lang="ko-KR" altLang="en-US" dirty="0">
+                        <a:latin typeface="나눔바른고딕" panose="020B0603020101020101" pitchFamily="50" charset="-127"/>
+                        <a:ea typeface="나눔바른고딕" panose="020B0603020101020101" pitchFamily="50" charset="-127"/>
+                      </a:endParaRPr>
+                    </a:p>
+                  </a:txBody>
+                  <a:tcPr anchor="ctr"/>
+                </a:tc>
+                <a:tc>
+                  <a:txBody>
+                    <a:bodyPr/>
+                    <a:lstStyle/>
+                    <a:p>
+                      <a:pPr algn="ctr" latinLnBrk="1"/>
+                      <a:r>
+                        <a:rPr lang="en-US" altLang="ko-KR" sz="1800" b="0" i="0" kern="1200" dirty="0" smtClean="0">
+                          <a:solidFill>
+                            <a:schemeClr val="tx1"/>
+                          </a:solidFill>
+                          <a:effectLst/>
+                          <a:latin typeface="나눔바른고딕" panose="020B0603020101020101" pitchFamily="50" charset="-127"/>
+                          <a:ea typeface="나눔바른고딕" panose="020B0603020101020101" pitchFamily="50" charset="-127"/>
+                          <a:cs typeface="+mn-cs"/>
+                        </a:rPr>
+                        <a:t>0.19579</a:t>
+                      </a:r>
+                      <a:endParaRPr lang="ko-KR" altLang="en-US" dirty="0">
+                        <a:latin typeface="나눔바른고딕" panose="020B0603020101020101" pitchFamily="50" charset="-127"/>
+                        <a:ea typeface="나눔바른고딕" panose="020B0603020101020101" pitchFamily="50" charset="-127"/>
+                      </a:endParaRPr>
+                    </a:p>
+                  </a:txBody>
+                  <a:tcPr anchor="ctr"/>
+                </a:tc>
+                <a:tc>
+                  <a:txBody>
+                    <a:bodyPr/>
+                    <a:lstStyle/>
+                    <a:p>
+                      <a:pPr algn="ctr" latinLnBrk="1"/>
+                      <a:r>
+                        <a:rPr kumimoji="0" lang="en-US" altLang="ko-KR" sz="1800" b="1" i="0" u="none" strike="noStrike" kern="1200" cap="none" spc="0" normalizeH="0" baseline="0" noProof="0" dirty="0" smtClean="0">
+                          <a:ln>
+                            <a:noFill/>
+                          </a:ln>
+                          <a:solidFill>
+                            <a:prstClr val="black"/>
+                          </a:solidFill>
+                          <a:effectLst/>
+                          <a:uLnTx/>
+                          <a:uFillTx/>
+                          <a:latin typeface="나눔바른고딕" panose="020B0603020101020101" pitchFamily="50" charset="-127"/>
+                          <a:ea typeface="나눔바른고딕" panose="020B0603020101020101" pitchFamily="50" charset="-127"/>
+                          <a:cs typeface="+mn-cs"/>
+                        </a:rPr>
+                        <a:t>0.13582</a:t>
+                      </a:r>
+                      <a:endParaRPr lang="ko-KR" altLang="en-US" b="1" dirty="0">
+                        <a:latin typeface="나눔바른고딕" panose="020B0603020101020101" pitchFamily="50" charset="-127"/>
+                        <a:ea typeface="나눔바른고딕" panose="020B0603020101020101" pitchFamily="50" charset="-127"/>
+                      </a:endParaRPr>
+                    </a:p>
+                  </a:txBody>
+                  <a:tcPr anchor="ctr">
+                    <a:solidFill>
+                      <a:schemeClr val="bg2"/>
+                    </a:solidFill>
+                  </a:tcPr>
+                </a:tc>
+                <a:extLst>
+                  <a:ext uri="{0D108BD9-81ED-4DB2-BD59-A6C34878D82A}">
+                    <a16:rowId xmlns:a16="http://schemas.microsoft.com/office/drawing/2014/main" val="3486940533"/>
+                  </a:ext>
+                </a:extLst>
+              </a:tr>
+              <a:tr h="439812">
+                <a:tc>
+                  <a:txBody>
+                    <a:bodyPr/>
+                    <a:lstStyle/>
+                    <a:p>
+                      <a:pPr algn="ctr" latinLnBrk="1"/>
+                      <a:r>
+                        <a:rPr lang="en-US" altLang="ko-KR" sz="1800" b="1" kern="1200" spc="-150" dirty="0" err="1" smtClean="0">
+                          <a:solidFill>
+                            <a:schemeClr val="bg1"/>
+                          </a:solidFill>
+                          <a:latin typeface="나눔바른고딕" panose="020B0603020101020101" pitchFamily="50" charset="-127"/>
+                          <a:ea typeface="나눔바른고딕" panose="020B0603020101020101" pitchFamily="50" charset="-127"/>
+                          <a:cs typeface="+mn-cs"/>
+                        </a:rPr>
+                        <a:t>esm</a:t>
+                      </a:r>
+                      <a:endParaRPr lang="ko-KR" altLang="en-US" sz="1800" b="1" kern="1200" spc="-150" dirty="0">
+                        <a:solidFill>
+                          <a:schemeClr val="bg1"/>
+                        </a:solidFill>
+                        <a:latin typeface="나눔바른고딕" panose="020B0603020101020101" pitchFamily="50" charset="-127"/>
+                        <a:ea typeface="나눔바른고딕" panose="020B0603020101020101" pitchFamily="50" charset="-127"/>
+                        <a:cs typeface="+mn-cs"/>
+                      </a:endParaRPr>
+                    </a:p>
+                  </a:txBody>
+                  <a:tcPr anchor="ctr">
+                    <a:solidFill>
+                      <a:srgbClr val="8DBABD"/>
+                    </a:solidFill>
+                  </a:tcPr>
+                </a:tc>
+                <a:tc>
+                  <a:txBody>
+                    <a:bodyPr/>
+                    <a:lstStyle/>
+                    <a:p>
+                      <a:pPr marL="0" marR="0" indent="0" algn="ctr" defTabSz="914400" rtl="0" eaLnBrk="1" fontAlgn="auto" latinLnBrk="1" hangingPunct="1">
+                        <a:lnSpc>
+                          <a:spcPct val="100000"/>
+                        </a:lnSpc>
+                        <a:spcBef>
+                          <a:spcPts val="0"/>
+                        </a:spcBef>
+                        <a:spcAft>
+                          <a:spcPts val="0"/>
+                        </a:spcAft>
+                        <a:buClrTx/>
+                        <a:buSzTx/>
+                        <a:buFontTx/>
+                        <a:buNone/>
+                        <a:tabLst/>
+                        <a:defRPr/>
+                      </a:pPr>
+                      <a:r>
+                        <a:rPr lang="en-US" altLang="ko-KR" dirty="0" smtClean="0">
+                          <a:latin typeface="나눔바른고딕" panose="020B0603020101020101" pitchFamily="50" charset="-127"/>
+                          <a:ea typeface="나눔바른고딕" panose="020B0603020101020101" pitchFamily="50" charset="-127"/>
+                        </a:rPr>
+                        <a:t>0.21746</a:t>
+                      </a:r>
+                      <a:endParaRPr lang="ko-KR" altLang="en-US" dirty="0" smtClean="0">
+                        <a:latin typeface="나눔바른고딕" panose="020B0603020101020101" pitchFamily="50" charset="-127"/>
+                        <a:ea typeface="나눔바른고딕" panose="020B0603020101020101" pitchFamily="50" charset="-127"/>
+                      </a:endParaRPr>
+                    </a:p>
+                  </a:txBody>
+                  <a:tcPr anchor="ctr"/>
+                </a:tc>
+                <a:tc>
+                  <a:txBody>
+                    <a:bodyPr/>
+                    <a:lstStyle/>
+                    <a:p>
+                      <a:pPr algn="ctr" latinLnBrk="1"/>
+                      <a:r>
+                        <a:rPr lang="en-US" altLang="ko-KR" sz="1800" b="0" i="0" kern="1200" dirty="0" smtClean="0">
+                          <a:solidFill>
+                            <a:schemeClr val="tx1"/>
+                          </a:solidFill>
+                          <a:effectLst/>
+                          <a:latin typeface="나눔바른고딕" panose="020B0603020101020101" pitchFamily="50" charset="-127"/>
+                          <a:ea typeface="나눔바른고딕" panose="020B0603020101020101" pitchFamily="50" charset="-127"/>
+                          <a:cs typeface="+mn-cs"/>
+                        </a:rPr>
+                        <a:t>0.18965</a:t>
+                      </a:r>
+                      <a:endParaRPr lang="ko-KR" altLang="en-US" dirty="0">
+                        <a:latin typeface="나눔바른고딕" panose="020B0603020101020101" pitchFamily="50" charset="-127"/>
+                        <a:ea typeface="나눔바른고딕" panose="020B0603020101020101" pitchFamily="50" charset="-127"/>
+                      </a:endParaRPr>
+                    </a:p>
+                  </a:txBody>
+                  <a:tcPr anchor="ctr"/>
+                </a:tc>
+                <a:tc>
+                  <a:txBody>
+                    <a:bodyPr/>
+                    <a:lstStyle/>
+                    <a:p>
+                      <a:pPr algn="ctr" latinLnBrk="1"/>
+                      <a:r>
+                        <a:rPr lang="en-US" altLang="ko-KR" sz="1800" b="0" i="0" kern="1200" dirty="0" smtClean="0">
+                          <a:solidFill>
+                            <a:schemeClr val="tx1"/>
+                          </a:solidFill>
+                          <a:effectLst/>
+                          <a:latin typeface="나눔바른고딕" panose="020B0603020101020101" pitchFamily="50" charset="-127"/>
+                          <a:ea typeface="나눔바른고딕" panose="020B0603020101020101" pitchFamily="50" charset="-127"/>
+                          <a:cs typeface="+mn-cs"/>
+                        </a:rPr>
+                        <a:t>0.14092</a:t>
+                      </a:r>
+                      <a:endParaRPr lang="ko-KR" altLang="en-US" dirty="0">
+                        <a:latin typeface="나눔바른고딕" panose="020B0603020101020101" pitchFamily="50" charset="-127"/>
+                        <a:ea typeface="나눔바른고딕" panose="020B0603020101020101" pitchFamily="50" charset="-127"/>
+                      </a:endParaRPr>
+                    </a:p>
+                  </a:txBody>
+                  <a:tcPr anchor="ctr"/>
+                </a:tc>
+                <a:extLst>
+                  <a:ext uri="{0D108BD9-81ED-4DB2-BD59-A6C34878D82A}">
+                    <a16:rowId xmlns:a16="http://schemas.microsoft.com/office/drawing/2014/main" val="1742979590"/>
+                  </a:ext>
+                </a:extLst>
+              </a:tr>
+            </a:tbl>
+          </a:graphicData>
+        </a:graphic>
+      </p:graphicFrame>
     </p:spTree>
     <p:extLst>
       <p:ext uri="{BB962C8B-B14F-4D97-AF65-F5344CB8AC3E}">
@@ -1536,7 +4240,7 @@
 </p:sld>
 </file>
 
-<file path=ppt/slides/slide11.xml><?xml version="1.0" encoding="utf-8"?>
+<file path=ppt/slides/slide14.xml><?xml version="1.0" encoding="utf-8"?>
 <p:sld xmlns:a="http://schemas.openxmlformats.org/drawingml/2006/main" xmlns:r="http://schemas.openxmlformats.org/officeDocument/2006/relationships" xmlns:p="http://schemas.openxmlformats.org/presentationml/2006/main">
   <p:cSld>
     <p:spTree>
@@ -1640,13 +4344,6 @@
           <a:lstStyle/>
           <a:p>
             <a:pPr algn="ctr"/>
-            <a:r>
-              <a:rPr lang="ko-KR" altLang="en-US" dirty="0" err="1" smtClean="0">
-                <a:latin typeface="나눔스퀘어 Bold" panose="020B0600000101010101" pitchFamily="50" charset="-127"/>
-                <a:ea typeface="나눔스퀘어 Bold" panose="020B0600000101010101" pitchFamily="50" charset="-127"/>
-              </a:rPr>
-              <a:t>나눔스퀘어</a:t>
-            </a:r>
             <a:endParaRPr lang="ko-KR" altLang="en-US" dirty="0">
               <a:latin typeface="나눔스퀘어 Bold" panose="020B0600000101010101" pitchFamily="50" charset="-127"/>
               <a:ea typeface="나눔스퀘어 Bold" panose="020B0600000101010101" pitchFamily="50" charset="-127"/>
@@ -1787,7 +4484,7 @@
                 <a:latin typeface="나눔스퀘어 ExtraBold" panose="020B0600000101010101" pitchFamily="50" charset="-127"/>
                 <a:ea typeface="나눔스퀘어 ExtraBold" panose="020B0600000101010101" pitchFamily="50" charset="-127"/>
               </a:rPr>
-              <a:t>Description</a:t>
+              <a:t>EDA</a:t>
             </a:r>
             <a:endParaRPr lang="ko-KR" altLang="en-US" sz="2000" dirty="0">
               <a:solidFill>
@@ -2331,7 +5028,7 @@
                 <a:latin typeface="나눔스퀘어 Bold" panose="020B0600000101010101" pitchFamily="50" charset="-127"/>
                 <a:ea typeface="나눔스퀘어 Bold" panose="020B0600000101010101" pitchFamily="50" charset="-127"/>
               </a:rPr>
-              <a:t>Description</a:t>
+              <a:t>EDA</a:t>
             </a:r>
             <a:endParaRPr lang="ko-KR" altLang="en-US" dirty="0">
               <a:latin typeface="나눔스퀘어 Bold" panose="020B0600000101010101" pitchFamily="50" charset="-127"/>
@@ -2422,8 +5119,8 @@
         </p:nvSpPr>
         <p:spPr>
           <a:xfrm>
-            <a:off x="976031" y="437393"/>
-            <a:ext cx="2263761" cy="584775"/>
+            <a:off x="1213487" y="504561"/>
+            <a:ext cx="6022483" cy="584775"/>
           </a:xfrm>
           <a:prstGeom prst="rect">
             <a:avLst/>
@@ -2445,7 +5142,27 @@
                 <a:latin typeface="나눔스퀘어 ExtraBold" panose="020B0600000101010101" pitchFamily="50" charset="-127"/>
                 <a:ea typeface="나눔스퀘어 ExtraBold" panose="020B0600000101010101" pitchFamily="50" charset="-127"/>
               </a:rPr>
-              <a:t>Description</a:t>
+              <a:t>EDA : </a:t>
+            </a:r>
+            <a:r>
+              <a:rPr lang="en-US" altLang="ko-KR" sz="3200" spc="-150" dirty="0" err="1" smtClean="0">
+                <a:solidFill>
+                  <a:srgbClr val="00002F"/>
+                </a:solidFill>
+                <a:latin typeface="나눔스퀘어 ExtraBold" panose="020B0600000101010101" pitchFamily="50" charset="-127"/>
+                <a:ea typeface="나눔스퀘어 ExtraBold" panose="020B0600000101010101" pitchFamily="50" charset="-127"/>
+              </a:rPr>
+              <a:t>hist</a:t>
+            </a:r>
+            <a:r>
+              <a:rPr lang="en-US" altLang="ko-KR" sz="3200" spc="-150" dirty="0" smtClean="0">
+                <a:solidFill>
+                  <a:srgbClr val="00002F"/>
+                </a:solidFill>
+                <a:latin typeface="나눔스퀘어 ExtraBold" panose="020B0600000101010101" pitchFamily="50" charset="-127"/>
+                <a:ea typeface="나눔스퀘어 ExtraBold" panose="020B0600000101010101" pitchFamily="50" charset="-127"/>
+              </a:rPr>
+              <a:t> of continuous variable</a:t>
             </a:r>
             <a:endParaRPr lang="ko-KR" altLang="en-US" sz="3200" spc="-150" dirty="0">
               <a:solidFill>
@@ -2674,92 +5391,30 @@
           </a:fontRef>
         </p:style>
       </p:cxnSp>
-      <p:sp>
-        <p:nvSpPr>
-          <p:cNvPr id="11" name="TextBox 10"/>
-          <p:cNvSpPr txBox="1"/>
+      <p:pic>
+        <p:nvPicPr>
+          <p:cNvPr id="18" name="그림 17"/>
+          <p:cNvPicPr>
+            <a:picLocks noChangeAspect="1"/>
+          </p:cNvPicPr>
           <p:nvPr/>
-        </p:nvSpPr>
+        </p:nvPicPr>
+        <p:blipFill>
+          <a:blip r:embed="rId2"/>
+          <a:stretch>
+            <a:fillRect/>
+          </a:stretch>
+        </p:blipFill>
         <p:spPr>
           <a:xfrm>
-            <a:off x="2693979" y="2091297"/>
-            <a:ext cx="946221" cy="584775"/>
+            <a:off x="1213487" y="1421562"/>
+            <a:ext cx="10004972" cy="5007718"/>
           </a:xfrm>
           <a:prstGeom prst="rect">
             <a:avLst/>
           </a:prstGeom>
-          <a:noFill/>
         </p:spPr>
-        <p:txBody>
-          <a:bodyPr wrap="none" rtlCol="0">
-            <a:spAutoFit/>
-          </a:bodyPr>
-          <a:lstStyle/>
-          <a:p>
-            <a:pPr algn="ctr"/>
-            <a:r>
-              <a:rPr lang="en-US" altLang="ko-KR" sz="3200" spc="-150" dirty="0" smtClean="0">
-                <a:solidFill>
-                  <a:srgbClr val="8DBABD"/>
-                </a:solidFill>
-                <a:latin typeface="나눔스퀘어 ExtraBold" panose="020B0600000101010101" pitchFamily="50" charset="-127"/>
-                <a:ea typeface="나눔스퀘어 ExtraBold" panose="020B0600000101010101" pitchFamily="50" charset="-127"/>
-              </a:rPr>
-              <a:t>Text</a:t>
-            </a:r>
-            <a:endParaRPr lang="ko-KR" altLang="en-US" sz="3200" spc="-150" dirty="0">
-              <a:solidFill>
-                <a:srgbClr val="8DBABD"/>
-              </a:solidFill>
-              <a:latin typeface="나눔스퀘어 ExtraBold" panose="020B0600000101010101" pitchFamily="50" charset="-127"/>
-              <a:ea typeface="나눔스퀘어 ExtraBold" panose="020B0600000101010101" pitchFamily="50" charset="-127"/>
-            </a:endParaRPr>
-          </a:p>
-        </p:txBody>
-      </p:sp>
-      <p:sp>
-        <p:nvSpPr>
-          <p:cNvPr id="13" name="TextBox 12"/>
-          <p:cNvSpPr txBox="1"/>
-          <p:nvPr/>
-        </p:nvSpPr>
-        <p:spPr>
-          <a:xfrm>
-            <a:off x="1069803" y="1006929"/>
-            <a:ext cx="578876" cy="369332"/>
-          </a:xfrm>
-          <a:prstGeom prst="rect">
-            <a:avLst/>
-          </a:prstGeom>
-          <a:noFill/>
-        </p:spPr>
-        <p:txBody>
-          <a:bodyPr wrap="none" rtlCol="0">
-            <a:spAutoFit/>
-          </a:bodyPr>
-          <a:lstStyle/>
-          <a:p>
-            <a:pPr algn="ctr"/>
-            <a:r>
-              <a:rPr lang="en-US" altLang="ko-KR" spc="-150" dirty="0" smtClean="0">
-                <a:solidFill>
-                  <a:srgbClr val="00002F"/>
-                </a:solidFill>
-                <a:latin typeface="나눔스퀘어 ExtraBold" panose="020B0600000101010101" pitchFamily="50" charset="-127"/>
-                <a:ea typeface="나눔스퀘어 ExtraBold" panose="020B0600000101010101" pitchFamily="50" charset="-127"/>
-              </a:rPr>
-              <a:t>Text</a:t>
-            </a:r>
-            <a:endParaRPr lang="ko-KR" altLang="en-US" spc="-150" dirty="0">
-              <a:solidFill>
-                <a:srgbClr val="00002F"/>
-              </a:solidFill>
-              <a:latin typeface="나눔스퀘어 ExtraBold" panose="020B0600000101010101" pitchFamily="50" charset="-127"/>
-              <a:ea typeface="나눔스퀘어 ExtraBold" panose="020B0600000101010101" pitchFamily="50" charset="-127"/>
-            </a:endParaRPr>
-          </a:p>
-        </p:txBody>
-      </p:sp>
+      </p:pic>
     </p:spTree>
     <p:extLst>
       <p:ext uri="{BB962C8B-B14F-4D97-AF65-F5344CB8AC3E}">
@@ -2781,6 +5436,568 @@
 </file>
 
 <file path=ppt/slides/slide5.xml><?xml version="1.0" encoding="utf-8"?>
+<p:sld xmlns:a="http://schemas.openxmlformats.org/drawingml/2006/main" xmlns:r="http://schemas.openxmlformats.org/officeDocument/2006/relationships" xmlns:p="http://schemas.openxmlformats.org/presentationml/2006/main">
+  <p:cSld>
+    <p:spTree>
+      <p:nvGrpSpPr>
+        <p:cNvPr id="1" name=""/>
+        <p:cNvGrpSpPr/>
+        <p:nvPr/>
+      </p:nvGrpSpPr>
+      <p:grpSpPr>
+        <a:xfrm>
+          <a:off x="0" y="0"/>
+          <a:ext cx="0" cy="0"/>
+          <a:chOff x="0" y="0"/>
+          <a:chExt cx="0" cy="0"/>
+        </a:xfrm>
+      </p:grpSpPr>
+      <p:pic>
+        <p:nvPicPr>
+          <p:cNvPr id="2" name="그림 1"/>
+          <p:cNvPicPr>
+            <a:picLocks noChangeAspect="1"/>
+          </p:cNvPicPr>
+          <p:nvPr/>
+        </p:nvPicPr>
+        <p:blipFill>
+          <a:blip r:embed="rId2"/>
+          <a:stretch>
+            <a:fillRect/>
+          </a:stretch>
+        </p:blipFill>
+        <p:spPr>
+          <a:xfrm>
+            <a:off x="1094483" y="1164212"/>
+            <a:ext cx="10135010" cy="5170600"/>
+          </a:xfrm>
+          <a:prstGeom prst="rect">
+            <a:avLst/>
+          </a:prstGeom>
+        </p:spPr>
+      </p:pic>
+      <p:cxnSp>
+        <p:nvCxnSpPr>
+          <p:cNvPr id="3" name="직선 연결선 2"/>
+          <p:cNvCxnSpPr/>
+          <p:nvPr/>
+        </p:nvCxnSpPr>
+        <p:spPr>
+          <a:xfrm>
+            <a:off x="1026522" y="989148"/>
+            <a:ext cx="2160000" cy="0"/>
+          </a:xfrm>
+          <a:prstGeom prst="line">
+            <a:avLst/>
+          </a:prstGeom>
+          <a:ln>
+            <a:solidFill>
+              <a:schemeClr val="bg1">
+                <a:lumMod val="50000"/>
+              </a:schemeClr>
+            </a:solidFill>
+          </a:ln>
+        </p:spPr>
+        <p:style>
+          <a:lnRef idx="1">
+            <a:schemeClr val="accent1"/>
+          </a:lnRef>
+          <a:fillRef idx="0">
+            <a:schemeClr val="accent1"/>
+          </a:fillRef>
+          <a:effectRef idx="0">
+            <a:schemeClr val="accent1"/>
+          </a:effectRef>
+          <a:fontRef idx="minor">
+            <a:schemeClr val="tx1"/>
+          </a:fontRef>
+        </p:style>
+      </p:cxnSp>
+      <p:sp>
+        <p:nvSpPr>
+          <p:cNvPr id="5" name="TextBox 4"/>
+          <p:cNvSpPr txBox="1"/>
+          <p:nvPr/>
+        </p:nvSpPr>
+        <p:spPr>
+          <a:xfrm>
+            <a:off x="455532" y="498947"/>
+            <a:ext cx="614271" cy="461665"/>
+          </a:xfrm>
+          <a:prstGeom prst="rect">
+            <a:avLst/>
+          </a:prstGeom>
+          <a:noFill/>
+        </p:spPr>
+        <p:txBody>
+          <a:bodyPr wrap="none" rtlCol="0">
+            <a:spAutoFit/>
+          </a:bodyPr>
+          <a:lstStyle/>
+          <a:p>
+            <a:pPr algn="ctr"/>
+            <a:r>
+              <a:rPr lang="en-US" altLang="ko-KR" sz="2400" spc="-150" dirty="0" smtClean="0">
+                <a:solidFill>
+                  <a:srgbClr val="00002F"/>
+                </a:solidFill>
+                <a:latin typeface="나눔스퀘어 ExtraBold" panose="020B0600000101010101" pitchFamily="50" charset="-127"/>
+                <a:ea typeface="나눔스퀘어 ExtraBold" panose="020B0600000101010101" pitchFamily="50" charset="-127"/>
+              </a:rPr>
+              <a:t>01.</a:t>
+            </a:r>
+            <a:endParaRPr lang="ko-KR" altLang="en-US" sz="2400" spc="-150" dirty="0">
+              <a:solidFill>
+                <a:srgbClr val="00002F"/>
+              </a:solidFill>
+              <a:latin typeface="나눔스퀘어 ExtraBold" panose="020B0600000101010101" pitchFamily="50" charset="-127"/>
+              <a:ea typeface="나눔스퀘어 ExtraBold" panose="020B0600000101010101" pitchFamily="50" charset="-127"/>
+            </a:endParaRPr>
+          </a:p>
+        </p:txBody>
+      </p:sp>
+      <p:sp>
+        <p:nvSpPr>
+          <p:cNvPr id="6" name="TextBox 5"/>
+          <p:cNvSpPr txBox="1"/>
+          <p:nvPr/>
+        </p:nvSpPr>
+        <p:spPr>
+          <a:xfrm>
+            <a:off x="1094483" y="498947"/>
+            <a:ext cx="4669035" cy="584775"/>
+          </a:xfrm>
+          <a:prstGeom prst="rect">
+            <a:avLst/>
+          </a:prstGeom>
+          <a:noFill/>
+        </p:spPr>
+        <p:txBody>
+          <a:bodyPr wrap="none" rtlCol="0">
+            <a:spAutoFit/>
+          </a:bodyPr>
+          <a:lstStyle/>
+          <a:p>
+            <a:pPr algn="ctr"/>
+            <a:r>
+              <a:rPr lang="en-US" altLang="ko-KR" sz="3200" spc="-150" dirty="0" smtClean="0">
+                <a:solidFill>
+                  <a:srgbClr val="00002F"/>
+                </a:solidFill>
+                <a:latin typeface="나눔스퀘어 ExtraBold" panose="020B0600000101010101" pitchFamily="50" charset="-127"/>
+                <a:ea typeface="나눔스퀘어 ExtraBold" panose="020B0600000101010101" pitchFamily="50" charset="-127"/>
+              </a:rPr>
+              <a:t>EDA : </a:t>
+            </a:r>
+            <a:r>
+              <a:rPr lang="en-US" altLang="ko-KR" sz="3200" spc="-150" dirty="0" smtClean="0">
+                <a:solidFill>
+                  <a:srgbClr val="00002F"/>
+                </a:solidFill>
+                <a:latin typeface="나눔스퀘어 ExtraBold" panose="020B0600000101010101" pitchFamily="50" charset="-127"/>
+                <a:ea typeface="나눔스퀘어 ExtraBold" panose="020B0600000101010101" pitchFamily="50" charset="-127"/>
+              </a:rPr>
+              <a:t>log transformation</a:t>
+            </a:r>
+            <a:endParaRPr lang="ko-KR" altLang="en-US" sz="3200" spc="-150" dirty="0">
+              <a:solidFill>
+                <a:srgbClr val="00002F"/>
+              </a:solidFill>
+              <a:latin typeface="나눔스퀘어 ExtraBold" panose="020B0600000101010101" pitchFamily="50" charset="-127"/>
+              <a:ea typeface="나눔스퀘어 ExtraBold" panose="020B0600000101010101" pitchFamily="50" charset="-127"/>
+            </a:endParaRPr>
+          </a:p>
+        </p:txBody>
+      </p:sp>
+    </p:spTree>
+    <p:extLst>
+      <p:ext uri="{BB962C8B-B14F-4D97-AF65-F5344CB8AC3E}">
+        <p14:creationId xmlns:p14="http://schemas.microsoft.com/office/powerpoint/2010/main" val="998999436"/>
+      </p:ext>
+    </p:extLst>
+  </p:cSld>
+  <p:clrMapOvr>
+    <a:masterClrMapping/>
+  </p:clrMapOvr>
+  <p:timing>
+    <p:tnLst>
+      <p:par>
+        <p:cTn id="1" dur="indefinite" restart="never" nodeType="tmRoot"/>
+      </p:par>
+    </p:tnLst>
+  </p:timing>
+</p:sld>
+</file>
+
+<file path=ppt/slides/slide6.xml><?xml version="1.0" encoding="utf-8"?>
+<p:sld xmlns:a="http://schemas.openxmlformats.org/drawingml/2006/main" xmlns:r="http://schemas.openxmlformats.org/officeDocument/2006/relationships" xmlns:p="http://schemas.openxmlformats.org/presentationml/2006/main">
+  <p:cSld>
+    <p:spTree>
+      <p:nvGrpSpPr>
+        <p:cNvPr id="1" name=""/>
+        <p:cNvGrpSpPr/>
+        <p:nvPr/>
+      </p:nvGrpSpPr>
+      <p:grpSpPr>
+        <a:xfrm>
+          <a:off x="0" y="0"/>
+          <a:ext cx="0" cy="0"/>
+          <a:chOff x="0" y="0"/>
+          <a:chExt cx="0" cy="0"/>
+        </a:xfrm>
+      </p:grpSpPr>
+      <p:pic>
+        <p:nvPicPr>
+          <p:cNvPr id="2" name="그림 1"/>
+          <p:cNvPicPr>
+            <a:picLocks noChangeAspect="1"/>
+          </p:cNvPicPr>
+          <p:nvPr/>
+        </p:nvPicPr>
+        <p:blipFill>
+          <a:blip r:embed="rId2"/>
+          <a:stretch>
+            <a:fillRect/>
+          </a:stretch>
+        </p:blipFill>
+        <p:spPr>
+          <a:xfrm>
+            <a:off x="2931337" y="1311158"/>
+            <a:ext cx="5962406" cy="5200544"/>
+          </a:xfrm>
+          <a:prstGeom prst="rect">
+            <a:avLst/>
+          </a:prstGeom>
+        </p:spPr>
+      </p:pic>
+      <p:cxnSp>
+        <p:nvCxnSpPr>
+          <p:cNvPr id="3" name="직선 연결선 2"/>
+          <p:cNvCxnSpPr/>
+          <p:nvPr/>
+        </p:nvCxnSpPr>
+        <p:spPr>
+          <a:xfrm>
+            <a:off x="1026522" y="989148"/>
+            <a:ext cx="2160000" cy="0"/>
+          </a:xfrm>
+          <a:prstGeom prst="line">
+            <a:avLst/>
+          </a:prstGeom>
+          <a:ln>
+            <a:solidFill>
+              <a:schemeClr val="bg1">
+                <a:lumMod val="50000"/>
+              </a:schemeClr>
+            </a:solidFill>
+          </a:ln>
+        </p:spPr>
+        <p:style>
+          <a:lnRef idx="1">
+            <a:schemeClr val="accent1"/>
+          </a:lnRef>
+          <a:fillRef idx="0">
+            <a:schemeClr val="accent1"/>
+          </a:fillRef>
+          <a:effectRef idx="0">
+            <a:schemeClr val="accent1"/>
+          </a:effectRef>
+          <a:fontRef idx="minor">
+            <a:schemeClr val="tx1"/>
+          </a:fontRef>
+        </p:style>
+      </p:cxnSp>
+      <p:sp>
+        <p:nvSpPr>
+          <p:cNvPr id="4" name="TextBox 3"/>
+          <p:cNvSpPr txBox="1"/>
+          <p:nvPr/>
+        </p:nvSpPr>
+        <p:spPr>
+          <a:xfrm>
+            <a:off x="455532" y="498947"/>
+            <a:ext cx="614271" cy="461665"/>
+          </a:xfrm>
+          <a:prstGeom prst="rect">
+            <a:avLst/>
+          </a:prstGeom>
+          <a:noFill/>
+        </p:spPr>
+        <p:txBody>
+          <a:bodyPr wrap="none" rtlCol="0">
+            <a:spAutoFit/>
+          </a:bodyPr>
+          <a:lstStyle/>
+          <a:p>
+            <a:pPr algn="ctr"/>
+            <a:r>
+              <a:rPr lang="en-US" altLang="ko-KR" sz="2400" spc="-150" dirty="0" smtClean="0">
+                <a:solidFill>
+                  <a:srgbClr val="00002F"/>
+                </a:solidFill>
+                <a:latin typeface="나눔스퀘어 ExtraBold" panose="020B0600000101010101" pitchFamily="50" charset="-127"/>
+                <a:ea typeface="나눔스퀘어 ExtraBold" panose="020B0600000101010101" pitchFamily="50" charset="-127"/>
+              </a:rPr>
+              <a:t>01.</a:t>
+            </a:r>
+            <a:endParaRPr lang="ko-KR" altLang="en-US" sz="2400" spc="-150" dirty="0">
+              <a:solidFill>
+                <a:srgbClr val="00002F"/>
+              </a:solidFill>
+              <a:latin typeface="나눔스퀘어 ExtraBold" panose="020B0600000101010101" pitchFamily="50" charset="-127"/>
+              <a:ea typeface="나눔스퀘어 ExtraBold" panose="020B0600000101010101" pitchFamily="50" charset="-127"/>
+            </a:endParaRPr>
+          </a:p>
+        </p:txBody>
+      </p:sp>
+      <p:sp>
+        <p:nvSpPr>
+          <p:cNvPr id="5" name="TextBox 4"/>
+          <p:cNvSpPr txBox="1"/>
+          <p:nvPr/>
+        </p:nvSpPr>
+        <p:spPr>
+          <a:xfrm>
+            <a:off x="1139198" y="450833"/>
+            <a:ext cx="3240824" cy="584775"/>
+          </a:xfrm>
+          <a:prstGeom prst="rect">
+            <a:avLst/>
+          </a:prstGeom>
+          <a:noFill/>
+        </p:spPr>
+        <p:txBody>
+          <a:bodyPr wrap="none" rtlCol="0">
+            <a:spAutoFit/>
+          </a:bodyPr>
+          <a:lstStyle/>
+          <a:p>
+            <a:pPr algn="ctr"/>
+            <a:r>
+              <a:rPr lang="en-US" altLang="ko-KR" sz="3200" spc="-150" dirty="0" smtClean="0">
+                <a:solidFill>
+                  <a:srgbClr val="00002F"/>
+                </a:solidFill>
+                <a:latin typeface="나눔스퀘어 ExtraBold" panose="020B0600000101010101" pitchFamily="50" charset="-127"/>
+                <a:ea typeface="나눔스퀘어 ExtraBold" panose="020B0600000101010101" pitchFamily="50" charset="-127"/>
+              </a:rPr>
+              <a:t>EDA : correlation</a:t>
+            </a:r>
+            <a:endParaRPr lang="ko-KR" altLang="en-US" sz="3200" spc="-150" dirty="0">
+              <a:solidFill>
+                <a:srgbClr val="00002F"/>
+              </a:solidFill>
+              <a:latin typeface="나눔스퀘어 ExtraBold" panose="020B0600000101010101" pitchFamily="50" charset="-127"/>
+              <a:ea typeface="나눔스퀘어 ExtraBold" panose="020B0600000101010101" pitchFamily="50" charset="-127"/>
+            </a:endParaRPr>
+          </a:p>
+        </p:txBody>
+      </p:sp>
+    </p:spTree>
+    <p:extLst>
+      <p:ext uri="{BB962C8B-B14F-4D97-AF65-F5344CB8AC3E}">
+        <p14:creationId xmlns:p14="http://schemas.microsoft.com/office/powerpoint/2010/main" val="3668531635"/>
+      </p:ext>
+    </p:extLst>
+  </p:cSld>
+  <p:clrMapOvr>
+    <a:masterClrMapping/>
+  </p:clrMapOvr>
+  <p:timing>
+    <p:tnLst>
+      <p:par>
+        <p:cTn id="1" dur="indefinite" restart="never" nodeType="tmRoot"/>
+      </p:par>
+    </p:tnLst>
+  </p:timing>
+</p:sld>
+</file>
+
+<file path=ppt/slides/slide7.xml><?xml version="1.0" encoding="utf-8"?>
+<p:sld xmlns:a="http://schemas.openxmlformats.org/drawingml/2006/main" xmlns:r="http://schemas.openxmlformats.org/officeDocument/2006/relationships" xmlns:p="http://schemas.openxmlformats.org/presentationml/2006/main">
+  <p:cSld>
+    <p:spTree>
+      <p:nvGrpSpPr>
+        <p:cNvPr id="1" name=""/>
+        <p:cNvGrpSpPr/>
+        <p:nvPr/>
+      </p:nvGrpSpPr>
+      <p:grpSpPr>
+        <a:xfrm>
+          <a:off x="0" y="0"/>
+          <a:ext cx="0" cy="0"/>
+          <a:chOff x="0" y="0"/>
+          <a:chExt cx="0" cy="0"/>
+        </a:xfrm>
+      </p:grpSpPr>
+      <p:cxnSp>
+        <p:nvCxnSpPr>
+          <p:cNvPr id="4" name="직선 연결선 3"/>
+          <p:cNvCxnSpPr/>
+          <p:nvPr/>
+        </p:nvCxnSpPr>
+        <p:spPr>
+          <a:xfrm>
+            <a:off x="1026522" y="989148"/>
+            <a:ext cx="2160000" cy="0"/>
+          </a:xfrm>
+          <a:prstGeom prst="line">
+            <a:avLst/>
+          </a:prstGeom>
+          <a:ln>
+            <a:solidFill>
+              <a:schemeClr val="bg1">
+                <a:lumMod val="50000"/>
+              </a:schemeClr>
+            </a:solidFill>
+          </a:ln>
+        </p:spPr>
+        <p:style>
+          <a:lnRef idx="1">
+            <a:schemeClr val="accent1"/>
+          </a:lnRef>
+          <a:fillRef idx="0">
+            <a:schemeClr val="accent1"/>
+          </a:fillRef>
+          <a:effectRef idx="0">
+            <a:schemeClr val="accent1"/>
+          </a:effectRef>
+          <a:fontRef idx="minor">
+            <a:schemeClr val="tx1"/>
+          </a:fontRef>
+        </p:style>
+      </p:cxnSp>
+      <p:sp>
+        <p:nvSpPr>
+          <p:cNvPr id="5" name="TextBox 4"/>
+          <p:cNvSpPr txBox="1"/>
+          <p:nvPr/>
+        </p:nvSpPr>
+        <p:spPr>
+          <a:xfrm>
+            <a:off x="455532" y="498947"/>
+            <a:ext cx="614271" cy="461665"/>
+          </a:xfrm>
+          <a:prstGeom prst="rect">
+            <a:avLst/>
+          </a:prstGeom>
+          <a:noFill/>
+        </p:spPr>
+        <p:txBody>
+          <a:bodyPr wrap="none" rtlCol="0">
+            <a:spAutoFit/>
+          </a:bodyPr>
+          <a:lstStyle/>
+          <a:p>
+            <a:pPr algn="ctr"/>
+            <a:r>
+              <a:rPr lang="en-US" altLang="ko-KR" sz="2400" spc="-150" dirty="0" smtClean="0">
+                <a:solidFill>
+                  <a:srgbClr val="00002F"/>
+                </a:solidFill>
+                <a:latin typeface="나눔스퀘어 ExtraBold" panose="020B0600000101010101" pitchFamily="50" charset="-127"/>
+                <a:ea typeface="나눔스퀘어 ExtraBold" panose="020B0600000101010101" pitchFamily="50" charset="-127"/>
+              </a:rPr>
+              <a:t>01.</a:t>
+            </a:r>
+            <a:endParaRPr lang="ko-KR" altLang="en-US" sz="2400" spc="-150" dirty="0">
+              <a:solidFill>
+                <a:srgbClr val="00002F"/>
+              </a:solidFill>
+              <a:latin typeface="나눔스퀘어 ExtraBold" panose="020B0600000101010101" pitchFamily="50" charset="-127"/>
+              <a:ea typeface="나눔스퀘어 ExtraBold" panose="020B0600000101010101" pitchFamily="50" charset="-127"/>
+            </a:endParaRPr>
+          </a:p>
+        </p:txBody>
+      </p:sp>
+      <p:sp>
+        <p:nvSpPr>
+          <p:cNvPr id="6" name="TextBox 5"/>
+          <p:cNvSpPr txBox="1"/>
+          <p:nvPr/>
+        </p:nvSpPr>
+        <p:spPr>
+          <a:xfrm>
+            <a:off x="1482691" y="450833"/>
+            <a:ext cx="2553841" cy="584775"/>
+          </a:xfrm>
+          <a:prstGeom prst="rect">
+            <a:avLst/>
+          </a:prstGeom>
+          <a:noFill/>
+        </p:spPr>
+        <p:txBody>
+          <a:bodyPr wrap="none" rtlCol="0">
+            <a:spAutoFit/>
+          </a:bodyPr>
+          <a:lstStyle/>
+          <a:p>
+            <a:pPr algn="ctr"/>
+            <a:r>
+              <a:rPr lang="en-US" altLang="ko-KR" sz="3200" spc="-150" dirty="0" smtClean="0">
+                <a:solidFill>
+                  <a:srgbClr val="00002F"/>
+                </a:solidFill>
+                <a:latin typeface="나눔스퀘어 ExtraBold" panose="020B0600000101010101" pitchFamily="50" charset="-127"/>
+                <a:ea typeface="나눔스퀘어 ExtraBold" panose="020B0600000101010101" pitchFamily="50" charset="-127"/>
+              </a:rPr>
+              <a:t>EDA :Boxplot</a:t>
+            </a:r>
+            <a:endParaRPr lang="ko-KR" altLang="en-US" sz="3200" spc="-150" dirty="0">
+              <a:solidFill>
+                <a:srgbClr val="00002F"/>
+              </a:solidFill>
+              <a:latin typeface="나눔스퀘어 ExtraBold" panose="020B0600000101010101" pitchFamily="50" charset="-127"/>
+              <a:ea typeface="나눔스퀘어 ExtraBold" panose="020B0600000101010101" pitchFamily="50" charset="-127"/>
+            </a:endParaRPr>
+          </a:p>
+        </p:txBody>
+      </p:sp>
+      <p:pic>
+        <p:nvPicPr>
+          <p:cNvPr id="8" name="그림 7"/>
+          <p:cNvPicPr>
+            <a:picLocks noChangeAspect="1"/>
+          </p:cNvPicPr>
+          <p:nvPr/>
+        </p:nvPicPr>
+        <p:blipFill>
+          <a:blip r:embed="rId2"/>
+          <a:stretch>
+            <a:fillRect/>
+          </a:stretch>
+        </p:blipFill>
+        <p:spPr>
+          <a:xfrm>
+            <a:off x="1211758" y="1694572"/>
+            <a:ext cx="9358529" cy="4706227"/>
+          </a:xfrm>
+          <a:prstGeom prst="rect">
+            <a:avLst/>
+          </a:prstGeom>
+        </p:spPr>
+      </p:pic>
+    </p:spTree>
+    <p:extLst>
+      <p:ext uri="{BB962C8B-B14F-4D97-AF65-F5344CB8AC3E}">
+        <p14:creationId xmlns:p14="http://schemas.microsoft.com/office/powerpoint/2010/main" val="3848745858"/>
+      </p:ext>
+    </p:extLst>
+  </p:cSld>
+  <p:clrMapOvr>
+    <a:masterClrMapping/>
+  </p:clrMapOvr>
+  <p:timing>
+    <p:tnLst>
+      <p:par>
+        <p:cTn id="1" dur="indefinite" restart="never" nodeType="tmRoot"/>
+      </p:par>
+    </p:tnLst>
+  </p:timing>
+</p:sld>
+</file>
+
+<file path=ppt/slides/slide8.xml><?xml version="1.0" encoding="utf-8"?>
 <p:sld xmlns:a="http://schemas.openxmlformats.org/drawingml/2006/main" xmlns:r="http://schemas.openxmlformats.org/officeDocument/2006/relationships" xmlns:p="http://schemas.openxmlformats.org/presentationml/2006/main">
   <p:cSld>
     <p:spTree>
@@ -2917,7 +6134,7 @@
 </p:sld>
 </file>
 
-<file path=ppt/slides/slide6.xml><?xml version="1.0" encoding="utf-8"?>
+<file path=ppt/slides/slide9.xml><?xml version="1.0" encoding="utf-8"?>
 <p:sld xmlns:a="http://schemas.openxmlformats.org/drawingml/2006/main" xmlns:r="http://schemas.openxmlformats.org/officeDocument/2006/relationships" xmlns:p="http://schemas.openxmlformats.org/presentationml/2006/main">
   <p:cSld>
     <p:spTree>
@@ -2934,49 +6151,6 @@
           <a:chExt cx="0" cy="0"/>
         </a:xfrm>
       </p:grpSpPr>
-      <p:sp>
-        <p:nvSpPr>
-          <p:cNvPr id="11" name="TextBox 10"/>
-          <p:cNvSpPr txBox="1"/>
-          <p:nvPr/>
-        </p:nvSpPr>
-        <p:spPr>
-          <a:xfrm>
-            <a:off x="2693979" y="2091297"/>
-            <a:ext cx="946221" cy="584775"/>
-          </a:xfrm>
-          <a:prstGeom prst="rect">
-            <a:avLst/>
-          </a:prstGeom>
-          <a:noFill/>
-        </p:spPr>
-        <p:txBody>
-          <a:bodyPr wrap="none" rtlCol="0">
-            <a:spAutoFit/>
-          </a:bodyPr>
-          <a:lstStyle/>
-          <a:p>
-            <a:pPr algn="ctr"/>
-            <a:r>
-              <a:rPr lang="en-US" altLang="ko-KR" sz="3200" spc="-150" dirty="0" smtClean="0">
-                <a:solidFill>
-                  <a:srgbClr val="8DBABD"/>
-                </a:solidFill>
-                <a:latin typeface="나눔스퀘어 ExtraBold" panose="020B0600000101010101" pitchFamily="50" charset="-127"/>
-                <a:ea typeface="나눔스퀘어 ExtraBold" panose="020B0600000101010101" pitchFamily="50" charset="-127"/>
-              </a:rPr>
-              <a:t>Text</a:t>
-            </a:r>
-            <a:endParaRPr lang="ko-KR" altLang="en-US" sz="3200" spc="-150" dirty="0">
-              <a:solidFill>
-                <a:srgbClr val="8DBABD"/>
-              </a:solidFill>
-              <a:latin typeface="나눔스퀘어 ExtraBold" panose="020B0600000101010101" pitchFamily="50" charset="-127"/>
-              <a:ea typeface="나눔스퀘어 ExtraBold" panose="020B0600000101010101" pitchFamily="50" charset="-127"/>
-            </a:endParaRPr>
-          </a:p>
-        </p:txBody>
-      </p:sp>
       <p:cxnSp>
         <p:nvCxnSpPr>
           <p:cNvPr id="14" name="직선 연결선 13"/>
@@ -3272,745 +6446,877 @@
           </a:p>
         </p:txBody>
       </p:sp>
-      <p:sp>
-        <p:nvSpPr>
-          <p:cNvPr id="21" name="TextBox 20"/>
-          <p:cNvSpPr txBox="1"/>
-          <p:nvPr/>
-        </p:nvSpPr>
-        <p:spPr>
-          <a:xfrm>
-            <a:off x="1069803" y="1006929"/>
-            <a:ext cx="578876" cy="369332"/>
-          </a:xfrm>
-          <a:prstGeom prst="rect">
-            <a:avLst/>
-          </a:prstGeom>
-          <a:noFill/>
-        </p:spPr>
-        <p:txBody>
-          <a:bodyPr wrap="none" rtlCol="0">
-            <a:spAutoFit/>
-          </a:bodyPr>
-          <a:lstStyle/>
-          <a:p>
-            <a:pPr algn="ctr"/>
-            <a:r>
-              <a:rPr lang="en-US" altLang="ko-KR" spc="-150" dirty="0" smtClean="0">
-                <a:solidFill>
-                  <a:srgbClr val="00002F"/>
-                </a:solidFill>
-                <a:latin typeface="나눔스퀘어 ExtraBold" panose="020B0600000101010101" pitchFamily="50" charset="-127"/>
-                <a:ea typeface="나눔스퀘어 ExtraBold" panose="020B0600000101010101" pitchFamily="50" charset="-127"/>
-              </a:rPr>
-              <a:t>Text</a:t>
-            </a:r>
-            <a:endParaRPr lang="ko-KR" altLang="en-US" spc="-150" dirty="0">
-              <a:solidFill>
-                <a:srgbClr val="00002F"/>
-              </a:solidFill>
-              <a:latin typeface="나눔스퀘어 ExtraBold" panose="020B0600000101010101" pitchFamily="50" charset="-127"/>
-              <a:ea typeface="나눔스퀘어 ExtraBold" panose="020B0600000101010101" pitchFamily="50" charset="-127"/>
-            </a:endParaRPr>
-          </a:p>
-        </p:txBody>
-      </p:sp>
+      <p:graphicFrame>
+        <p:nvGraphicFramePr>
+          <p:cNvPr id="12" name="표 11"/>
+          <p:cNvGraphicFramePr>
+            <a:graphicFrameLocks noGrp="1"/>
+          </p:cNvGraphicFramePr>
+          <p:nvPr>
+            <p:extLst>
+              <p:ext uri="{D42A27DB-BD31-4B8C-83A1-F6EECF244321}">
+                <p14:modId xmlns:p14="http://schemas.microsoft.com/office/powerpoint/2010/main" val="1706992793"/>
+              </p:ext>
+            </p:extLst>
+          </p:nvPr>
+        </p:nvGraphicFramePr>
+        <p:xfrm>
+          <a:off x="1062351" y="2102177"/>
+          <a:ext cx="9728541" cy="3430369"/>
+        </p:xfrm>
+        <a:graphic>
+          <a:graphicData uri="http://schemas.openxmlformats.org/drawingml/2006/table">
+            <a:tbl>
+              <a:tblPr firstRow="1" bandRow="1">
+                <a:tableStyleId>{5940675A-B579-460E-94D1-54222C63F5DA}</a:tableStyleId>
+              </a:tblPr>
+              <a:tblGrid>
+                <a:gridCol w="1498626">
+                  <a:extLst>
+                    <a:ext uri="{9D8B030D-6E8A-4147-A177-3AD203B41FA5}">
+                      <a16:colId xmlns:a16="http://schemas.microsoft.com/office/drawing/2014/main" val="1115628337"/>
+                    </a:ext>
+                  </a:extLst>
+                </a:gridCol>
+                <a:gridCol w="8229915">
+                  <a:extLst>
+                    <a:ext uri="{9D8B030D-6E8A-4147-A177-3AD203B41FA5}">
+                      <a16:colId xmlns:a16="http://schemas.microsoft.com/office/drawing/2014/main" val="2771194316"/>
+                    </a:ext>
+                  </a:extLst>
+                </a:gridCol>
+              </a:tblGrid>
+              <a:tr h="494482">
+                <a:tc>
+                  <a:txBody>
+                    <a:bodyPr/>
+                    <a:lstStyle/>
+                    <a:p>
+                      <a:pPr algn="ctr" latinLnBrk="1">
+                        <a:lnSpc>
+                          <a:spcPct val="150000"/>
+                        </a:lnSpc>
+                      </a:pPr>
+                      <a:endParaRPr lang="ko-KR" altLang="en-US" sz="1800" kern="1200" spc="-150" dirty="0">
+                        <a:solidFill>
+                          <a:schemeClr val="bg1"/>
+                        </a:solidFill>
+                        <a:latin typeface="나눔스퀘어 ExtraBold" panose="020B0600000101010101" pitchFamily="50" charset="-127"/>
+                        <a:ea typeface="나눔스퀘어 ExtraBold" panose="020B0600000101010101" pitchFamily="50" charset="-127"/>
+                        <a:cs typeface="+mn-cs"/>
+                      </a:endParaRPr>
+                    </a:p>
+                  </a:txBody>
+                  <a:tcPr anchor="ctr">
+                    <a:solidFill>
+                      <a:srgbClr val="8DBABD"/>
+                    </a:solidFill>
+                  </a:tcPr>
+                </a:tc>
+                <a:tc>
+                  <a:txBody>
+                    <a:bodyPr/>
+                    <a:lstStyle/>
+                    <a:p>
+                      <a:pPr marL="0" indent="0" algn="ctr" latinLnBrk="1">
+                        <a:lnSpc>
+                          <a:spcPct val="150000"/>
+                        </a:lnSpc>
+                        <a:buFontTx/>
+                        <a:buNone/>
+                      </a:pPr>
+                      <a:r>
+                        <a:rPr lang="ko-KR" altLang="en-US" b="1" baseline="0" dirty="0" smtClean="0">
+                          <a:solidFill>
+                            <a:schemeClr val="bg1"/>
+                          </a:solidFill>
+                        </a:rPr>
+                        <a:t>내용</a:t>
+                      </a:r>
+                      <a:endParaRPr lang="en-US" altLang="ko-KR" b="1" baseline="0" dirty="0" smtClean="0">
+                        <a:solidFill>
+                          <a:schemeClr val="bg1"/>
+                        </a:solidFill>
+                      </a:endParaRPr>
+                    </a:p>
+                  </a:txBody>
+                  <a:tcPr anchor="ctr">
+                    <a:solidFill>
+                      <a:srgbClr val="8DBABD"/>
+                    </a:solidFill>
+                  </a:tcPr>
+                </a:tc>
+                <a:extLst>
+                  <a:ext uri="{0D108BD9-81ED-4DB2-BD59-A6C34878D82A}">
+                    <a16:rowId xmlns:a16="http://schemas.microsoft.com/office/drawing/2014/main" val="1763445327"/>
+                  </a:ext>
+                </a:extLst>
+              </a:tr>
+              <a:tr h="1854051">
+                <a:tc>
+                  <a:txBody>
+                    <a:bodyPr/>
+                    <a:lstStyle/>
+                    <a:p>
+                      <a:pPr algn="ctr" latinLnBrk="1">
+                        <a:lnSpc>
+                          <a:spcPct val="150000"/>
+                        </a:lnSpc>
+                      </a:pPr>
+                      <a:r>
+                        <a:rPr lang="ko-KR" altLang="en-US" sz="1800" kern="1200" spc="-150" dirty="0" err="1" smtClean="0">
+                          <a:solidFill>
+                            <a:schemeClr val="bg1"/>
+                          </a:solidFill>
+                          <a:latin typeface="나눔스퀘어 ExtraBold" panose="020B0600000101010101" pitchFamily="50" charset="-127"/>
+                          <a:ea typeface="나눔스퀘어 ExtraBold" panose="020B0600000101010101" pitchFamily="50" charset="-127"/>
+                          <a:cs typeface="+mn-cs"/>
+                        </a:rPr>
+                        <a:t>결측치</a:t>
+                      </a:r>
+                      <a:r>
+                        <a:rPr lang="ko-KR" altLang="en-US" sz="1800" kern="1200" spc="-150" dirty="0" smtClean="0">
+                          <a:solidFill>
+                            <a:schemeClr val="bg1"/>
+                          </a:solidFill>
+                          <a:latin typeface="나눔스퀘어 ExtraBold" panose="020B0600000101010101" pitchFamily="50" charset="-127"/>
+                          <a:ea typeface="나눔스퀘어 ExtraBold" panose="020B0600000101010101" pitchFamily="50" charset="-127"/>
+                          <a:cs typeface="+mn-cs"/>
+                        </a:rPr>
+                        <a:t>  처리</a:t>
+                      </a:r>
+                      <a:endParaRPr lang="ko-KR" altLang="en-US" sz="1800" kern="1200" spc="-150" dirty="0">
+                        <a:solidFill>
+                          <a:schemeClr val="bg1"/>
+                        </a:solidFill>
+                        <a:latin typeface="나눔스퀘어 ExtraBold" panose="020B0600000101010101" pitchFamily="50" charset="-127"/>
+                        <a:ea typeface="나눔스퀘어 ExtraBold" panose="020B0600000101010101" pitchFamily="50" charset="-127"/>
+                        <a:cs typeface="+mn-cs"/>
+                      </a:endParaRPr>
+                    </a:p>
+                  </a:txBody>
+                  <a:tcPr anchor="ctr">
+                    <a:solidFill>
+                      <a:srgbClr val="8DBABD"/>
+                    </a:solidFill>
+                  </a:tcPr>
+                </a:tc>
+                <a:tc>
+                  <a:txBody>
+                    <a:bodyPr/>
+                    <a:lstStyle/>
+                    <a:p>
+                      <a:pPr marL="285750" indent="-285750" algn="l" latinLnBrk="1">
+                        <a:lnSpc>
+                          <a:spcPct val="150000"/>
+                        </a:lnSpc>
+                        <a:buFontTx/>
+                        <a:buChar char="-"/>
+                      </a:pPr>
+                      <a:r>
+                        <a:rPr lang="ko-KR" altLang="en-US" sz="1800" kern="1200" dirty="0" smtClean="0">
+                          <a:solidFill>
+                            <a:schemeClr val="tx1"/>
+                          </a:solidFill>
+                          <a:latin typeface="나눔바른고딕" panose="020B0603020101020101" pitchFamily="50" charset="-127"/>
+                          <a:ea typeface="나눔바른고딕" panose="020B0603020101020101" pitchFamily="50" charset="-127"/>
+                          <a:cs typeface="+mn-cs"/>
+                        </a:rPr>
+                        <a:t>범주형 변수 항목들 중 </a:t>
+                      </a:r>
+                      <a:r>
+                        <a:rPr lang="en-US" altLang="ko-KR" sz="1800" kern="1200" dirty="0" smtClean="0">
+                          <a:solidFill>
+                            <a:schemeClr val="tx1"/>
+                          </a:solidFill>
+                          <a:latin typeface="나눔바른고딕" panose="020B0603020101020101" pitchFamily="50" charset="-127"/>
+                          <a:ea typeface="나눔바른고딕" panose="020B0603020101020101" pitchFamily="50" charset="-127"/>
+                          <a:cs typeface="+mn-cs"/>
+                        </a:rPr>
+                        <a:t>‘NA’ </a:t>
+                      </a:r>
+                      <a:r>
+                        <a:rPr lang="ko-KR" altLang="en-US" sz="1800" kern="1200" dirty="0" smtClean="0">
+                          <a:solidFill>
+                            <a:schemeClr val="tx1"/>
+                          </a:solidFill>
+                          <a:latin typeface="나눔바른고딕" panose="020B0603020101020101" pitchFamily="50" charset="-127"/>
+                          <a:ea typeface="나눔바른고딕" panose="020B0603020101020101" pitchFamily="50" charset="-127"/>
+                          <a:cs typeface="+mn-cs"/>
+                        </a:rPr>
+                        <a:t>인 값들이 </a:t>
+                      </a:r>
+                      <a:r>
+                        <a:rPr lang="en-US" altLang="ko-KR" sz="1800" kern="1200" dirty="0" smtClean="0">
+                          <a:solidFill>
+                            <a:schemeClr val="tx1"/>
+                          </a:solidFill>
+                          <a:latin typeface="나눔바른고딕" panose="020B0603020101020101" pitchFamily="50" charset="-127"/>
+                          <a:ea typeface="나눔바른고딕" panose="020B0603020101020101" pitchFamily="50" charset="-127"/>
+                          <a:cs typeface="+mn-cs"/>
+                        </a:rPr>
+                        <a:t>‘None’</a:t>
+                      </a:r>
+                      <a:r>
+                        <a:rPr lang="ko-KR" altLang="en-US" sz="1800" kern="1200" dirty="0" smtClean="0">
+                          <a:solidFill>
+                            <a:schemeClr val="tx1"/>
+                          </a:solidFill>
+                          <a:latin typeface="나눔바른고딕" panose="020B0603020101020101" pitchFamily="50" charset="-127"/>
+                          <a:ea typeface="나눔바른고딕" panose="020B0603020101020101" pitchFamily="50" charset="-127"/>
+                          <a:cs typeface="+mn-cs"/>
+                        </a:rPr>
+                        <a:t>인 경우 </a:t>
+                      </a:r>
+                      <a:r>
+                        <a:rPr lang="en-US" altLang="ko-KR" sz="1800" kern="1200" dirty="0" smtClean="0">
+                          <a:solidFill>
+                            <a:schemeClr val="tx1"/>
+                          </a:solidFill>
+                          <a:latin typeface="나눔바른고딕" panose="020B0603020101020101" pitchFamily="50" charset="-127"/>
+                          <a:ea typeface="나눔바른고딕" panose="020B0603020101020101" pitchFamily="50" charset="-127"/>
+                          <a:cs typeface="+mn-cs"/>
+                        </a:rPr>
+                        <a:t>‘None’</a:t>
+                      </a:r>
+                      <a:r>
+                        <a:rPr lang="ko-KR" altLang="en-US" sz="1800" kern="1200" dirty="0" smtClean="0">
+                          <a:solidFill>
+                            <a:schemeClr val="tx1"/>
+                          </a:solidFill>
+                          <a:latin typeface="나눔바른고딕" panose="020B0603020101020101" pitchFamily="50" charset="-127"/>
+                          <a:ea typeface="나눔바른고딕" panose="020B0603020101020101" pitchFamily="50" charset="-127"/>
+                          <a:cs typeface="+mn-cs"/>
+                        </a:rPr>
+                        <a:t>을 하나의 </a:t>
+                      </a:r>
+                      <a:r>
+                        <a:rPr lang="en-US" altLang="ko-KR" sz="1800" kern="1200" dirty="0" smtClean="0">
+                          <a:solidFill>
+                            <a:schemeClr val="tx1"/>
+                          </a:solidFill>
+                          <a:latin typeface="나눔바른고딕" panose="020B0603020101020101" pitchFamily="50" charset="-127"/>
+                          <a:ea typeface="나눔바른고딕" panose="020B0603020101020101" pitchFamily="50" charset="-127"/>
+                          <a:cs typeface="+mn-cs"/>
+                        </a:rPr>
+                        <a:t>level</a:t>
+                      </a:r>
+                      <a:r>
+                        <a:rPr lang="ko-KR" altLang="en-US" sz="1800" kern="1200" dirty="0" smtClean="0">
+                          <a:solidFill>
+                            <a:schemeClr val="tx1"/>
+                          </a:solidFill>
+                          <a:latin typeface="나눔바른고딕" panose="020B0603020101020101" pitchFamily="50" charset="-127"/>
+                          <a:ea typeface="나눔바른고딕" panose="020B0603020101020101" pitchFamily="50" charset="-127"/>
+                          <a:cs typeface="+mn-cs"/>
+                        </a:rPr>
+                        <a:t>로 적용</a:t>
+                      </a:r>
+                      <a:endParaRPr lang="en-US" altLang="ko-KR" sz="1800" kern="1200" dirty="0" smtClean="0">
+                        <a:solidFill>
+                          <a:schemeClr val="tx1"/>
+                        </a:solidFill>
+                        <a:latin typeface="나눔바른고딕" panose="020B0603020101020101" pitchFamily="50" charset="-127"/>
+                        <a:ea typeface="나눔바른고딕" panose="020B0603020101020101" pitchFamily="50" charset="-127"/>
+                        <a:cs typeface="+mn-cs"/>
+                      </a:endParaRPr>
+                    </a:p>
+                    <a:p>
+                      <a:pPr marL="285750" indent="-285750" algn="l" latinLnBrk="1">
+                        <a:lnSpc>
+                          <a:spcPct val="150000"/>
+                        </a:lnSpc>
+                        <a:buFontTx/>
+                        <a:buChar char="-"/>
+                      </a:pPr>
+                      <a:r>
+                        <a:rPr lang="ko-KR" altLang="en-US" sz="1800" kern="1200" dirty="0" smtClean="0">
+                          <a:solidFill>
+                            <a:schemeClr val="tx1"/>
+                          </a:solidFill>
+                          <a:latin typeface="나눔바른고딕" panose="020B0603020101020101" pitchFamily="50" charset="-127"/>
+                          <a:ea typeface="나눔바른고딕" panose="020B0603020101020101" pitchFamily="50" charset="-127"/>
+                          <a:cs typeface="+mn-cs"/>
+                        </a:rPr>
+                        <a:t>범주형 변수 </a:t>
+                      </a:r>
+                      <a:r>
+                        <a:rPr lang="en-US" altLang="ko-KR" sz="1800" kern="1200" dirty="0" smtClean="0">
+                          <a:solidFill>
+                            <a:schemeClr val="tx1"/>
+                          </a:solidFill>
+                          <a:latin typeface="나눔바른고딕" panose="020B0603020101020101" pitchFamily="50" charset="-127"/>
+                          <a:ea typeface="나눔바른고딕" panose="020B0603020101020101" pitchFamily="50" charset="-127"/>
+                          <a:cs typeface="+mn-cs"/>
+                        </a:rPr>
+                        <a:t>‘Utilities’ </a:t>
+                      </a:r>
+                      <a:r>
+                        <a:rPr lang="ko-KR" altLang="en-US" sz="1800" kern="1200" dirty="0" err="1" smtClean="0">
+                          <a:solidFill>
+                            <a:schemeClr val="tx1"/>
+                          </a:solidFill>
+                          <a:latin typeface="나눔바른고딕" panose="020B0603020101020101" pitchFamily="50" charset="-127"/>
+                          <a:ea typeface="나눔바른고딕" panose="020B0603020101020101" pitchFamily="50" charset="-127"/>
+                          <a:cs typeface="+mn-cs"/>
+                        </a:rPr>
+                        <a:t>결측값</a:t>
+                      </a:r>
+                      <a:r>
+                        <a:rPr lang="ko-KR" altLang="en-US" sz="1800" kern="1200" dirty="0" smtClean="0">
+                          <a:solidFill>
+                            <a:schemeClr val="tx1"/>
+                          </a:solidFill>
+                          <a:latin typeface="나눔바른고딕" panose="020B0603020101020101" pitchFamily="50" charset="-127"/>
+                          <a:ea typeface="나눔바른고딕" panose="020B0603020101020101" pitchFamily="50" charset="-127"/>
+                          <a:cs typeface="+mn-cs"/>
+                        </a:rPr>
+                        <a:t> </a:t>
+                      </a:r>
+                      <a:r>
+                        <a:rPr lang="en-US" altLang="ko-KR" sz="1800" kern="1200" dirty="0" smtClean="0">
+                          <a:solidFill>
+                            <a:schemeClr val="tx1"/>
+                          </a:solidFill>
+                          <a:latin typeface="나눔바른고딕" panose="020B0603020101020101" pitchFamily="50" charset="-127"/>
+                          <a:ea typeface="나눔바른고딕" panose="020B0603020101020101" pitchFamily="50" charset="-127"/>
+                          <a:cs typeface="+mn-cs"/>
+                        </a:rPr>
+                        <a:t>test set </a:t>
+                      </a:r>
+                      <a:r>
+                        <a:rPr lang="ko-KR" altLang="en-US" sz="1800" kern="1200" dirty="0" smtClean="0">
+                          <a:solidFill>
+                            <a:schemeClr val="tx1"/>
+                          </a:solidFill>
+                          <a:latin typeface="나눔바른고딕" panose="020B0603020101020101" pitchFamily="50" charset="-127"/>
+                          <a:ea typeface="나눔바른고딕" panose="020B0603020101020101" pitchFamily="50" charset="-127"/>
+                          <a:cs typeface="+mn-cs"/>
+                        </a:rPr>
+                        <a:t>에서 </a:t>
+                      </a:r>
+                      <a:r>
+                        <a:rPr lang="en-US" altLang="ko-KR" sz="1800" kern="1200" dirty="0" smtClean="0">
+                          <a:solidFill>
+                            <a:schemeClr val="tx1"/>
+                          </a:solidFill>
+                          <a:latin typeface="나눔바른고딕" panose="020B0603020101020101" pitchFamily="50" charset="-127"/>
+                          <a:ea typeface="나눔바른고딕" panose="020B0603020101020101" pitchFamily="50" charset="-127"/>
+                          <a:cs typeface="+mn-cs"/>
+                        </a:rPr>
+                        <a:t>1</a:t>
+                      </a:r>
+                      <a:r>
+                        <a:rPr lang="ko-KR" altLang="en-US" sz="1800" kern="1200" dirty="0" smtClean="0">
+                          <a:solidFill>
+                            <a:schemeClr val="tx1"/>
+                          </a:solidFill>
+                          <a:latin typeface="나눔바른고딕" panose="020B0603020101020101" pitchFamily="50" charset="-127"/>
+                          <a:ea typeface="나눔바른고딕" panose="020B0603020101020101" pitchFamily="50" charset="-127"/>
+                          <a:cs typeface="+mn-cs"/>
+                        </a:rPr>
+                        <a:t>개로 </a:t>
+                      </a:r>
+                      <a:r>
+                        <a:rPr lang="ko-KR" altLang="en-US" sz="1800" kern="1200" dirty="0" smtClean="0">
+                          <a:solidFill>
+                            <a:schemeClr val="tx1"/>
+                          </a:solidFill>
+                          <a:latin typeface="나눔바른고딕" panose="020B0603020101020101" pitchFamily="50" charset="-127"/>
+                          <a:ea typeface="나눔바른고딕" panose="020B0603020101020101" pitchFamily="50" charset="-127"/>
+                          <a:cs typeface="+mn-cs"/>
+                        </a:rPr>
+                        <a:t>관측치 제거</a:t>
+                      </a:r>
+                      <a:endParaRPr lang="en-US" altLang="ko-KR" sz="1800" kern="1200" dirty="0" smtClean="0">
+                        <a:solidFill>
+                          <a:schemeClr val="tx1"/>
+                        </a:solidFill>
+                        <a:latin typeface="나눔바른고딕" panose="020B0603020101020101" pitchFamily="50" charset="-127"/>
+                        <a:ea typeface="나눔바른고딕" panose="020B0603020101020101" pitchFamily="50" charset="-127"/>
+                        <a:cs typeface="+mn-cs"/>
+                      </a:endParaRPr>
+                    </a:p>
+                    <a:p>
+                      <a:pPr marL="285750" indent="-285750" algn="l" latinLnBrk="1">
+                        <a:lnSpc>
+                          <a:spcPct val="150000"/>
+                        </a:lnSpc>
+                        <a:buFontTx/>
+                        <a:buChar char="-"/>
+                      </a:pPr>
+                      <a:r>
+                        <a:rPr lang="ko-KR" altLang="en-US" sz="1800" kern="1200" dirty="0" err="1" smtClean="0">
+                          <a:solidFill>
+                            <a:schemeClr val="tx1"/>
+                          </a:solidFill>
+                          <a:latin typeface="나눔바른고딕" panose="020B0603020101020101" pitchFamily="50" charset="-127"/>
+                          <a:ea typeface="나눔바른고딕" panose="020B0603020101020101" pitchFamily="50" charset="-127"/>
+                          <a:cs typeface="+mn-cs"/>
+                        </a:rPr>
+                        <a:t>연속형</a:t>
+                      </a:r>
+                      <a:r>
+                        <a:rPr lang="ko-KR" altLang="en-US" sz="1800" kern="1200" dirty="0" smtClean="0">
+                          <a:solidFill>
+                            <a:schemeClr val="tx1"/>
+                          </a:solidFill>
+                          <a:latin typeface="나눔바른고딕" panose="020B0603020101020101" pitchFamily="50" charset="-127"/>
+                          <a:ea typeface="나눔바른고딕" panose="020B0603020101020101" pitchFamily="50" charset="-127"/>
+                          <a:cs typeface="+mn-cs"/>
+                        </a:rPr>
+                        <a:t> 변수 </a:t>
+                      </a:r>
+                      <a:r>
+                        <a:rPr lang="en-US" altLang="ko-KR" sz="1800" kern="1200" dirty="0" smtClean="0">
+                          <a:solidFill>
+                            <a:schemeClr val="tx1"/>
+                          </a:solidFill>
+                          <a:latin typeface="나눔바른고딕" panose="020B0603020101020101" pitchFamily="50" charset="-127"/>
+                          <a:ea typeface="나눔바른고딕" panose="020B0603020101020101" pitchFamily="50" charset="-127"/>
+                          <a:cs typeface="+mn-cs"/>
+                        </a:rPr>
+                        <a:t>‘</a:t>
+                      </a:r>
+                      <a:r>
+                        <a:rPr lang="en-US" altLang="ko-KR" sz="1800" kern="1200" dirty="0" err="1" smtClean="0">
+                          <a:solidFill>
+                            <a:schemeClr val="tx1"/>
+                          </a:solidFill>
+                          <a:latin typeface="나눔바른고딕" panose="020B0603020101020101" pitchFamily="50" charset="-127"/>
+                          <a:ea typeface="나눔바른고딕" panose="020B0603020101020101" pitchFamily="50" charset="-127"/>
+                          <a:cs typeface="+mn-cs"/>
+                        </a:rPr>
+                        <a:t>LotFrontage</a:t>
+                      </a:r>
+                      <a:r>
+                        <a:rPr lang="en-US" altLang="ko-KR" sz="1800" kern="1200" dirty="0" smtClean="0">
+                          <a:solidFill>
+                            <a:schemeClr val="tx1"/>
+                          </a:solidFill>
+                          <a:latin typeface="나눔바른고딕" panose="020B0603020101020101" pitchFamily="50" charset="-127"/>
+                          <a:ea typeface="나눔바른고딕" panose="020B0603020101020101" pitchFamily="50" charset="-127"/>
+                          <a:cs typeface="+mn-cs"/>
+                        </a:rPr>
+                        <a:t>’ </a:t>
+                      </a:r>
+                      <a:r>
+                        <a:rPr lang="ko-KR" altLang="en-US" sz="1800" kern="1200" dirty="0" err="1" smtClean="0">
+                          <a:solidFill>
+                            <a:schemeClr val="tx1"/>
+                          </a:solidFill>
+                          <a:latin typeface="나눔바른고딕" panose="020B0603020101020101" pitchFamily="50" charset="-127"/>
+                          <a:ea typeface="나눔바른고딕" panose="020B0603020101020101" pitchFamily="50" charset="-127"/>
+                          <a:cs typeface="+mn-cs"/>
+                        </a:rPr>
+                        <a:t>결측치가</a:t>
+                      </a:r>
+                      <a:r>
+                        <a:rPr lang="ko-KR" altLang="en-US" sz="1800" kern="1200" dirty="0" smtClean="0">
+                          <a:solidFill>
+                            <a:schemeClr val="tx1"/>
+                          </a:solidFill>
+                          <a:latin typeface="나눔바른고딕" panose="020B0603020101020101" pitchFamily="50" charset="-127"/>
+                          <a:ea typeface="나눔바른고딕" panose="020B0603020101020101" pitchFamily="50" charset="-127"/>
+                          <a:cs typeface="+mn-cs"/>
+                        </a:rPr>
+                        <a:t> </a:t>
+                      </a:r>
+                      <a:r>
+                        <a:rPr lang="en-US" altLang="ko-KR" sz="1800" kern="1200" dirty="0" smtClean="0">
+                          <a:solidFill>
+                            <a:schemeClr val="tx1"/>
+                          </a:solidFill>
+                          <a:latin typeface="나눔바른고딕" panose="020B0603020101020101" pitchFamily="50" charset="-127"/>
+                          <a:ea typeface="나눔바른고딕" panose="020B0603020101020101" pitchFamily="50" charset="-127"/>
+                          <a:cs typeface="+mn-cs"/>
+                        </a:rPr>
+                        <a:t>200</a:t>
+                      </a:r>
+                      <a:r>
+                        <a:rPr lang="ko-KR" altLang="en-US" sz="1800" kern="1200" dirty="0" smtClean="0">
+                          <a:solidFill>
+                            <a:schemeClr val="tx1"/>
+                          </a:solidFill>
+                          <a:latin typeface="나눔바른고딕" panose="020B0603020101020101" pitchFamily="50" charset="-127"/>
+                          <a:ea typeface="나눔바른고딕" panose="020B0603020101020101" pitchFamily="50" charset="-127"/>
+                          <a:cs typeface="+mn-cs"/>
+                        </a:rPr>
+                        <a:t>개 이상으로 변수 제거</a:t>
+                      </a:r>
+                      <a:endParaRPr lang="en-US" altLang="ko-KR" sz="1800" kern="1200" dirty="0" smtClean="0">
+                        <a:solidFill>
+                          <a:schemeClr val="tx1"/>
+                        </a:solidFill>
+                        <a:latin typeface="나눔바른고딕" panose="020B0603020101020101" pitchFamily="50" charset="-127"/>
+                        <a:ea typeface="나눔바른고딕" panose="020B0603020101020101" pitchFamily="50" charset="-127"/>
+                        <a:cs typeface="+mn-cs"/>
+                      </a:endParaRPr>
+                    </a:p>
+                    <a:p>
+                      <a:pPr marL="285750" indent="-285750" algn="l" latinLnBrk="1">
+                        <a:lnSpc>
+                          <a:spcPct val="150000"/>
+                        </a:lnSpc>
+                        <a:buFontTx/>
+                        <a:buChar char="-"/>
+                      </a:pPr>
+                      <a:r>
+                        <a:rPr lang="ko-KR" altLang="en-US" sz="1800" kern="1200" dirty="0" err="1" smtClean="0">
+                          <a:solidFill>
+                            <a:schemeClr val="tx1"/>
+                          </a:solidFill>
+                          <a:latin typeface="나눔바른고딕" panose="020B0603020101020101" pitchFamily="50" charset="-127"/>
+                          <a:ea typeface="나눔바른고딕" panose="020B0603020101020101" pitchFamily="50" charset="-127"/>
+                          <a:cs typeface="+mn-cs"/>
+                        </a:rPr>
+                        <a:t>연속형</a:t>
+                      </a:r>
+                      <a:r>
+                        <a:rPr lang="ko-KR" altLang="en-US" sz="1800" kern="1200" dirty="0" smtClean="0">
+                          <a:solidFill>
+                            <a:schemeClr val="tx1"/>
+                          </a:solidFill>
+                          <a:latin typeface="나눔바른고딕" panose="020B0603020101020101" pitchFamily="50" charset="-127"/>
+                          <a:ea typeface="나눔바른고딕" panose="020B0603020101020101" pitchFamily="50" charset="-127"/>
+                          <a:cs typeface="+mn-cs"/>
+                        </a:rPr>
+                        <a:t> 변수 중 </a:t>
+                      </a:r>
+                      <a:r>
+                        <a:rPr lang="ko-KR" altLang="en-US" sz="1800" kern="1200" dirty="0" err="1" smtClean="0">
+                          <a:solidFill>
+                            <a:schemeClr val="tx1"/>
+                          </a:solidFill>
+                          <a:latin typeface="나눔바른고딕" panose="020B0603020101020101" pitchFamily="50" charset="-127"/>
+                          <a:ea typeface="나눔바른고딕" panose="020B0603020101020101" pitchFamily="50" charset="-127"/>
+                          <a:cs typeface="+mn-cs"/>
+                        </a:rPr>
+                        <a:t>결측값</a:t>
+                      </a:r>
+                      <a:r>
+                        <a:rPr lang="ko-KR" altLang="en-US" sz="1800" kern="1200" dirty="0" smtClean="0">
+                          <a:solidFill>
+                            <a:schemeClr val="tx1"/>
+                          </a:solidFill>
+                          <a:latin typeface="나눔바른고딕" panose="020B0603020101020101" pitchFamily="50" charset="-127"/>
+                          <a:ea typeface="나눔바른고딕" panose="020B0603020101020101" pitchFamily="50" charset="-127"/>
+                          <a:cs typeface="+mn-cs"/>
+                        </a:rPr>
+                        <a:t> </a:t>
+                      </a:r>
+                      <a:r>
+                        <a:rPr lang="en-US" altLang="ko-KR" sz="1800" kern="1200" dirty="0" smtClean="0">
+                          <a:solidFill>
+                            <a:schemeClr val="tx1"/>
+                          </a:solidFill>
+                          <a:latin typeface="나눔바른고딕" panose="020B0603020101020101" pitchFamily="50" charset="-127"/>
+                          <a:ea typeface="나눔바른고딕" panose="020B0603020101020101" pitchFamily="50" charset="-127"/>
+                          <a:cs typeface="+mn-cs"/>
+                        </a:rPr>
+                        <a:t>1~2</a:t>
+                      </a:r>
+                      <a:r>
+                        <a:rPr lang="ko-KR" altLang="en-US" sz="1800" kern="1200" dirty="0" smtClean="0">
+                          <a:solidFill>
+                            <a:schemeClr val="tx1"/>
+                          </a:solidFill>
+                          <a:latin typeface="나눔바른고딕" panose="020B0603020101020101" pitchFamily="50" charset="-127"/>
+                          <a:ea typeface="나눔바른고딕" panose="020B0603020101020101" pitchFamily="50" charset="-127"/>
+                          <a:cs typeface="+mn-cs"/>
+                        </a:rPr>
+                        <a:t>개인 경우 </a:t>
+                      </a:r>
+                      <a:r>
+                        <a:rPr lang="en-US" altLang="ko-KR" sz="1800" kern="1200" dirty="0" smtClean="0">
+                          <a:solidFill>
+                            <a:schemeClr val="tx1"/>
+                          </a:solidFill>
+                          <a:latin typeface="나눔바른고딕" panose="020B0603020101020101" pitchFamily="50" charset="-127"/>
+                          <a:ea typeface="나눔바른고딕" panose="020B0603020101020101" pitchFamily="50" charset="-127"/>
+                          <a:cs typeface="+mn-cs"/>
+                        </a:rPr>
+                        <a:t>median/mode</a:t>
+                      </a:r>
+                      <a:r>
+                        <a:rPr lang="ko-KR" altLang="en-US" sz="1800" kern="1200" dirty="0" smtClean="0">
+                          <a:solidFill>
+                            <a:schemeClr val="tx1"/>
+                          </a:solidFill>
+                          <a:latin typeface="나눔바른고딕" panose="020B0603020101020101" pitchFamily="50" charset="-127"/>
+                          <a:ea typeface="나눔바른고딕" panose="020B0603020101020101" pitchFamily="50" charset="-127"/>
+                          <a:cs typeface="+mn-cs"/>
+                        </a:rPr>
+                        <a:t>로 </a:t>
+                      </a:r>
+                      <a:r>
+                        <a:rPr lang="ko-KR" altLang="en-US" sz="1800" kern="1200" dirty="0" smtClean="0">
+                          <a:solidFill>
+                            <a:schemeClr val="tx1"/>
+                          </a:solidFill>
+                          <a:latin typeface="나눔바른고딕" panose="020B0603020101020101" pitchFamily="50" charset="-127"/>
+                          <a:ea typeface="나눔바른고딕" panose="020B0603020101020101" pitchFamily="50" charset="-127"/>
+                          <a:cs typeface="+mn-cs"/>
+                        </a:rPr>
+                        <a:t>적용</a:t>
+                      </a:r>
+                      <a:endParaRPr lang="en-US" altLang="ko-KR" sz="1800" kern="1200" dirty="0" smtClean="0">
+                        <a:solidFill>
+                          <a:schemeClr val="tx1"/>
+                        </a:solidFill>
+                        <a:latin typeface="나눔바른고딕" panose="020B0603020101020101" pitchFamily="50" charset="-127"/>
+                        <a:ea typeface="나눔바른고딕" panose="020B0603020101020101" pitchFamily="50" charset="-127"/>
+                        <a:cs typeface="+mn-cs"/>
+                      </a:endParaRPr>
+                    </a:p>
+                  </a:txBody>
+                  <a:tcPr anchor="ctr"/>
+                </a:tc>
+                <a:extLst>
+                  <a:ext uri="{0D108BD9-81ED-4DB2-BD59-A6C34878D82A}">
+                    <a16:rowId xmlns:a16="http://schemas.microsoft.com/office/drawing/2014/main" val="3059771673"/>
+                  </a:ext>
+                </a:extLst>
+              </a:tr>
+              <a:tr h="536699">
+                <a:tc>
+                  <a:txBody>
+                    <a:bodyPr/>
+                    <a:lstStyle/>
+                    <a:p>
+                      <a:pPr algn="ctr" latinLnBrk="1">
+                        <a:lnSpc>
+                          <a:spcPct val="150000"/>
+                        </a:lnSpc>
+                      </a:pPr>
+                      <a:r>
+                        <a:rPr lang="ko-KR" altLang="en-US" sz="1800" kern="1200" spc="-150" dirty="0" smtClean="0">
+                          <a:solidFill>
+                            <a:schemeClr val="bg1"/>
+                          </a:solidFill>
+                          <a:latin typeface="나눔스퀘어 ExtraBold" panose="020B0600000101010101" pitchFamily="50" charset="-127"/>
+                          <a:ea typeface="나눔스퀘어 ExtraBold" panose="020B0600000101010101" pitchFamily="50" charset="-127"/>
+                          <a:cs typeface="+mn-cs"/>
+                        </a:rPr>
+                        <a:t>이상치 처리</a:t>
+                      </a:r>
+                      <a:endParaRPr lang="ko-KR" altLang="en-US" sz="1800" kern="1200" spc="-150" dirty="0">
+                        <a:solidFill>
+                          <a:schemeClr val="bg1"/>
+                        </a:solidFill>
+                        <a:latin typeface="나눔스퀘어 ExtraBold" panose="020B0600000101010101" pitchFamily="50" charset="-127"/>
+                        <a:ea typeface="나눔스퀘어 ExtraBold" panose="020B0600000101010101" pitchFamily="50" charset="-127"/>
+                        <a:cs typeface="+mn-cs"/>
+                      </a:endParaRPr>
+                    </a:p>
+                  </a:txBody>
+                  <a:tcPr anchor="ctr">
+                    <a:solidFill>
+                      <a:srgbClr val="8DBABD"/>
+                    </a:solidFill>
+                  </a:tcPr>
+                </a:tc>
+                <a:tc>
+                  <a:txBody>
+                    <a:bodyPr/>
+                    <a:lstStyle/>
+                    <a:p>
+                      <a:pPr algn="ctr" latinLnBrk="1">
+                        <a:lnSpc>
+                          <a:spcPct val="150000"/>
+                        </a:lnSpc>
+                      </a:pPr>
+                      <a:r>
+                        <a:rPr lang="en-US" altLang="ko-KR" sz="1800" kern="1200" dirty="0" smtClean="0">
+                          <a:solidFill>
+                            <a:schemeClr val="tx1"/>
+                          </a:solidFill>
+                          <a:latin typeface="나눔바른고딕" panose="020B0603020101020101" pitchFamily="50" charset="-127"/>
+                          <a:ea typeface="나눔바른고딕" panose="020B0603020101020101" pitchFamily="50" charset="-127"/>
+                          <a:cs typeface="+mn-cs"/>
+                        </a:rPr>
+                        <a:t>-</a:t>
+                      </a:r>
+                      <a:endParaRPr lang="ko-KR" altLang="en-US" sz="1800" kern="1200" dirty="0">
+                        <a:solidFill>
+                          <a:schemeClr val="tx1"/>
+                        </a:solidFill>
+                        <a:latin typeface="나눔바른고딕" panose="020B0603020101020101" pitchFamily="50" charset="-127"/>
+                        <a:ea typeface="나눔바른고딕" panose="020B0603020101020101" pitchFamily="50" charset="-127"/>
+                        <a:cs typeface="+mn-cs"/>
+                      </a:endParaRPr>
+                    </a:p>
+                  </a:txBody>
+                  <a:tcPr anchor="ctr"/>
+                </a:tc>
+                <a:extLst>
+                  <a:ext uri="{0D108BD9-81ED-4DB2-BD59-A6C34878D82A}">
+                    <a16:rowId xmlns:a16="http://schemas.microsoft.com/office/drawing/2014/main" val="3148013260"/>
+                  </a:ext>
+                </a:extLst>
+              </a:tr>
+              <a:tr h="536699">
+                <a:tc>
+                  <a:txBody>
+                    <a:bodyPr/>
+                    <a:lstStyle/>
+                    <a:p>
+                      <a:pPr algn="ctr" latinLnBrk="1">
+                        <a:lnSpc>
+                          <a:spcPct val="150000"/>
+                        </a:lnSpc>
+                      </a:pPr>
+                      <a:r>
+                        <a:rPr lang="ko-KR" altLang="en-US" sz="1800" kern="1200" spc="-150" dirty="0" smtClean="0">
+                          <a:solidFill>
+                            <a:schemeClr val="bg1"/>
+                          </a:solidFill>
+                          <a:latin typeface="나눔스퀘어 ExtraBold" panose="020B0600000101010101" pitchFamily="50" charset="-127"/>
+                          <a:ea typeface="나눔스퀘어 ExtraBold" panose="020B0600000101010101" pitchFamily="50" charset="-127"/>
+                          <a:cs typeface="+mn-cs"/>
+                        </a:rPr>
+                        <a:t>변수 변환</a:t>
+                      </a:r>
+                      <a:endParaRPr lang="ko-KR" altLang="en-US" sz="1800" kern="1200" spc="-150" dirty="0">
+                        <a:solidFill>
+                          <a:schemeClr val="bg1"/>
+                        </a:solidFill>
+                        <a:latin typeface="나눔스퀘어 ExtraBold" panose="020B0600000101010101" pitchFamily="50" charset="-127"/>
+                        <a:ea typeface="나눔스퀘어 ExtraBold" panose="020B0600000101010101" pitchFamily="50" charset="-127"/>
+                        <a:cs typeface="+mn-cs"/>
+                      </a:endParaRPr>
+                    </a:p>
+                  </a:txBody>
+                  <a:tcPr anchor="ctr">
+                    <a:solidFill>
+                      <a:srgbClr val="8DBABD"/>
+                    </a:solidFill>
+                  </a:tcPr>
+                </a:tc>
+                <a:tc>
+                  <a:txBody>
+                    <a:bodyPr/>
+                    <a:lstStyle/>
+                    <a:p>
+                      <a:pPr algn="l" latinLnBrk="1">
+                        <a:lnSpc>
+                          <a:spcPct val="150000"/>
+                        </a:lnSpc>
+                      </a:pPr>
+                      <a:r>
+                        <a:rPr lang="en-US" altLang="ko-KR" sz="1800" kern="1200" dirty="0" smtClean="0">
+                          <a:solidFill>
+                            <a:schemeClr val="tx1"/>
+                          </a:solidFill>
+                          <a:latin typeface="나눔바른고딕" panose="020B0603020101020101" pitchFamily="50" charset="-127"/>
+                          <a:ea typeface="나눔바른고딕" panose="020B0603020101020101" pitchFamily="50" charset="-127"/>
+                          <a:cs typeface="+mn-cs"/>
+                        </a:rPr>
+                        <a:t>- </a:t>
+                      </a:r>
+                      <a:r>
+                        <a:rPr lang="ko-KR" altLang="en-US" sz="1800" kern="1200" dirty="0" err="1" smtClean="0">
+                          <a:solidFill>
+                            <a:schemeClr val="tx1"/>
+                          </a:solidFill>
+                          <a:latin typeface="나눔바른고딕" panose="020B0603020101020101" pitchFamily="50" charset="-127"/>
+                          <a:ea typeface="나눔바른고딕" panose="020B0603020101020101" pitchFamily="50" charset="-127"/>
+                          <a:cs typeface="+mn-cs"/>
+                        </a:rPr>
+                        <a:t>연속형</a:t>
+                      </a:r>
+                      <a:r>
+                        <a:rPr lang="ko-KR" altLang="en-US" sz="1800" kern="1200" dirty="0" smtClean="0">
+                          <a:solidFill>
+                            <a:schemeClr val="tx1"/>
+                          </a:solidFill>
+                          <a:latin typeface="나눔바른고딕" panose="020B0603020101020101" pitchFamily="50" charset="-127"/>
+                          <a:ea typeface="나눔바른고딕" panose="020B0603020101020101" pitchFamily="50" charset="-127"/>
+                          <a:cs typeface="+mn-cs"/>
+                        </a:rPr>
+                        <a:t> 변수에 한해서 </a:t>
+                      </a:r>
+                      <a:r>
+                        <a:rPr lang="ko-KR" altLang="en-US" sz="1800" kern="1200" dirty="0" err="1" smtClean="0">
+                          <a:solidFill>
+                            <a:schemeClr val="tx1"/>
+                          </a:solidFill>
+                          <a:latin typeface="나눔바른고딕" panose="020B0603020101020101" pitchFamily="50" charset="-127"/>
+                          <a:ea typeface="나눔바른고딕" panose="020B0603020101020101" pitchFamily="50" charset="-127"/>
+                          <a:cs typeface="+mn-cs"/>
+                        </a:rPr>
+                        <a:t>반응변수</a:t>
+                      </a:r>
+                      <a:r>
+                        <a:rPr lang="en-US" altLang="ko-KR" sz="1800" kern="1200" dirty="0" smtClean="0">
+                          <a:solidFill>
+                            <a:schemeClr val="tx1"/>
+                          </a:solidFill>
+                          <a:latin typeface="나눔바른고딕" panose="020B0603020101020101" pitchFamily="50" charset="-127"/>
+                          <a:ea typeface="나눔바른고딕" panose="020B0603020101020101" pitchFamily="50" charset="-127"/>
+                          <a:cs typeface="+mn-cs"/>
+                        </a:rPr>
+                        <a:t>, </a:t>
+                      </a:r>
+                      <a:r>
+                        <a:rPr lang="ko-KR" altLang="en-US" sz="1800" kern="1200" dirty="0" err="1" smtClean="0">
+                          <a:solidFill>
+                            <a:schemeClr val="tx1"/>
+                          </a:solidFill>
+                          <a:latin typeface="나눔바른고딕" panose="020B0603020101020101" pitchFamily="50" charset="-127"/>
+                          <a:ea typeface="나눔바른고딕" panose="020B0603020101020101" pitchFamily="50" charset="-127"/>
+                          <a:cs typeface="+mn-cs"/>
+                        </a:rPr>
+                        <a:t>독립변수에</a:t>
+                      </a:r>
+                      <a:r>
+                        <a:rPr lang="ko-KR" altLang="en-US" sz="1800" kern="1200" dirty="0" smtClean="0">
+                          <a:solidFill>
+                            <a:schemeClr val="tx1"/>
+                          </a:solidFill>
+                          <a:latin typeface="나눔바른고딕" panose="020B0603020101020101" pitchFamily="50" charset="-127"/>
+                          <a:ea typeface="나눔바른고딕" panose="020B0603020101020101" pitchFamily="50" charset="-127"/>
+                          <a:cs typeface="+mn-cs"/>
+                        </a:rPr>
+                        <a:t> </a:t>
+                      </a:r>
+                      <a:r>
+                        <a:rPr lang="ko-KR" altLang="en-US" sz="1800" kern="1200" dirty="0" smtClean="0">
+                          <a:solidFill>
+                            <a:schemeClr val="tx1"/>
+                          </a:solidFill>
+                          <a:latin typeface="나눔바른고딕" panose="020B0603020101020101" pitchFamily="50" charset="-127"/>
+                          <a:ea typeface="나눔바른고딕" panose="020B0603020101020101" pitchFamily="50" charset="-127"/>
+                          <a:cs typeface="+mn-cs"/>
+                        </a:rPr>
+                        <a:t>로그 변환</a:t>
+                      </a:r>
+                      <a:endParaRPr lang="ko-KR" altLang="en-US" sz="1800" kern="1200" dirty="0">
+                        <a:solidFill>
+                          <a:schemeClr val="tx1"/>
+                        </a:solidFill>
+                        <a:latin typeface="나눔바른고딕" panose="020B0603020101020101" pitchFamily="50" charset="-127"/>
+                        <a:ea typeface="나눔바른고딕" panose="020B0603020101020101" pitchFamily="50" charset="-127"/>
+                        <a:cs typeface="+mn-cs"/>
+                      </a:endParaRPr>
+                    </a:p>
+                  </a:txBody>
+                  <a:tcPr anchor="ctr"/>
+                </a:tc>
+                <a:extLst>
+                  <a:ext uri="{0D108BD9-81ED-4DB2-BD59-A6C34878D82A}">
+                    <a16:rowId xmlns:a16="http://schemas.microsoft.com/office/drawing/2014/main" val="3807825347"/>
+                  </a:ext>
+                </a:extLst>
+              </a:tr>
+            </a:tbl>
+          </a:graphicData>
+        </a:graphic>
+      </p:graphicFrame>
     </p:spTree>
     <p:extLst>
       <p:ext uri="{BB962C8B-B14F-4D97-AF65-F5344CB8AC3E}">
         <p14:creationId xmlns:p14="http://schemas.microsoft.com/office/powerpoint/2010/main" val="2825203591"/>
-      </p:ext>
-    </p:extLst>
-  </p:cSld>
-  <p:clrMapOvr>
-    <a:masterClrMapping/>
-  </p:clrMapOvr>
-  <p:timing>
-    <p:tnLst>
-      <p:par>
-        <p:cTn id="1" dur="indefinite" restart="never" nodeType="tmRoot"/>
-      </p:par>
-    </p:tnLst>
-  </p:timing>
-</p:sld>
-</file>
-
-<file path=ppt/slides/slide7.xml><?xml version="1.0" encoding="utf-8"?>
-<p:sld xmlns:a="http://schemas.openxmlformats.org/drawingml/2006/main" xmlns:r="http://schemas.openxmlformats.org/officeDocument/2006/relationships" xmlns:p="http://schemas.openxmlformats.org/presentationml/2006/main">
-  <p:cSld>
-    <p:spTree>
-      <p:nvGrpSpPr>
-        <p:cNvPr id="1" name=""/>
-        <p:cNvGrpSpPr/>
-        <p:nvPr/>
-      </p:nvGrpSpPr>
-      <p:grpSpPr>
-        <a:xfrm>
-          <a:off x="0" y="0"/>
-          <a:ext cx="0" cy="0"/>
-          <a:chOff x="0" y="0"/>
-          <a:chExt cx="0" cy="0"/>
-        </a:xfrm>
-      </p:grpSpPr>
-      <p:sp>
-        <p:nvSpPr>
-          <p:cNvPr id="2" name="TextBox 1"/>
-          <p:cNvSpPr txBox="1"/>
-          <p:nvPr/>
-        </p:nvSpPr>
-        <p:spPr>
-          <a:xfrm>
-            <a:off x="4000500" y="2472873"/>
-            <a:ext cx="797013" cy="769441"/>
-          </a:xfrm>
-          <a:prstGeom prst="rect">
-            <a:avLst/>
-          </a:prstGeom>
-          <a:noFill/>
-        </p:spPr>
-        <p:txBody>
-          <a:bodyPr wrap="none" rtlCol="0">
-            <a:spAutoFit/>
-          </a:bodyPr>
-          <a:lstStyle/>
-          <a:p>
-            <a:r>
-              <a:rPr lang="en-US" altLang="ko-KR" sz="4400" spc="-300" dirty="0" smtClean="0">
-                <a:solidFill>
-                  <a:srgbClr val="00002F"/>
-                </a:solidFill>
-                <a:latin typeface="나눔스퀘어 Bold" panose="020B0600000101010101" pitchFamily="50" charset="-127"/>
-                <a:ea typeface="나눔스퀘어 Bold" panose="020B0600000101010101" pitchFamily="50" charset="-127"/>
-              </a:rPr>
-              <a:t>03</a:t>
-            </a:r>
-            <a:endParaRPr lang="ko-KR" altLang="en-US" sz="4400" spc="-300" dirty="0">
-              <a:solidFill>
-                <a:srgbClr val="00002F"/>
-              </a:solidFill>
-              <a:latin typeface="나눔스퀘어 Bold" panose="020B0600000101010101" pitchFamily="50" charset="-127"/>
-              <a:ea typeface="나눔스퀘어 Bold" panose="020B0600000101010101" pitchFamily="50" charset="-127"/>
-            </a:endParaRPr>
-          </a:p>
-        </p:txBody>
-      </p:sp>
-      <p:sp>
-        <p:nvSpPr>
-          <p:cNvPr id="3" name="직사각형 2"/>
-          <p:cNvSpPr/>
-          <p:nvPr/>
-        </p:nvSpPr>
-        <p:spPr>
-          <a:xfrm>
-            <a:off x="4000499" y="3169741"/>
-            <a:ext cx="4200071" cy="473345"/>
-          </a:xfrm>
-          <a:prstGeom prst="rect">
-            <a:avLst/>
-          </a:prstGeom>
-          <a:solidFill>
-            <a:srgbClr val="8DBABD"/>
-          </a:solidFill>
-          <a:ln>
-            <a:solidFill>
-              <a:srgbClr val="8DBABD"/>
-            </a:solidFill>
-          </a:ln>
-        </p:spPr>
-        <p:style>
-          <a:lnRef idx="2">
-            <a:schemeClr val="accent1">
-              <a:shade val="50000"/>
-            </a:schemeClr>
-          </a:lnRef>
-          <a:fillRef idx="1">
-            <a:schemeClr val="accent1"/>
-          </a:fillRef>
-          <a:effectRef idx="0">
-            <a:schemeClr val="accent1"/>
-          </a:effectRef>
-          <a:fontRef idx="minor">
-            <a:schemeClr val="lt1"/>
-          </a:fontRef>
-        </p:style>
-        <p:txBody>
-          <a:bodyPr rtlCol="0" anchor="ctr"/>
-          <a:lstStyle/>
-          <a:p>
-            <a:pPr algn="ctr"/>
-            <a:r>
-              <a:rPr lang="en-US" altLang="ko-KR" dirty="0" smtClean="0">
-                <a:latin typeface="나눔스퀘어 Bold" panose="020B0600000101010101" pitchFamily="50" charset="-127"/>
-                <a:ea typeface="나눔스퀘어 Bold" panose="020B0600000101010101" pitchFamily="50" charset="-127"/>
-              </a:rPr>
-              <a:t>Method</a:t>
-            </a:r>
-            <a:endParaRPr lang="ko-KR" altLang="en-US" dirty="0">
-              <a:latin typeface="나눔스퀘어 Bold" panose="020B0600000101010101" pitchFamily="50" charset="-127"/>
-              <a:ea typeface="나눔스퀘어 Bold" panose="020B0600000101010101" pitchFamily="50" charset="-127"/>
-            </a:endParaRPr>
-          </a:p>
-        </p:txBody>
-      </p:sp>
-    </p:spTree>
-    <p:extLst>
-      <p:ext uri="{BB962C8B-B14F-4D97-AF65-F5344CB8AC3E}">
-        <p14:creationId xmlns:p14="http://schemas.microsoft.com/office/powerpoint/2010/main" val="244040977"/>
-      </p:ext>
-    </p:extLst>
-  </p:cSld>
-  <p:clrMapOvr>
-    <a:masterClrMapping/>
-  </p:clrMapOvr>
-  <p:timing>
-    <p:tnLst>
-      <p:par>
-        <p:cTn id="1" dur="indefinite" restart="never" nodeType="tmRoot"/>
-      </p:par>
-    </p:tnLst>
-  </p:timing>
-</p:sld>
-</file>
-
-<file path=ppt/slides/slide8.xml><?xml version="1.0" encoding="utf-8"?>
-<p:sld xmlns:a="http://schemas.openxmlformats.org/drawingml/2006/main" xmlns:r="http://schemas.openxmlformats.org/officeDocument/2006/relationships" xmlns:p="http://schemas.openxmlformats.org/presentationml/2006/main">
-  <p:cSld>
-    <p:spTree>
-      <p:nvGrpSpPr>
-        <p:cNvPr id="1" name=""/>
-        <p:cNvGrpSpPr/>
-        <p:nvPr/>
-      </p:nvGrpSpPr>
-      <p:grpSpPr>
-        <a:xfrm>
-          <a:off x="0" y="0"/>
-          <a:ext cx="0" cy="0"/>
-          <a:chOff x="0" y="0"/>
-          <a:chExt cx="0" cy="0"/>
-        </a:xfrm>
-      </p:grpSpPr>
-      <p:sp>
-        <p:nvSpPr>
-          <p:cNvPr id="11" name="TextBox 10"/>
-          <p:cNvSpPr txBox="1"/>
-          <p:nvPr/>
-        </p:nvSpPr>
-        <p:spPr>
-          <a:xfrm>
-            <a:off x="2693979" y="2091297"/>
-            <a:ext cx="946221" cy="584775"/>
-          </a:xfrm>
-          <a:prstGeom prst="rect">
-            <a:avLst/>
-          </a:prstGeom>
-          <a:noFill/>
-        </p:spPr>
-        <p:txBody>
-          <a:bodyPr wrap="none" rtlCol="0">
-            <a:spAutoFit/>
-          </a:bodyPr>
-          <a:lstStyle/>
-          <a:p>
-            <a:pPr algn="ctr"/>
-            <a:r>
-              <a:rPr lang="en-US" altLang="ko-KR" sz="3200" spc="-150" dirty="0" smtClean="0">
-                <a:solidFill>
-                  <a:srgbClr val="8DBABD"/>
-                </a:solidFill>
-                <a:latin typeface="나눔스퀘어 ExtraBold" panose="020B0600000101010101" pitchFamily="50" charset="-127"/>
-                <a:ea typeface="나눔스퀘어 ExtraBold" panose="020B0600000101010101" pitchFamily="50" charset="-127"/>
-              </a:rPr>
-              <a:t>Text</a:t>
-            </a:r>
-            <a:endParaRPr lang="ko-KR" altLang="en-US" sz="3200" spc="-150" dirty="0">
-              <a:solidFill>
-                <a:srgbClr val="8DBABD"/>
-              </a:solidFill>
-              <a:latin typeface="나눔스퀘어 ExtraBold" panose="020B0600000101010101" pitchFamily="50" charset="-127"/>
-              <a:ea typeface="나눔스퀘어 ExtraBold" panose="020B0600000101010101" pitchFamily="50" charset="-127"/>
-            </a:endParaRPr>
-          </a:p>
-        </p:txBody>
-      </p:sp>
-      <p:cxnSp>
-        <p:nvCxnSpPr>
-          <p:cNvPr id="14" name="직선 연결선 13"/>
-          <p:cNvCxnSpPr/>
-          <p:nvPr/>
-        </p:nvCxnSpPr>
-        <p:spPr>
-          <a:xfrm>
-            <a:off x="10430892" y="144941"/>
-            <a:ext cx="360000" cy="0"/>
-          </a:xfrm>
-          <a:prstGeom prst="line">
-            <a:avLst/>
-          </a:prstGeom>
-          <a:ln w="44450" cap="rnd">
-            <a:solidFill>
-              <a:srgbClr val="D0CECE"/>
-            </a:solidFill>
-          </a:ln>
-          <a:effectLst>
-            <a:outerShdw blurRad="50800" dist="38100" dir="5400000" algn="t" rotWithShape="0">
-              <a:prstClr val="black">
-                <a:alpha val="40000"/>
-              </a:prstClr>
-            </a:outerShdw>
-          </a:effectLst>
-        </p:spPr>
-        <p:style>
-          <a:lnRef idx="1">
-            <a:schemeClr val="accent1"/>
-          </a:lnRef>
-          <a:fillRef idx="0">
-            <a:schemeClr val="accent1"/>
-          </a:fillRef>
-          <a:effectRef idx="0">
-            <a:schemeClr val="accent1"/>
-          </a:effectRef>
-          <a:fontRef idx="minor">
-            <a:schemeClr val="tx1"/>
-          </a:fontRef>
-        </p:style>
-      </p:cxnSp>
-      <p:cxnSp>
-        <p:nvCxnSpPr>
-          <p:cNvPr id="15" name="직선 연결선 14"/>
-          <p:cNvCxnSpPr/>
-          <p:nvPr/>
-        </p:nvCxnSpPr>
-        <p:spPr>
-          <a:xfrm>
-            <a:off x="10858459" y="144941"/>
-            <a:ext cx="360000" cy="0"/>
-          </a:xfrm>
-          <a:prstGeom prst="line">
-            <a:avLst/>
-          </a:prstGeom>
-          <a:ln w="44450" cap="rnd">
-            <a:solidFill>
-              <a:schemeClr val="bg2">
-                <a:lumMod val="90000"/>
-              </a:schemeClr>
-            </a:solidFill>
-          </a:ln>
-          <a:effectLst>
-            <a:outerShdw blurRad="50800" dist="38100" dir="5400000" algn="t" rotWithShape="0">
-              <a:prstClr val="black">
-                <a:alpha val="40000"/>
-              </a:prstClr>
-            </a:outerShdw>
-          </a:effectLst>
-        </p:spPr>
-        <p:style>
-          <a:lnRef idx="1">
-            <a:schemeClr val="accent1"/>
-          </a:lnRef>
-          <a:fillRef idx="0">
-            <a:schemeClr val="accent1"/>
-          </a:fillRef>
-          <a:effectRef idx="0">
-            <a:schemeClr val="accent1"/>
-          </a:effectRef>
-          <a:fontRef idx="minor">
-            <a:schemeClr val="tx1"/>
-          </a:fontRef>
-        </p:style>
-      </p:cxnSp>
-      <p:cxnSp>
-        <p:nvCxnSpPr>
-          <p:cNvPr id="16" name="직선 연결선 15"/>
-          <p:cNvCxnSpPr/>
-          <p:nvPr/>
-        </p:nvCxnSpPr>
-        <p:spPr>
-          <a:xfrm>
-            <a:off x="11286026" y="144941"/>
-            <a:ext cx="360000" cy="0"/>
-          </a:xfrm>
-          <a:prstGeom prst="line">
-            <a:avLst/>
-          </a:prstGeom>
-          <a:ln w="44450" cap="rnd">
-            <a:solidFill>
-              <a:srgbClr val="8DBABD"/>
-            </a:solidFill>
-          </a:ln>
-          <a:effectLst>
-            <a:outerShdw blurRad="50800" dist="38100" dir="5400000" algn="t" rotWithShape="0">
-              <a:prstClr val="black">
-                <a:alpha val="40000"/>
-              </a:prstClr>
-            </a:outerShdw>
-          </a:effectLst>
-        </p:spPr>
-        <p:style>
-          <a:lnRef idx="1">
-            <a:schemeClr val="accent1"/>
-          </a:lnRef>
-          <a:fillRef idx="0">
-            <a:schemeClr val="accent1"/>
-          </a:fillRef>
-          <a:effectRef idx="0">
-            <a:schemeClr val="accent1"/>
-          </a:effectRef>
-          <a:fontRef idx="minor">
-            <a:schemeClr val="tx1"/>
-          </a:fontRef>
-        </p:style>
-      </p:cxnSp>
-      <p:cxnSp>
-        <p:nvCxnSpPr>
-          <p:cNvPr id="17" name="직선 연결선 16"/>
-          <p:cNvCxnSpPr/>
-          <p:nvPr/>
-        </p:nvCxnSpPr>
-        <p:spPr>
-          <a:xfrm>
-            <a:off x="11713592" y="144941"/>
-            <a:ext cx="360000" cy="0"/>
-          </a:xfrm>
-          <a:prstGeom prst="line">
-            <a:avLst/>
-          </a:prstGeom>
-          <a:ln w="44450" cap="rnd">
-            <a:solidFill>
-              <a:schemeClr val="bg2">
-                <a:lumMod val="90000"/>
-              </a:schemeClr>
-            </a:solidFill>
-          </a:ln>
-          <a:effectLst>
-            <a:outerShdw blurRad="50800" dist="38100" dir="5400000" algn="t" rotWithShape="0">
-              <a:prstClr val="black">
-                <a:alpha val="40000"/>
-              </a:prstClr>
-            </a:outerShdw>
-          </a:effectLst>
-        </p:spPr>
-        <p:style>
-          <a:lnRef idx="1">
-            <a:schemeClr val="accent1"/>
-          </a:lnRef>
-          <a:fillRef idx="0">
-            <a:schemeClr val="accent1"/>
-          </a:fillRef>
-          <a:effectRef idx="0">
-            <a:schemeClr val="accent1"/>
-          </a:effectRef>
-          <a:fontRef idx="minor">
-            <a:schemeClr val="tx1"/>
-          </a:fontRef>
-        </p:style>
-      </p:cxnSp>
-      <p:cxnSp>
-        <p:nvCxnSpPr>
-          <p:cNvPr id="18" name="직선 연결선 17"/>
-          <p:cNvCxnSpPr/>
-          <p:nvPr/>
-        </p:nvCxnSpPr>
-        <p:spPr>
-          <a:xfrm>
-            <a:off x="1026522" y="989148"/>
-            <a:ext cx="2160000" cy="0"/>
-          </a:xfrm>
-          <a:prstGeom prst="line">
-            <a:avLst/>
-          </a:prstGeom>
-          <a:ln>
-            <a:solidFill>
-              <a:schemeClr val="bg1">
-                <a:lumMod val="50000"/>
-              </a:schemeClr>
-            </a:solidFill>
-          </a:ln>
-        </p:spPr>
-        <p:style>
-          <a:lnRef idx="1">
-            <a:schemeClr val="accent1"/>
-          </a:lnRef>
-          <a:fillRef idx="0">
-            <a:schemeClr val="accent1"/>
-          </a:fillRef>
-          <a:effectRef idx="0">
-            <a:schemeClr val="accent1"/>
-          </a:effectRef>
-          <a:fontRef idx="minor">
-            <a:schemeClr val="tx1"/>
-          </a:fontRef>
-        </p:style>
-      </p:cxnSp>
-      <p:sp>
-        <p:nvSpPr>
-          <p:cNvPr id="19" name="TextBox 18"/>
-          <p:cNvSpPr txBox="1"/>
-          <p:nvPr/>
-        </p:nvSpPr>
-        <p:spPr>
-          <a:xfrm>
-            <a:off x="1311057" y="437393"/>
-            <a:ext cx="1593706" cy="584775"/>
-          </a:xfrm>
-          <a:prstGeom prst="rect">
-            <a:avLst/>
-          </a:prstGeom>
-          <a:noFill/>
-        </p:spPr>
-        <p:txBody>
-          <a:bodyPr wrap="none" rtlCol="0">
-            <a:spAutoFit/>
-          </a:bodyPr>
-          <a:lstStyle/>
-          <a:p>
-            <a:pPr algn="ctr"/>
-            <a:r>
-              <a:rPr lang="en-US" altLang="ko-KR" sz="3200" spc="-150" dirty="0" smtClean="0">
-                <a:solidFill>
-                  <a:srgbClr val="00002F"/>
-                </a:solidFill>
-                <a:latin typeface="나눔스퀘어 ExtraBold" panose="020B0600000101010101" pitchFamily="50" charset="-127"/>
-                <a:ea typeface="나눔스퀘어 ExtraBold" panose="020B0600000101010101" pitchFamily="50" charset="-127"/>
-              </a:rPr>
-              <a:t>Method</a:t>
-            </a:r>
-            <a:endParaRPr lang="ko-KR" altLang="en-US" sz="3200" spc="-150" dirty="0">
-              <a:solidFill>
-                <a:srgbClr val="00002F"/>
-              </a:solidFill>
-              <a:latin typeface="나눔스퀘어 ExtraBold" panose="020B0600000101010101" pitchFamily="50" charset="-127"/>
-              <a:ea typeface="나눔스퀘어 ExtraBold" panose="020B0600000101010101" pitchFamily="50" charset="-127"/>
-            </a:endParaRPr>
-          </a:p>
-        </p:txBody>
-      </p:sp>
-      <p:sp>
-        <p:nvSpPr>
-          <p:cNvPr id="20" name="TextBox 19"/>
-          <p:cNvSpPr txBox="1"/>
-          <p:nvPr/>
-        </p:nvSpPr>
-        <p:spPr>
-          <a:xfrm>
-            <a:off x="455532" y="498947"/>
-            <a:ext cx="614271" cy="461665"/>
-          </a:xfrm>
-          <a:prstGeom prst="rect">
-            <a:avLst/>
-          </a:prstGeom>
-          <a:noFill/>
-        </p:spPr>
-        <p:txBody>
-          <a:bodyPr wrap="none" rtlCol="0">
-            <a:spAutoFit/>
-          </a:bodyPr>
-          <a:lstStyle/>
-          <a:p>
-            <a:pPr algn="ctr"/>
-            <a:r>
-              <a:rPr lang="en-US" altLang="ko-KR" sz="2400" spc="-150" dirty="0" smtClean="0">
-                <a:solidFill>
-                  <a:srgbClr val="00002F"/>
-                </a:solidFill>
-                <a:latin typeface="나눔스퀘어 ExtraBold" panose="020B0600000101010101" pitchFamily="50" charset="-127"/>
-                <a:ea typeface="나눔스퀘어 ExtraBold" panose="020B0600000101010101" pitchFamily="50" charset="-127"/>
-              </a:rPr>
-              <a:t>03.</a:t>
-            </a:r>
-            <a:endParaRPr lang="ko-KR" altLang="en-US" sz="2400" spc="-150" dirty="0">
-              <a:solidFill>
-                <a:srgbClr val="00002F"/>
-              </a:solidFill>
-              <a:latin typeface="나눔스퀘어 ExtraBold" panose="020B0600000101010101" pitchFamily="50" charset="-127"/>
-              <a:ea typeface="나눔스퀘어 ExtraBold" panose="020B0600000101010101" pitchFamily="50" charset="-127"/>
-            </a:endParaRPr>
-          </a:p>
-        </p:txBody>
-      </p:sp>
-      <p:sp>
-        <p:nvSpPr>
-          <p:cNvPr id="21" name="TextBox 20"/>
-          <p:cNvSpPr txBox="1"/>
-          <p:nvPr/>
-        </p:nvSpPr>
-        <p:spPr>
-          <a:xfrm>
-            <a:off x="1069803" y="1006929"/>
-            <a:ext cx="578876" cy="369332"/>
-          </a:xfrm>
-          <a:prstGeom prst="rect">
-            <a:avLst/>
-          </a:prstGeom>
-          <a:noFill/>
-        </p:spPr>
-        <p:txBody>
-          <a:bodyPr wrap="none" rtlCol="0">
-            <a:spAutoFit/>
-          </a:bodyPr>
-          <a:lstStyle/>
-          <a:p>
-            <a:pPr algn="ctr"/>
-            <a:r>
-              <a:rPr lang="en-US" altLang="ko-KR" spc="-150" dirty="0" smtClean="0">
-                <a:solidFill>
-                  <a:srgbClr val="00002F"/>
-                </a:solidFill>
-                <a:latin typeface="나눔스퀘어 ExtraBold" panose="020B0600000101010101" pitchFamily="50" charset="-127"/>
-                <a:ea typeface="나눔스퀘어 ExtraBold" panose="020B0600000101010101" pitchFamily="50" charset="-127"/>
-              </a:rPr>
-              <a:t>Text</a:t>
-            </a:r>
-            <a:endParaRPr lang="ko-KR" altLang="en-US" spc="-150" dirty="0">
-              <a:solidFill>
-                <a:srgbClr val="00002F"/>
-              </a:solidFill>
-              <a:latin typeface="나눔스퀘어 ExtraBold" panose="020B0600000101010101" pitchFamily="50" charset="-127"/>
-              <a:ea typeface="나눔스퀘어 ExtraBold" panose="020B0600000101010101" pitchFamily="50" charset="-127"/>
-            </a:endParaRPr>
-          </a:p>
-        </p:txBody>
-      </p:sp>
-    </p:spTree>
-    <p:extLst>
-      <p:ext uri="{BB962C8B-B14F-4D97-AF65-F5344CB8AC3E}">
-        <p14:creationId xmlns:p14="http://schemas.microsoft.com/office/powerpoint/2010/main" val="1531280797"/>
-      </p:ext>
-    </p:extLst>
-  </p:cSld>
-  <p:clrMapOvr>
-    <a:masterClrMapping/>
-  </p:clrMapOvr>
-  <p:timing>
-    <p:tnLst>
-      <p:par>
-        <p:cTn id="1" dur="indefinite" restart="never" nodeType="tmRoot"/>
-      </p:par>
-    </p:tnLst>
-  </p:timing>
-</p:sld>
-</file>
-
-<file path=ppt/slides/slide9.xml><?xml version="1.0" encoding="utf-8"?>
-<p:sld xmlns:a="http://schemas.openxmlformats.org/drawingml/2006/main" xmlns:r="http://schemas.openxmlformats.org/officeDocument/2006/relationships" xmlns:p="http://schemas.openxmlformats.org/presentationml/2006/main">
-  <p:cSld>
-    <p:spTree>
-      <p:nvGrpSpPr>
-        <p:cNvPr id="1" name=""/>
-        <p:cNvGrpSpPr/>
-        <p:nvPr/>
-      </p:nvGrpSpPr>
-      <p:grpSpPr>
-        <a:xfrm>
-          <a:off x="0" y="0"/>
-          <a:ext cx="0" cy="0"/>
-          <a:chOff x="0" y="0"/>
-          <a:chExt cx="0" cy="0"/>
-        </a:xfrm>
-      </p:grpSpPr>
-      <p:sp>
-        <p:nvSpPr>
-          <p:cNvPr id="2" name="TextBox 1"/>
-          <p:cNvSpPr txBox="1"/>
-          <p:nvPr/>
-        </p:nvSpPr>
-        <p:spPr>
-          <a:xfrm>
-            <a:off x="4000500" y="2472873"/>
-            <a:ext cx="797013" cy="769441"/>
-          </a:xfrm>
-          <a:prstGeom prst="rect">
-            <a:avLst/>
-          </a:prstGeom>
-          <a:noFill/>
-        </p:spPr>
-        <p:txBody>
-          <a:bodyPr wrap="none" rtlCol="0">
-            <a:spAutoFit/>
-          </a:bodyPr>
-          <a:lstStyle/>
-          <a:p>
-            <a:r>
-              <a:rPr lang="en-US" altLang="ko-KR" sz="4400" spc="-300" dirty="0" smtClean="0">
-                <a:solidFill>
-                  <a:srgbClr val="00002F"/>
-                </a:solidFill>
-                <a:latin typeface="나눔스퀘어 Bold" panose="020B0600000101010101" pitchFamily="50" charset="-127"/>
-                <a:ea typeface="나눔스퀘어 Bold" panose="020B0600000101010101" pitchFamily="50" charset="-127"/>
-              </a:rPr>
-              <a:t>04</a:t>
-            </a:r>
-            <a:endParaRPr lang="ko-KR" altLang="en-US" sz="4400" spc="-300" dirty="0">
-              <a:solidFill>
-                <a:srgbClr val="00002F"/>
-              </a:solidFill>
-              <a:latin typeface="나눔스퀘어 Bold" panose="020B0600000101010101" pitchFamily="50" charset="-127"/>
-              <a:ea typeface="나눔스퀘어 Bold" panose="020B0600000101010101" pitchFamily="50" charset="-127"/>
-            </a:endParaRPr>
-          </a:p>
-        </p:txBody>
-      </p:sp>
-      <p:sp>
-        <p:nvSpPr>
-          <p:cNvPr id="3" name="직사각형 2"/>
-          <p:cNvSpPr/>
-          <p:nvPr/>
-        </p:nvSpPr>
-        <p:spPr>
-          <a:xfrm>
-            <a:off x="4000499" y="3169741"/>
-            <a:ext cx="4200071" cy="473345"/>
-          </a:xfrm>
-          <a:prstGeom prst="rect">
-            <a:avLst/>
-          </a:prstGeom>
-          <a:solidFill>
-            <a:srgbClr val="8DBABD"/>
-          </a:solidFill>
-          <a:ln>
-            <a:solidFill>
-              <a:srgbClr val="8DBABD"/>
-            </a:solidFill>
-          </a:ln>
-        </p:spPr>
-        <p:style>
-          <a:lnRef idx="2">
-            <a:schemeClr val="accent1">
-              <a:shade val="50000"/>
-            </a:schemeClr>
-          </a:lnRef>
-          <a:fillRef idx="1">
-            <a:schemeClr val="accent1"/>
-          </a:fillRef>
-          <a:effectRef idx="0">
-            <a:schemeClr val="accent1"/>
-          </a:effectRef>
-          <a:fontRef idx="minor">
-            <a:schemeClr val="lt1"/>
-          </a:fontRef>
-        </p:style>
-        <p:txBody>
-          <a:bodyPr rtlCol="0" anchor="ctr"/>
-          <a:lstStyle/>
-          <a:p>
-            <a:pPr algn="ctr"/>
-            <a:r>
-              <a:rPr lang="en-US" altLang="ko-KR" dirty="0" smtClean="0">
-                <a:latin typeface="나눔스퀘어 Bold" panose="020B0600000101010101" pitchFamily="50" charset="-127"/>
-                <a:ea typeface="나눔스퀘어 Bold" panose="020B0600000101010101" pitchFamily="50" charset="-127"/>
-              </a:rPr>
-              <a:t>Result</a:t>
-            </a:r>
-            <a:endParaRPr lang="ko-KR" altLang="en-US" dirty="0">
-              <a:latin typeface="나눔스퀘어 Bold" panose="020B0600000101010101" pitchFamily="50" charset="-127"/>
-              <a:ea typeface="나눔스퀘어 Bold" panose="020B0600000101010101" pitchFamily="50" charset="-127"/>
-            </a:endParaRPr>
-          </a:p>
-        </p:txBody>
-      </p:sp>
-    </p:spTree>
-    <p:extLst>
-      <p:ext uri="{BB962C8B-B14F-4D97-AF65-F5344CB8AC3E}">
-        <p14:creationId xmlns:p14="http://schemas.microsoft.com/office/powerpoint/2010/main" val="2671169022"/>
       </p:ext>
     </p:extLst>
   </p:cSld>
